--- a/PPT TP Teorico.pptx
+++ b/PPT TP Teorico.pptx
@@ -10,9 +10,11 @@
     <p:sldId id="258" r:id="rId4"/>
     <p:sldId id="264" r:id="rId5"/>
     <p:sldId id="265" r:id="rId6"/>
-    <p:sldId id="266" r:id="rId7"/>
-    <p:sldId id="267" r:id="rId8"/>
-    <p:sldId id="268" r:id="rId9"/>
+    <p:sldId id="269" r:id="rId7"/>
+    <p:sldId id="271" r:id="rId8"/>
+    <p:sldId id="272" r:id="rId9"/>
+    <p:sldId id="267" r:id="rId10"/>
+    <p:sldId id="268" r:id="rId11"/>
   </p:sldIdLst>
   <p:sldSz cx="12192000" cy="6858000"/>
   <p:notesSz cx="6858000" cy="9144000"/>
@@ -279,7 +281,7 @@
           <a:p>
             <a:fld id="{19FB8B9B-FDCF-4E0C-B6DA-70F96D2CF7B5}" type="datetimeFigureOut">
               <a:rPr lang="es-AR" smtClean="0"/>
-              <a:t>24/8/2023</a:t>
+              <a:t>31/8/2023</a:t>
             </a:fld>
             <a:endParaRPr lang="es-AR"/>
           </a:p>
@@ -479,7 +481,7 @@
           <a:p>
             <a:fld id="{19FB8B9B-FDCF-4E0C-B6DA-70F96D2CF7B5}" type="datetimeFigureOut">
               <a:rPr lang="es-AR" smtClean="0"/>
-              <a:t>24/8/2023</a:t>
+              <a:t>31/8/2023</a:t>
             </a:fld>
             <a:endParaRPr lang="es-AR"/>
           </a:p>
@@ -689,7 +691,7 @@
           <a:p>
             <a:fld id="{19FB8B9B-FDCF-4E0C-B6DA-70F96D2CF7B5}" type="datetimeFigureOut">
               <a:rPr lang="es-AR" smtClean="0"/>
-              <a:t>24/8/2023</a:t>
+              <a:t>31/8/2023</a:t>
             </a:fld>
             <a:endParaRPr lang="es-AR"/>
           </a:p>
@@ -889,7 +891,7 @@
           <a:p>
             <a:fld id="{19FB8B9B-FDCF-4E0C-B6DA-70F96D2CF7B5}" type="datetimeFigureOut">
               <a:rPr lang="es-AR" smtClean="0"/>
-              <a:t>24/8/2023</a:t>
+              <a:t>31/8/2023</a:t>
             </a:fld>
             <a:endParaRPr lang="es-AR"/>
           </a:p>
@@ -1165,7 +1167,7 @@
           <a:p>
             <a:fld id="{19FB8B9B-FDCF-4E0C-B6DA-70F96D2CF7B5}" type="datetimeFigureOut">
               <a:rPr lang="es-AR" smtClean="0"/>
-              <a:t>24/8/2023</a:t>
+              <a:t>31/8/2023</a:t>
             </a:fld>
             <a:endParaRPr lang="es-AR"/>
           </a:p>
@@ -1433,7 +1435,7 @@
           <a:p>
             <a:fld id="{19FB8B9B-FDCF-4E0C-B6DA-70F96D2CF7B5}" type="datetimeFigureOut">
               <a:rPr lang="es-AR" smtClean="0"/>
-              <a:t>24/8/2023</a:t>
+              <a:t>31/8/2023</a:t>
             </a:fld>
             <a:endParaRPr lang="es-AR"/>
           </a:p>
@@ -1848,7 +1850,7 @@
           <a:p>
             <a:fld id="{19FB8B9B-FDCF-4E0C-B6DA-70F96D2CF7B5}" type="datetimeFigureOut">
               <a:rPr lang="es-AR" smtClean="0"/>
-              <a:t>24/8/2023</a:t>
+              <a:t>31/8/2023</a:t>
             </a:fld>
             <a:endParaRPr lang="es-AR"/>
           </a:p>
@@ -1990,7 +1992,7 @@
           <a:p>
             <a:fld id="{19FB8B9B-FDCF-4E0C-B6DA-70F96D2CF7B5}" type="datetimeFigureOut">
               <a:rPr lang="es-AR" smtClean="0"/>
-              <a:t>24/8/2023</a:t>
+              <a:t>31/8/2023</a:t>
             </a:fld>
             <a:endParaRPr lang="es-AR"/>
           </a:p>
@@ -2103,7 +2105,7 @@
           <a:p>
             <a:fld id="{19FB8B9B-FDCF-4E0C-B6DA-70F96D2CF7B5}" type="datetimeFigureOut">
               <a:rPr lang="es-AR" smtClean="0"/>
-              <a:t>24/8/2023</a:t>
+              <a:t>31/8/2023</a:t>
             </a:fld>
             <a:endParaRPr lang="es-AR"/>
           </a:p>
@@ -2416,7 +2418,7 @@
           <a:p>
             <a:fld id="{19FB8B9B-FDCF-4E0C-B6DA-70F96D2CF7B5}" type="datetimeFigureOut">
               <a:rPr lang="es-AR" smtClean="0"/>
-              <a:t>24/8/2023</a:t>
+              <a:t>31/8/2023</a:t>
             </a:fld>
             <a:endParaRPr lang="es-AR"/>
           </a:p>
@@ -2705,7 +2707,7 @@
           <a:p>
             <a:fld id="{19FB8B9B-FDCF-4E0C-B6DA-70F96D2CF7B5}" type="datetimeFigureOut">
               <a:rPr lang="es-AR" smtClean="0"/>
-              <a:t>24/8/2023</a:t>
+              <a:t>31/8/2023</a:t>
             </a:fld>
             <a:endParaRPr lang="es-AR"/>
           </a:p>
@@ -2948,7 +2950,7 @@
           <a:p>
             <a:fld id="{19FB8B9B-FDCF-4E0C-B6DA-70F96D2CF7B5}" type="datetimeFigureOut">
               <a:rPr lang="es-AR" smtClean="0"/>
-              <a:t>24/8/2023</a:t>
+              <a:t>31/8/2023</a:t>
             </a:fld>
             <a:endParaRPr lang="es-AR"/>
           </a:p>
@@ -3381,7 +3383,7 @@
                 <a16:creationId xmlns:a16="http://schemas.microsoft.com/office/drawing/2014/main" id="{A8DB9CD9-59B1-4D73-BC4C-98796A48EF9B}"/>
               </a:ext>
               <a:ext uri="{C183D7F6-B498-43B3-948B-1728B52AA6E4}">
-                <adec:decorative xmlns:adec="http://schemas.microsoft.com/office/drawing/2017/decorative" val="1"/>
+                <adec:decorative xmlns:adec="http://schemas.microsoft.com/office/drawing/2017/decorative" xmlns="" val="1"/>
               </a:ext>
             </a:extLst>
           </p:cNvPr>
@@ -3441,7 +3443,7 @@
                 <a16:creationId xmlns:a16="http://schemas.microsoft.com/office/drawing/2014/main" id="{8874A6A9-41FF-4E33-AFA8-F9F81436A59E}"/>
               </a:ext>
               <a:ext uri="{C183D7F6-B498-43B3-948B-1728B52AA6E4}">
-                <adec:decorative xmlns:adec="http://schemas.microsoft.com/office/drawing/2017/decorative" val="1"/>
+                <adec:decorative xmlns:adec="http://schemas.microsoft.com/office/drawing/2017/decorative" xmlns="" val="1"/>
               </a:ext>
             </a:extLst>
           </p:cNvPr>
@@ -3517,7 +3519,7 @@
                 <a16:creationId xmlns:a16="http://schemas.microsoft.com/office/drawing/2014/main" id="{721D730E-1F97-4071-B143-B05E6D2599BC}"/>
               </a:ext>
               <a:ext uri="{C183D7F6-B498-43B3-948B-1728B52AA6E4}">
-                <adec:decorative xmlns:adec="http://schemas.microsoft.com/office/drawing/2017/decorative" val="1"/>
+                <adec:decorative xmlns:adec="http://schemas.microsoft.com/office/drawing/2017/decorative" xmlns="" val="1"/>
               </a:ext>
             </a:extLst>
           </p:cNvPr>
@@ -3548,7 +3550,7 @@
                   <a16:creationId xmlns:a16="http://schemas.microsoft.com/office/drawing/2014/main" id="{B3849C6A-9EE5-4604-8EAE-DD4796B79D8E}"/>
                 </a:ext>
                 <a:ext uri="{C183D7F6-B498-43B3-948B-1728B52AA6E4}">
-                  <adec:decorative xmlns:adec="http://schemas.microsoft.com/office/drawing/2017/decorative" val="1"/>
+                  <adec:decorative xmlns:adec="http://schemas.microsoft.com/office/drawing/2017/decorative" xmlns="" val="1"/>
                 </a:ext>
               </a:extLst>
             </p:cNvPr>
@@ -4303,7 +4305,7 @@
                   <a16:creationId xmlns:a16="http://schemas.microsoft.com/office/drawing/2014/main" id="{308677BE-069B-4A4D-8732-E26B6EF5671A}"/>
                 </a:ext>
                 <a:ext uri="{C183D7F6-B498-43B3-948B-1728B52AA6E4}">
-                  <adec:decorative xmlns:adec="http://schemas.microsoft.com/office/drawing/2017/decorative" val="1"/>
+                  <adec:decorative xmlns:adec="http://schemas.microsoft.com/office/drawing/2017/decorative" xmlns="" val="1"/>
                 </a:ext>
               </a:extLst>
             </p:cNvPr>
@@ -4671,7 +4673,7 @@
                   <a16:creationId xmlns:a16="http://schemas.microsoft.com/office/drawing/2014/main" id="{9A9A575B-DD07-4388-963B-0AF3FDDCF3C0}"/>
                 </a:ext>
                 <a:ext uri="{C183D7F6-B498-43B3-948B-1728B52AA6E4}">
-                  <adec:decorative xmlns:adec="http://schemas.microsoft.com/office/drawing/2017/decorative" val="1"/>
+                  <adec:decorative xmlns:adec="http://schemas.microsoft.com/office/drawing/2017/decorative" xmlns="" val="1"/>
                 </a:ext>
               </a:extLst>
             </p:cNvPr>
@@ -5054,7 +5056,7 @@
                   <a16:creationId xmlns:a16="http://schemas.microsoft.com/office/drawing/2014/main" id="{D55285E4-21EB-4EC1-AB8E-36E881E89927}"/>
                 </a:ext>
                 <a:ext uri="{C183D7F6-B498-43B3-948B-1728B52AA6E4}">
-                  <adec:decorative xmlns:adec="http://schemas.microsoft.com/office/drawing/2017/decorative" val="1"/>
+                  <adec:decorative xmlns:adec="http://schemas.microsoft.com/office/drawing/2017/decorative" xmlns="" val="1"/>
                 </a:ext>
               </a:extLst>
             </p:cNvPr>
@@ -5945,7 +5947,7 @@
                   <a16:creationId xmlns:a16="http://schemas.microsoft.com/office/drawing/2014/main" id="{6A0C77B5-3FAA-4D4F-9555-89D751608873}"/>
                 </a:ext>
                 <a:ext uri="{C183D7F6-B498-43B3-948B-1728B52AA6E4}">
-                  <adec:decorative xmlns:adec="http://schemas.microsoft.com/office/drawing/2017/decorative" val="1"/>
+                  <adec:decorative xmlns:adec="http://schemas.microsoft.com/office/drawing/2017/decorative" xmlns="" val="1"/>
                 </a:ext>
               </a:extLst>
             </p:cNvPr>
@@ -7130,7 +7132,7 @@
                   <a16:creationId xmlns:a16="http://schemas.microsoft.com/office/drawing/2014/main" id="{5F0C96D1-A8B7-4C8E-9997-D823FD1591F9}"/>
                 </a:ext>
                 <a:ext uri="{C183D7F6-B498-43B3-948B-1728B52AA6E4}">
-                  <adec:decorative xmlns:adec="http://schemas.microsoft.com/office/drawing/2017/decorative" val="1"/>
+                  <adec:decorative xmlns:adec="http://schemas.microsoft.com/office/drawing/2017/decorative" xmlns="" val="1"/>
                 </a:ext>
               </a:extLst>
             </p:cNvPr>
@@ -9231,7 +9233,7 @@
                   <a16:creationId xmlns:a16="http://schemas.microsoft.com/office/drawing/2014/main" id="{DA46556D-445B-4CD0-87A0-02A30BD1B152}"/>
                 </a:ext>
                 <a:ext uri="{C183D7F6-B498-43B3-948B-1728B52AA6E4}">
-                  <adec:decorative xmlns:adec="http://schemas.microsoft.com/office/drawing/2017/decorative" val="1"/>
+                  <adec:decorative xmlns:adec="http://schemas.microsoft.com/office/drawing/2017/decorative" xmlns="" val="1"/>
                 </a:ext>
               </a:extLst>
             </p:cNvPr>
@@ -10526,3031 +10528,7 @@
 </p:sld>
 </file>
 
-<file path=ppt/slides/slide2.xml><?xml version="1.0" encoding="utf-8"?>
-<p:sld xmlns:a="http://schemas.openxmlformats.org/drawingml/2006/main" xmlns:r="http://schemas.openxmlformats.org/officeDocument/2006/relationships" xmlns:p="http://schemas.openxmlformats.org/presentationml/2006/main">
-  <p:cSld>
-    <p:bg>
-      <p:bgPr>
-        <a:solidFill>
-          <a:schemeClr val="bg1"/>
-        </a:solidFill>
-        <a:effectLst/>
-      </p:bgPr>
-    </p:bg>
-    <p:spTree>
-      <p:nvGrpSpPr>
-        <p:cNvPr id="1" name=""/>
-        <p:cNvGrpSpPr/>
-        <p:nvPr/>
-      </p:nvGrpSpPr>
-      <p:grpSpPr>
-        <a:xfrm>
-          <a:off x="0" y="0"/>
-          <a:ext cx="0" cy="0"/>
-          <a:chOff x="0" y="0"/>
-          <a:chExt cx="0" cy="0"/>
-        </a:xfrm>
-      </p:grpSpPr>
-      <p:sp useBgFill="1">
-        <p:nvSpPr>
-          <p:cNvPr id="8" name="Rectangle 7">
-            <a:extLst>
-              <a:ext uri="{FF2B5EF4-FFF2-40B4-BE49-F238E27FC236}">
-                <a16:creationId xmlns:a16="http://schemas.microsoft.com/office/drawing/2014/main" id="{907EF6B7-1338-4443-8C46-6A318D952DFD}"/>
-              </a:ext>
-              <a:ext uri="{C183D7F6-B498-43B3-948B-1728B52AA6E4}">
-                <adec:decorative xmlns:adec="http://schemas.microsoft.com/office/drawing/2017/decorative" val="1"/>
-              </a:ext>
-            </a:extLst>
-          </p:cNvPr>
-          <p:cNvSpPr>
-            <a:spLocks noGrp="1" noRot="1" noChangeAspect="1" noMove="1" noResize="1" noEditPoints="1" noAdjustHandles="1" noChangeArrowheads="1" noChangeShapeType="1" noTextEdit="1"/>
-          </p:cNvSpPr>
-          <p:nvPr>
-            <p:extLst>
-              <p:ext uri="{386F3935-93C4-4BCD-93E2-E3B085C9AB24}">
-                <p16:designElem xmlns:p16="http://schemas.microsoft.com/office/powerpoint/2015/main" val="1"/>
-              </p:ext>
-            </p:extLst>
-          </p:nvPr>
-        </p:nvSpPr>
-        <p:spPr>
-          <a:xfrm>
-            <a:off x="3048" y="0"/>
-            <a:ext cx="12188952" cy="6858000"/>
-          </a:xfrm>
-          <a:prstGeom prst="rect">
-            <a:avLst/>
-          </a:prstGeom>
-          <a:ln>
-            <a:noFill/>
-          </a:ln>
-        </p:spPr>
-        <p:style>
-          <a:lnRef idx="2">
-            <a:schemeClr val="accent1">
-              <a:shade val="50000"/>
-            </a:schemeClr>
-          </a:lnRef>
-          <a:fillRef idx="1">
-            <a:schemeClr val="accent1"/>
-          </a:fillRef>
-          <a:effectRef idx="0">
-            <a:schemeClr val="accent1"/>
-          </a:effectRef>
-          <a:fontRef idx="minor">
-            <a:schemeClr val="lt1"/>
-          </a:fontRef>
-        </p:style>
-        <p:txBody>
-          <a:bodyPr rtlCol="0" anchor="ctr"/>
-          <a:lstStyle/>
-          <a:p>
-            <a:pPr algn="ctr"/>
-            <a:endParaRPr lang="en-US"/>
-          </a:p>
-        </p:txBody>
-      </p:sp>
-      <p:sp>
-        <p:nvSpPr>
-          <p:cNvPr id="10" name="Freeform: Shape 9">
-            <a:extLst>
-              <a:ext uri="{FF2B5EF4-FFF2-40B4-BE49-F238E27FC236}">
-                <a16:creationId xmlns:a16="http://schemas.microsoft.com/office/drawing/2014/main" id="{DAAE4CDD-124C-4DCF-9584-B6033B545DD5}"/>
-              </a:ext>
-              <a:ext uri="{C183D7F6-B498-43B3-948B-1728B52AA6E4}">
-                <adec:decorative xmlns:adec="http://schemas.microsoft.com/office/drawing/2017/decorative" val="1"/>
-              </a:ext>
-            </a:extLst>
-          </p:cNvPr>
-          <p:cNvSpPr>
-            <a:spLocks noGrp="1" noRot="1" noChangeAspect="1" noMove="1" noResize="1" noEditPoints="1" noAdjustHandles="1" noChangeArrowheads="1" noChangeShapeType="1" noTextEdit="1"/>
-          </p:cNvSpPr>
-          <p:nvPr>
-            <p:extLst>
-              <p:ext uri="{386F3935-93C4-4BCD-93E2-E3B085C9AB24}">
-                <p16:designElem xmlns:p16="http://schemas.microsoft.com/office/powerpoint/2015/main" val="1"/>
-              </p:ext>
-            </p:extLst>
-          </p:nvPr>
-        </p:nvSpPr>
-        <p:spPr>
-          <a:xfrm>
-            <a:off x="1" y="0"/>
-            <a:ext cx="4167271" cy="6858000"/>
-          </a:xfrm>
-          <a:custGeom>
-            <a:avLst/>
-            <a:gdLst>
-              <a:gd name="connsiteX0" fmla="*/ 0 w 4167271"/>
-              <a:gd name="connsiteY0" fmla="*/ 0 h 6858000"/>
-              <a:gd name="connsiteX1" fmla="*/ 2259550 w 4167271"/>
-              <a:gd name="connsiteY1" fmla="*/ 0 h 6858000"/>
-              <a:gd name="connsiteX2" fmla="*/ 2387803 w 4167271"/>
-              <a:gd name="connsiteY2" fmla="*/ 82222 h 6858000"/>
-              <a:gd name="connsiteX3" fmla="*/ 4167271 w 4167271"/>
-              <a:gd name="connsiteY3" fmla="*/ 3429000 h 6858000"/>
-              <a:gd name="connsiteX4" fmla="*/ 2387803 w 4167271"/>
-              <a:gd name="connsiteY4" fmla="*/ 6775779 h 6858000"/>
-              <a:gd name="connsiteX5" fmla="*/ 2259550 w 4167271"/>
-              <a:gd name="connsiteY5" fmla="*/ 6858000 h 6858000"/>
-              <a:gd name="connsiteX6" fmla="*/ 0 w 4167271"/>
-              <a:gd name="connsiteY6" fmla="*/ 6858000 h 6858000"/>
-            </a:gdLst>
-            <a:ahLst/>
-            <a:cxnLst>
-              <a:cxn ang="0">
-                <a:pos x="connsiteX0" y="connsiteY0"/>
-              </a:cxn>
-              <a:cxn ang="0">
-                <a:pos x="connsiteX1" y="connsiteY1"/>
-              </a:cxn>
-              <a:cxn ang="0">
-                <a:pos x="connsiteX2" y="connsiteY2"/>
-              </a:cxn>
-              <a:cxn ang="0">
-                <a:pos x="connsiteX3" y="connsiteY3"/>
-              </a:cxn>
-              <a:cxn ang="0">
-                <a:pos x="connsiteX4" y="connsiteY4"/>
-              </a:cxn>
-              <a:cxn ang="0">
-                <a:pos x="connsiteX5" y="connsiteY5"/>
-              </a:cxn>
-              <a:cxn ang="0">
-                <a:pos x="connsiteX6" y="connsiteY6"/>
-              </a:cxn>
-            </a:cxnLst>
-            <a:rect l="l" t="t" r="r" b="b"/>
-            <a:pathLst>
-              <a:path w="4167271" h="6858000">
-                <a:moveTo>
-                  <a:pt x="0" y="0"/>
-                </a:moveTo>
-                <a:lnTo>
-                  <a:pt x="2259550" y="0"/>
-                </a:lnTo>
-                <a:lnTo>
-                  <a:pt x="2387803" y="82222"/>
-                </a:lnTo>
-                <a:cubicBezTo>
-                  <a:pt x="3461407" y="807534"/>
-                  <a:pt x="4167271" y="2035835"/>
-                  <a:pt x="4167271" y="3429000"/>
-                </a:cubicBezTo>
-                <a:cubicBezTo>
-                  <a:pt x="4167271" y="4822165"/>
-                  <a:pt x="3461407" y="6050467"/>
-                  <a:pt x="2387803" y="6775779"/>
-                </a:cubicBezTo>
-                <a:lnTo>
-                  <a:pt x="2259550" y="6858000"/>
-                </a:lnTo>
-                <a:lnTo>
-                  <a:pt x="0" y="6858000"/>
-                </a:lnTo>
-                <a:close/>
-              </a:path>
-            </a:pathLst>
-          </a:custGeom>
-          <a:solidFill>
-            <a:schemeClr val="accent2"/>
-          </a:solidFill>
-          <a:ln>
-            <a:noFill/>
-          </a:ln>
-        </p:spPr>
-        <p:style>
-          <a:lnRef idx="2">
-            <a:schemeClr val="accent1">
-              <a:shade val="50000"/>
-            </a:schemeClr>
-          </a:lnRef>
-          <a:fillRef idx="1">
-            <a:schemeClr val="accent1"/>
-          </a:fillRef>
-          <a:effectRef idx="0">
-            <a:schemeClr val="accent1"/>
-          </a:effectRef>
-          <a:fontRef idx="minor">
-            <a:schemeClr val="lt1"/>
-          </a:fontRef>
-        </p:style>
-        <p:txBody>
-          <a:bodyPr rtlCol="0" anchor="ctr"/>
-          <a:lstStyle/>
-          <a:p>
-            <a:pPr algn="ctr"/>
-            <a:endParaRPr lang="en-US"/>
-          </a:p>
-        </p:txBody>
-      </p:sp>
-      <p:sp>
-        <p:nvSpPr>
-          <p:cNvPr id="2" name="Título 1">
-            <a:extLst>
-              <a:ext uri="{FF2B5EF4-FFF2-40B4-BE49-F238E27FC236}">
-                <a16:creationId xmlns:a16="http://schemas.microsoft.com/office/drawing/2014/main" id="{FEFD366E-B19A-6025-65FE-37848B961B0A}"/>
-              </a:ext>
-            </a:extLst>
-          </p:cNvPr>
-          <p:cNvSpPr>
-            <a:spLocks noGrp="1"/>
-          </p:cNvSpPr>
-          <p:nvPr>
-            <p:ph type="title"/>
-          </p:nvPr>
-        </p:nvSpPr>
-        <p:spPr>
-          <a:xfrm>
-            <a:off x="686834" y="1153572"/>
-            <a:ext cx="3200400" cy="4461163"/>
-          </a:xfrm>
-        </p:spPr>
-        <p:txBody>
-          <a:bodyPr>
-            <a:normAutofit/>
-          </a:bodyPr>
-          <a:lstStyle/>
-          <a:p>
-            <a:r>
-              <a:rPr lang="es-ES">
-                <a:solidFill>
-                  <a:srgbClr val="FFFFFF"/>
-                </a:solidFill>
-              </a:rPr>
-              <a:t>Ruby, ¿Qué es y cómo nació?</a:t>
-            </a:r>
-            <a:endParaRPr lang="es-AR">
-              <a:solidFill>
-                <a:srgbClr val="FFFFFF"/>
-              </a:solidFill>
-            </a:endParaRPr>
-          </a:p>
-        </p:txBody>
-      </p:sp>
-      <p:sp>
-        <p:nvSpPr>
-          <p:cNvPr id="12" name="Arc 11">
-            <a:extLst>
-              <a:ext uri="{FF2B5EF4-FFF2-40B4-BE49-F238E27FC236}">
-                <a16:creationId xmlns:a16="http://schemas.microsoft.com/office/drawing/2014/main" id="{081E4A58-353D-44AE-B2FC-2A74E2E400F7}"/>
-              </a:ext>
-              <a:ext uri="{C183D7F6-B498-43B3-948B-1728B52AA6E4}">
-                <adec:decorative xmlns:adec="http://schemas.microsoft.com/office/drawing/2017/decorative" val="1"/>
-              </a:ext>
-            </a:extLst>
-          </p:cNvPr>
-          <p:cNvSpPr>
-            <a:spLocks noGrp="1" noRot="1" noChangeAspect="1" noMove="1" noResize="1" noEditPoints="1" noAdjustHandles="1" noChangeArrowheads="1" noChangeShapeType="1" noTextEdit="1"/>
-          </p:cNvSpPr>
-          <p:nvPr>
-            <p:extLst>
-              <p:ext uri="{386F3935-93C4-4BCD-93E2-E3B085C9AB24}">
-                <p16:designElem xmlns:p16="http://schemas.microsoft.com/office/powerpoint/2015/main" val="1"/>
-              </p:ext>
-            </p:extLst>
-          </p:nvPr>
-        </p:nvSpPr>
-        <p:spPr>
-          <a:xfrm flipV="1">
-            <a:off x="7550402" y="2455479"/>
-            <a:ext cx="4083433" cy="4083433"/>
-          </a:xfrm>
-          <a:prstGeom prst="arc">
-            <a:avLst/>
-          </a:prstGeom>
-          <a:ln w="127000" cap="rnd">
-            <a:solidFill>
-              <a:schemeClr val="accent4"/>
-            </a:solidFill>
-            <a:prstDash val="dash"/>
-          </a:ln>
-        </p:spPr>
-        <p:style>
-          <a:lnRef idx="1">
-            <a:schemeClr val="accent1"/>
-          </a:lnRef>
-          <a:fillRef idx="0">
-            <a:schemeClr val="accent1"/>
-          </a:fillRef>
-          <a:effectRef idx="0">
-            <a:schemeClr val="accent1"/>
-          </a:effectRef>
-          <a:fontRef idx="minor">
-            <a:schemeClr val="tx1"/>
-          </a:fontRef>
-        </p:style>
-        <p:txBody>
-          <a:bodyPr rtlCol="0" anchor="ctr"/>
-          <a:lstStyle/>
-          <a:p>
-            <a:pPr algn="ctr"/>
-            <a:endParaRPr lang="en-US" dirty="0"/>
-          </a:p>
-        </p:txBody>
-      </p:sp>
-      <p:sp>
-        <p:nvSpPr>
-          <p:cNvPr id="3" name="Marcador de contenido 2">
-            <a:extLst>
-              <a:ext uri="{FF2B5EF4-FFF2-40B4-BE49-F238E27FC236}">
-                <a16:creationId xmlns:a16="http://schemas.microsoft.com/office/drawing/2014/main" id="{35219FC1-ED62-67D0-191F-120AFD3F9CCB}"/>
-              </a:ext>
-            </a:extLst>
-          </p:cNvPr>
-          <p:cNvSpPr>
-            <a:spLocks noGrp="1"/>
-          </p:cNvSpPr>
-          <p:nvPr>
-            <p:ph idx="1"/>
-          </p:nvPr>
-        </p:nvSpPr>
-        <p:spPr>
-          <a:xfrm>
-            <a:off x="4447308" y="319088"/>
-            <a:ext cx="6906491" cy="5857875"/>
-          </a:xfrm>
-        </p:spPr>
-        <p:txBody>
-          <a:bodyPr anchor="ctr">
-            <a:normAutofit/>
-          </a:bodyPr>
-          <a:lstStyle/>
-          <a:p>
-            <a:r>
-              <a:rPr lang="es-MX" sz="2400" dirty="0">
-                <a:effectLst/>
-                <a:latin typeface="Arial" panose="020B0604020202020204" pitchFamily="34" charset="0"/>
-                <a:ea typeface="Calibri" panose="020F0502020204030204" pitchFamily="34" charset="0"/>
-                <a:cs typeface="Times New Roman" panose="02020603050405020304" pitchFamily="18" charset="0"/>
-              </a:rPr>
-              <a:t>Ruby es un lenguaje de programación principalmente orientado a objetos. </a:t>
-            </a:r>
-            <a:r>
-              <a:rPr lang="es-ES" sz="2400" dirty="0">
-                <a:effectLst/>
-                <a:latin typeface="Arial" panose="020B0604020202020204" pitchFamily="34" charset="0"/>
-                <a:ea typeface="Calibri" panose="020F0502020204030204" pitchFamily="34" charset="0"/>
-                <a:cs typeface="Times New Roman" panose="02020603050405020304" pitchFamily="18" charset="0"/>
-              </a:rPr>
-              <a:t>Es un lenguaje interpretado de alto nivel a la vez que dinámico y flexible.</a:t>
-            </a:r>
-          </a:p>
-          <a:p>
-            <a:r>
-              <a:rPr lang="es-MX" sz="2400" dirty="0">
-                <a:effectLst/>
-                <a:latin typeface="Arial" panose="020B0604020202020204" pitchFamily="34" charset="0"/>
-                <a:ea typeface="Calibri" panose="020F0502020204030204" pitchFamily="34" charset="0"/>
-                <a:cs typeface="Times New Roman" panose="02020603050405020304" pitchFamily="18" charset="0"/>
-              </a:rPr>
-              <a:t>Fue creado por </a:t>
-            </a:r>
-            <a:r>
-              <a:rPr lang="es-MX" sz="2400" dirty="0" err="1">
-                <a:effectLst/>
-                <a:latin typeface="Arial" panose="020B0604020202020204" pitchFamily="34" charset="0"/>
-                <a:ea typeface="Calibri" panose="020F0502020204030204" pitchFamily="34" charset="0"/>
-                <a:cs typeface="Times New Roman" panose="02020603050405020304" pitchFamily="18" charset="0"/>
-              </a:rPr>
-              <a:t>Yukihiro</a:t>
-            </a:r>
-            <a:r>
-              <a:rPr lang="es-MX" sz="2400" dirty="0">
-                <a:effectLst/>
-                <a:latin typeface="Arial" panose="020B0604020202020204" pitchFamily="34" charset="0"/>
-                <a:ea typeface="Calibri" panose="020F0502020204030204" pitchFamily="34" charset="0"/>
-                <a:cs typeface="Times New Roman" panose="02020603050405020304" pitchFamily="18" charset="0"/>
-              </a:rPr>
-              <a:t> "</a:t>
-            </a:r>
-            <a:r>
-              <a:rPr lang="es-MX" sz="2400" dirty="0" err="1">
-                <a:effectLst/>
-                <a:latin typeface="Arial" panose="020B0604020202020204" pitchFamily="34" charset="0"/>
-                <a:ea typeface="Calibri" panose="020F0502020204030204" pitchFamily="34" charset="0"/>
-                <a:cs typeface="Times New Roman" panose="02020603050405020304" pitchFamily="18" charset="0"/>
-              </a:rPr>
-              <a:t>Matz</a:t>
-            </a:r>
-            <a:r>
-              <a:rPr lang="es-MX" sz="2400" dirty="0">
-                <a:effectLst/>
-                <a:latin typeface="Arial" panose="020B0604020202020204" pitchFamily="34" charset="0"/>
-                <a:ea typeface="Calibri" panose="020F0502020204030204" pitchFamily="34" charset="0"/>
-                <a:cs typeface="Times New Roman" panose="02020603050405020304" pitchFamily="18" charset="0"/>
-              </a:rPr>
-              <a:t>" Matsumoto en Japón, habiendo lanzado la primera versión pública, Ruby 0.95, fue lanzada en 1995. . </a:t>
-            </a:r>
-          </a:p>
-          <a:p>
-            <a:r>
-              <a:rPr lang="es-MX" sz="2400" dirty="0">
-                <a:effectLst/>
-                <a:latin typeface="Arial" panose="020B0604020202020204" pitchFamily="34" charset="0"/>
-                <a:ea typeface="Calibri" panose="020F0502020204030204" pitchFamily="34" charset="0"/>
-                <a:cs typeface="Times New Roman" panose="02020603050405020304" pitchFamily="18" charset="0"/>
-              </a:rPr>
-              <a:t>Matsumoto diseñó Ruby para combinar la simplicidad y la elegancia de la sintaxis con la potencia de la programación orientada a objetos. </a:t>
-            </a:r>
-          </a:p>
-          <a:p>
-            <a:r>
-              <a:rPr lang="es-MX" sz="2400" dirty="0">
-                <a:effectLst/>
-                <a:latin typeface="Arial" panose="020B0604020202020204" pitchFamily="34" charset="0"/>
-                <a:ea typeface="Calibri" panose="020F0502020204030204" pitchFamily="34" charset="0"/>
-                <a:cs typeface="Times New Roman" panose="02020603050405020304" pitchFamily="18" charset="0"/>
-              </a:rPr>
-              <a:t>Ruby ganó popularidad, especialmente con la creación del influyente </a:t>
-            </a:r>
-            <a:r>
-              <a:rPr lang="es-MX" sz="2400" dirty="0" err="1">
-                <a:effectLst/>
-                <a:latin typeface="Arial" panose="020B0604020202020204" pitchFamily="34" charset="0"/>
-                <a:ea typeface="Calibri" panose="020F0502020204030204" pitchFamily="34" charset="0"/>
-                <a:cs typeface="Times New Roman" panose="02020603050405020304" pitchFamily="18" charset="0"/>
-              </a:rPr>
-              <a:t>framework</a:t>
-            </a:r>
-            <a:r>
-              <a:rPr lang="es-MX" sz="2400" dirty="0">
-                <a:effectLst/>
-                <a:latin typeface="Arial" panose="020B0604020202020204" pitchFamily="34" charset="0"/>
-                <a:ea typeface="Calibri" panose="020F0502020204030204" pitchFamily="34" charset="0"/>
-                <a:cs typeface="Times New Roman" panose="02020603050405020304" pitchFamily="18" charset="0"/>
-              </a:rPr>
-              <a:t> de desarrollo web Ruby </a:t>
-            </a:r>
-            <a:r>
-              <a:rPr lang="es-MX" sz="2400" dirty="0" err="1">
-                <a:effectLst/>
-                <a:latin typeface="Arial" panose="020B0604020202020204" pitchFamily="34" charset="0"/>
-                <a:ea typeface="Calibri" panose="020F0502020204030204" pitchFamily="34" charset="0"/>
-                <a:cs typeface="Times New Roman" panose="02020603050405020304" pitchFamily="18" charset="0"/>
-              </a:rPr>
-              <a:t>on</a:t>
-            </a:r>
-            <a:r>
-              <a:rPr lang="es-MX" sz="2400" dirty="0">
-                <a:effectLst/>
-                <a:latin typeface="Arial" panose="020B0604020202020204" pitchFamily="34" charset="0"/>
-                <a:ea typeface="Calibri" panose="020F0502020204030204" pitchFamily="34" charset="0"/>
-                <a:cs typeface="Times New Roman" panose="02020603050405020304" pitchFamily="18" charset="0"/>
-              </a:rPr>
-              <a:t> </a:t>
-            </a:r>
-            <a:r>
-              <a:rPr lang="es-MX" sz="2400" dirty="0" err="1">
-                <a:effectLst/>
-                <a:latin typeface="Arial" panose="020B0604020202020204" pitchFamily="34" charset="0"/>
-                <a:ea typeface="Calibri" panose="020F0502020204030204" pitchFamily="34" charset="0"/>
-                <a:cs typeface="Times New Roman" panose="02020603050405020304" pitchFamily="18" charset="0"/>
-              </a:rPr>
-              <a:t>Rails</a:t>
-            </a:r>
-            <a:r>
-              <a:rPr lang="es-MX" sz="2400" dirty="0">
-                <a:effectLst/>
-                <a:latin typeface="Arial" panose="020B0604020202020204" pitchFamily="34" charset="0"/>
-                <a:ea typeface="Calibri" panose="020F0502020204030204" pitchFamily="34" charset="0"/>
-                <a:cs typeface="Times New Roman" panose="02020603050405020304" pitchFamily="18" charset="0"/>
-              </a:rPr>
-              <a:t> en 2005. </a:t>
-            </a:r>
-            <a:endParaRPr lang="es-AR" sz="2400" dirty="0">
-              <a:effectLst/>
-              <a:latin typeface="Calibri" panose="020F0502020204030204" pitchFamily="34" charset="0"/>
-              <a:ea typeface="Calibri" panose="020F0502020204030204" pitchFamily="34" charset="0"/>
-              <a:cs typeface="Times New Roman" panose="02020603050405020304" pitchFamily="18" charset="0"/>
-            </a:endParaRPr>
-          </a:p>
-          <a:p>
-            <a:endParaRPr lang="es-AR" sz="2400" dirty="0"/>
-          </a:p>
-        </p:txBody>
-      </p:sp>
-    </p:spTree>
-    <p:extLst>
-      <p:ext uri="{BB962C8B-B14F-4D97-AF65-F5344CB8AC3E}">
-        <p14:creationId xmlns:p14="http://schemas.microsoft.com/office/powerpoint/2010/main" val="3744016348"/>
-      </p:ext>
-    </p:extLst>
-  </p:cSld>
-  <p:clrMapOvr>
-    <a:masterClrMapping/>
-  </p:clrMapOvr>
-</p:sld>
-</file>
-
-<file path=ppt/slides/slide3.xml><?xml version="1.0" encoding="utf-8"?>
-<p:sld xmlns:a="http://schemas.openxmlformats.org/drawingml/2006/main" xmlns:r="http://schemas.openxmlformats.org/officeDocument/2006/relationships" xmlns:p="http://schemas.openxmlformats.org/presentationml/2006/main">
-  <p:cSld>
-    <p:bg>
-      <p:bgPr>
-        <a:solidFill>
-          <a:schemeClr val="bg1"/>
-        </a:solidFill>
-        <a:effectLst/>
-      </p:bgPr>
-    </p:bg>
-    <p:spTree>
-      <p:nvGrpSpPr>
-        <p:cNvPr id="1" name=""/>
-        <p:cNvGrpSpPr/>
-        <p:nvPr/>
-      </p:nvGrpSpPr>
-      <p:grpSpPr>
-        <a:xfrm>
-          <a:off x="0" y="0"/>
-          <a:ext cx="0" cy="0"/>
-          <a:chOff x="0" y="0"/>
-          <a:chExt cx="0" cy="0"/>
-        </a:xfrm>
-      </p:grpSpPr>
-      <p:sp useBgFill="1">
-        <p:nvSpPr>
-          <p:cNvPr id="8" name="Rectangle 7">
-            <a:extLst>
-              <a:ext uri="{FF2B5EF4-FFF2-40B4-BE49-F238E27FC236}">
-                <a16:creationId xmlns:a16="http://schemas.microsoft.com/office/drawing/2014/main" id="{907EF6B7-1338-4443-8C46-6A318D952DFD}"/>
-              </a:ext>
-              <a:ext uri="{C183D7F6-B498-43B3-948B-1728B52AA6E4}">
-                <adec:decorative xmlns:adec="http://schemas.microsoft.com/office/drawing/2017/decorative" val="1"/>
-              </a:ext>
-            </a:extLst>
-          </p:cNvPr>
-          <p:cNvSpPr>
-            <a:spLocks noGrp="1" noRot="1" noChangeAspect="1" noMove="1" noResize="1" noEditPoints="1" noAdjustHandles="1" noChangeArrowheads="1" noChangeShapeType="1" noTextEdit="1"/>
-          </p:cNvSpPr>
-          <p:nvPr>
-            <p:extLst>
-              <p:ext uri="{386F3935-93C4-4BCD-93E2-E3B085C9AB24}">
-                <p16:designElem xmlns:p16="http://schemas.microsoft.com/office/powerpoint/2015/main" val="1"/>
-              </p:ext>
-            </p:extLst>
-          </p:nvPr>
-        </p:nvSpPr>
-        <p:spPr>
-          <a:xfrm>
-            <a:off x="3048" y="0"/>
-            <a:ext cx="12188952" cy="6858000"/>
-          </a:xfrm>
-          <a:prstGeom prst="rect">
-            <a:avLst/>
-          </a:prstGeom>
-          <a:ln>
-            <a:noFill/>
-          </a:ln>
-        </p:spPr>
-        <p:style>
-          <a:lnRef idx="2">
-            <a:schemeClr val="accent1">
-              <a:shade val="50000"/>
-            </a:schemeClr>
-          </a:lnRef>
-          <a:fillRef idx="1">
-            <a:schemeClr val="accent1"/>
-          </a:fillRef>
-          <a:effectRef idx="0">
-            <a:schemeClr val="accent1"/>
-          </a:effectRef>
-          <a:fontRef idx="minor">
-            <a:schemeClr val="lt1"/>
-          </a:fontRef>
-        </p:style>
-        <p:txBody>
-          <a:bodyPr rtlCol="0" anchor="ctr"/>
-          <a:lstStyle/>
-          <a:p>
-            <a:pPr algn="ctr"/>
-            <a:endParaRPr lang="en-US"/>
-          </a:p>
-        </p:txBody>
-      </p:sp>
-      <p:sp>
-        <p:nvSpPr>
-          <p:cNvPr id="10" name="Freeform: Shape 9">
-            <a:extLst>
-              <a:ext uri="{FF2B5EF4-FFF2-40B4-BE49-F238E27FC236}">
-                <a16:creationId xmlns:a16="http://schemas.microsoft.com/office/drawing/2014/main" id="{DAAE4CDD-124C-4DCF-9584-B6033B545DD5}"/>
-              </a:ext>
-              <a:ext uri="{C183D7F6-B498-43B3-948B-1728B52AA6E4}">
-                <adec:decorative xmlns:adec="http://schemas.microsoft.com/office/drawing/2017/decorative" val="1"/>
-              </a:ext>
-            </a:extLst>
-          </p:cNvPr>
-          <p:cNvSpPr>
-            <a:spLocks noGrp="1" noRot="1" noChangeAspect="1" noMove="1" noResize="1" noEditPoints="1" noAdjustHandles="1" noChangeArrowheads="1" noChangeShapeType="1" noTextEdit="1"/>
-          </p:cNvSpPr>
-          <p:nvPr>
-            <p:extLst>
-              <p:ext uri="{386F3935-93C4-4BCD-93E2-E3B085C9AB24}">
-                <p16:designElem xmlns:p16="http://schemas.microsoft.com/office/powerpoint/2015/main" val="1"/>
-              </p:ext>
-            </p:extLst>
-          </p:nvPr>
-        </p:nvSpPr>
-        <p:spPr>
-          <a:xfrm>
-            <a:off x="1" y="0"/>
-            <a:ext cx="4167271" cy="6858000"/>
-          </a:xfrm>
-          <a:custGeom>
-            <a:avLst/>
-            <a:gdLst>
-              <a:gd name="connsiteX0" fmla="*/ 0 w 4167271"/>
-              <a:gd name="connsiteY0" fmla="*/ 0 h 6858000"/>
-              <a:gd name="connsiteX1" fmla="*/ 2259550 w 4167271"/>
-              <a:gd name="connsiteY1" fmla="*/ 0 h 6858000"/>
-              <a:gd name="connsiteX2" fmla="*/ 2387803 w 4167271"/>
-              <a:gd name="connsiteY2" fmla="*/ 82222 h 6858000"/>
-              <a:gd name="connsiteX3" fmla="*/ 4167271 w 4167271"/>
-              <a:gd name="connsiteY3" fmla="*/ 3429000 h 6858000"/>
-              <a:gd name="connsiteX4" fmla="*/ 2387803 w 4167271"/>
-              <a:gd name="connsiteY4" fmla="*/ 6775779 h 6858000"/>
-              <a:gd name="connsiteX5" fmla="*/ 2259550 w 4167271"/>
-              <a:gd name="connsiteY5" fmla="*/ 6858000 h 6858000"/>
-              <a:gd name="connsiteX6" fmla="*/ 0 w 4167271"/>
-              <a:gd name="connsiteY6" fmla="*/ 6858000 h 6858000"/>
-            </a:gdLst>
-            <a:ahLst/>
-            <a:cxnLst>
-              <a:cxn ang="0">
-                <a:pos x="connsiteX0" y="connsiteY0"/>
-              </a:cxn>
-              <a:cxn ang="0">
-                <a:pos x="connsiteX1" y="connsiteY1"/>
-              </a:cxn>
-              <a:cxn ang="0">
-                <a:pos x="connsiteX2" y="connsiteY2"/>
-              </a:cxn>
-              <a:cxn ang="0">
-                <a:pos x="connsiteX3" y="connsiteY3"/>
-              </a:cxn>
-              <a:cxn ang="0">
-                <a:pos x="connsiteX4" y="connsiteY4"/>
-              </a:cxn>
-              <a:cxn ang="0">
-                <a:pos x="connsiteX5" y="connsiteY5"/>
-              </a:cxn>
-              <a:cxn ang="0">
-                <a:pos x="connsiteX6" y="connsiteY6"/>
-              </a:cxn>
-            </a:cxnLst>
-            <a:rect l="l" t="t" r="r" b="b"/>
-            <a:pathLst>
-              <a:path w="4167271" h="6858000">
-                <a:moveTo>
-                  <a:pt x="0" y="0"/>
-                </a:moveTo>
-                <a:lnTo>
-                  <a:pt x="2259550" y="0"/>
-                </a:lnTo>
-                <a:lnTo>
-                  <a:pt x="2387803" y="82222"/>
-                </a:lnTo>
-                <a:cubicBezTo>
-                  <a:pt x="3461407" y="807534"/>
-                  <a:pt x="4167271" y="2035835"/>
-                  <a:pt x="4167271" y="3429000"/>
-                </a:cubicBezTo>
-                <a:cubicBezTo>
-                  <a:pt x="4167271" y="4822165"/>
-                  <a:pt x="3461407" y="6050467"/>
-                  <a:pt x="2387803" y="6775779"/>
-                </a:cubicBezTo>
-                <a:lnTo>
-                  <a:pt x="2259550" y="6858000"/>
-                </a:lnTo>
-                <a:lnTo>
-                  <a:pt x="0" y="6858000"/>
-                </a:lnTo>
-                <a:close/>
-              </a:path>
-            </a:pathLst>
-          </a:custGeom>
-          <a:solidFill>
-            <a:schemeClr val="accent2"/>
-          </a:solidFill>
-          <a:ln>
-            <a:noFill/>
-          </a:ln>
-        </p:spPr>
-        <p:style>
-          <a:lnRef idx="2">
-            <a:schemeClr val="accent1">
-              <a:shade val="50000"/>
-            </a:schemeClr>
-          </a:lnRef>
-          <a:fillRef idx="1">
-            <a:schemeClr val="accent1"/>
-          </a:fillRef>
-          <a:effectRef idx="0">
-            <a:schemeClr val="accent1"/>
-          </a:effectRef>
-          <a:fontRef idx="minor">
-            <a:schemeClr val="lt1"/>
-          </a:fontRef>
-        </p:style>
-        <p:txBody>
-          <a:bodyPr rtlCol="0" anchor="ctr"/>
-          <a:lstStyle/>
-          <a:p>
-            <a:pPr algn="ctr"/>
-            <a:endParaRPr lang="en-US"/>
-          </a:p>
-        </p:txBody>
-      </p:sp>
-      <p:sp>
-        <p:nvSpPr>
-          <p:cNvPr id="2" name="Título 1">
-            <a:extLst>
-              <a:ext uri="{FF2B5EF4-FFF2-40B4-BE49-F238E27FC236}">
-                <a16:creationId xmlns:a16="http://schemas.microsoft.com/office/drawing/2014/main" id="{D3915112-71E5-F1AE-A864-786B5A6DE6ED}"/>
-              </a:ext>
-            </a:extLst>
-          </p:cNvPr>
-          <p:cNvSpPr>
-            <a:spLocks noGrp="1"/>
-          </p:cNvSpPr>
-          <p:nvPr>
-            <p:ph type="title"/>
-          </p:nvPr>
-        </p:nvSpPr>
-        <p:spPr>
-          <a:xfrm>
-            <a:off x="686834" y="1153572"/>
-            <a:ext cx="3200400" cy="4461163"/>
-          </a:xfrm>
-        </p:spPr>
-        <p:txBody>
-          <a:bodyPr>
-            <a:normAutofit/>
-          </a:bodyPr>
-          <a:lstStyle/>
-          <a:p>
-            <a:r>
-              <a:rPr lang="es-ES">
-                <a:solidFill>
-                  <a:srgbClr val="FFFFFF"/>
-                </a:solidFill>
-              </a:rPr>
-              <a:t>TypeScript, ¿Qué es y cómo nació?</a:t>
-            </a:r>
-            <a:endParaRPr lang="es-AR">
-              <a:solidFill>
-                <a:srgbClr val="FFFFFF"/>
-              </a:solidFill>
-            </a:endParaRPr>
-          </a:p>
-        </p:txBody>
-      </p:sp>
-      <p:sp>
-        <p:nvSpPr>
-          <p:cNvPr id="12" name="Arc 11">
-            <a:extLst>
-              <a:ext uri="{FF2B5EF4-FFF2-40B4-BE49-F238E27FC236}">
-                <a16:creationId xmlns:a16="http://schemas.microsoft.com/office/drawing/2014/main" id="{081E4A58-353D-44AE-B2FC-2A74E2E400F7}"/>
-              </a:ext>
-              <a:ext uri="{C183D7F6-B498-43B3-948B-1728B52AA6E4}">
-                <adec:decorative xmlns:adec="http://schemas.microsoft.com/office/drawing/2017/decorative" val="1"/>
-              </a:ext>
-            </a:extLst>
-          </p:cNvPr>
-          <p:cNvSpPr>
-            <a:spLocks noGrp="1" noRot="1" noChangeAspect="1" noMove="1" noResize="1" noEditPoints="1" noAdjustHandles="1" noChangeArrowheads="1" noChangeShapeType="1" noTextEdit="1"/>
-          </p:cNvSpPr>
-          <p:nvPr>
-            <p:extLst>
-              <p:ext uri="{386F3935-93C4-4BCD-93E2-E3B085C9AB24}">
-                <p16:designElem xmlns:p16="http://schemas.microsoft.com/office/powerpoint/2015/main" val="1"/>
-              </p:ext>
-            </p:extLst>
-          </p:nvPr>
-        </p:nvSpPr>
-        <p:spPr>
-          <a:xfrm flipV="1">
-            <a:off x="7550402" y="2455479"/>
-            <a:ext cx="4083433" cy="4083433"/>
-          </a:xfrm>
-          <a:prstGeom prst="arc">
-            <a:avLst/>
-          </a:prstGeom>
-          <a:ln w="127000" cap="rnd">
-            <a:solidFill>
-              <a:schemeClr val="accent4"/>
-            </a:solidFill>
-            <a:prstDash val="dash"/>
-          </a:ln>
-        </p:spPr>
-        <p:style>
-          <a:lnRef idx="1">
-            <a:schemeClr val="accent1"/>
-          </a:lnRef>
-          <a:fillRef idx="0">
-            <a:schemeClr val="accent1"/>
-          </a:fillRef>
-          <a:effectRef idx="0">
-            <a:schemeClr val="accent1"/>
-          </a:effectRef>
-          <a:fontRef idx="minor">
-            <a:schemeClr val="tx1"/>
-          </a:fontRef>
-        </p:style>
-        <p:txBody>
-          <a:bodyPr rtlCol="0" anchor="ctr"/>
-          <a:lstStyle/>
-          <a:p>
-            <a:pPr algn="ctr"/>
-            <a:endParaRPr lang="en-US" dirty="0"/>
-          </a:p>
-        </p:txBody>
-      </p:sp>
-      <p:sp>
-        <p:nvSpPr>
-          <p:cNvPr id="3" name="Marcador de contenido 2">
-            <a:extLst>
-              <a:ext uri="{FF2B5EF4-FFF2-40B4-BE49-F238E27FC236}">
-                <a16:creationId xmlns:a16="http://schemas.microsoft.com/office/drawing/2014/main" id="{FDFE96FB-D198-1780-C2B6-46B591E20C88}"/>
-              </a:ext>
-            </a:extLst>
-          </p:cNvPr>
-          <p:cNvSpPr>
-            <a:spLocks noGrp="1"/>
-          </p:cNvSpPr>
-          <p:nvPr>
-            <p:ph idx="1"/>
-          </p:nvPr>
-        </p:nvSpPr>
-        <p:spPr>
-          <a:xfrm>
-            <a:off x="4447308" y="591344"/>
-            <a:ext cx="6906491" cy="5585619"/>
-          </a:xfrm>
-        </p:spPr>
-        <p:txBody>
-          <a:bodyPr anchor="ctr">
-            <a:normAutofit/>
-          </a:bodyPr>
-          <a:lstStyle/>
-          <a:p>
-            <a:r>
-              <a:rPr lang="es-MX" sz="2200" dirty="0" err="1">
-                <a:effectLst/>
-                <a:latin typeface="Arial" panose="020B0604020202020204" pitchFamily="34" charset="0"/>
-                <a:ea typeface="Calibri" panose="020F0502020204030204" pitchFamily="34" charset="0"/>
-                <a:cs typeface="Times New Roman" panose="02020603050405020304" pitchFamily="18" charset="0"/>
-              </a:rPr>
-              <a:t>TypeScript</a:t>
-            </a:r>
-            <a:r>
-              <a:rPr lang="es-MX" sz="2200" dirty="0">
-                <a:effectLst/>
-                <a:latin typeface="Arial" panose="020B0604020202020204" pitchFamily="34" charset="0"/>
-                <a:ea typeface="Calibri" panose="020F0502020204030204" pitchFamily="34" charset="0"/>
-                <a:cs typeface="Times New Roman" panose="02020603050405020304" pitchFamily="18" charset="0"/>
-              </a:rPr>
-              <a:t> es un lenguaje de programación desarrollado por Microsoft, presentado por primera vez en 2012. </a:t>
-            </a:r>
-          </a:p>
-          <a:p>
-            <a:r>
-              <a:rPr lang="es-MX" sz="2200" dirty="0">
-                <a:effectLst/>
-                <a:latin typeface="Arial" panose="020B0604020202020204" pitchFamily="34" charset="0"/>
-                <a:ea typeface="Calibri" panose="020F0502020204030204" pitchFamily="34" charset="0"/>
-                <a:cs typeface="Times New Roman" panose="02020603050405020304" pitchFamily="18" charset="0"/>
-              </a:rPr>
-              <a:t>Creado por </a:t>
-            </a:r>
-            <a:r>
-              <a:rPr lang="es-MX" sz="2200" dirty="0" err="1">
-                <a:effectLst/>
-                <a:latin typeface="Arial" panose="020B0604020202020204" pitchFamily="34" charset="0"/>
-                <a:ea typeface="Calibri" panose="020F0502020204030204" pitchFamily="34" charset="0"/>
-                <a:cs typeface="Times New Roman" panose="02020603050405020304" pitchFamily="18" charset="0"/>
-              </a:rPr>
-              <a:t>Anders</a:t>
-            </a:r>
-            <a:r>
-              <a:rPr lang="es-MX" sz="2200" dirty="0">
-                <a:effectLst/>
-                <a:latin typeface="Arial" panose="020B0604020202020204" pitchFamily="34" charset="0"/>
-                <a:ea typeface="Calibri" panose="020F0502020204030204" pitchFamily="34" charset="0"/>
-                <a:cs typeface="Times New Roman" panose="02020603050405020304" pitchFamily="18" charset="0"/>
-              </a:rPr>
-              <a:t> </a:t>
-            </a:r>
-            <a:r>
-              <a:rPr lang="es-MX" sz="2200" dirty="0" err="1">
-                <a:effectLst/>
-                <a:latin typeface="Arial" panose="020B0604020202020204" pitchFamily="34" charset="0"/>
-                <a:ea typeface="Calibri" panose="020F0502020204030204" pitchFamily="34" charset="0"/>
-                <a:cs typeface="Times New Roman" panose="02020603050405020304" pitchFamily="18" charset="0"/>
-              </a:rPr>
-              <a:t>Hejlsberg</a:t>
-            </a:r>
-            <a:r>
-              <a:rPr lang="es-MX" sz="2200" dirty="0">
-                <a:effectLst/>
-                <a:latin typeface="Arial" panose="020B0604020202020204" pitchFamily="34" charset="0"/>
-                <a:ea typeface="Calibri" panose="020F0502020204030204" pitchFamily="34" charset="0"/>
-                <a:cs typeface="Times New Roman" panose="02020603050405020304" pitchFamily="18" charset="0"/>
-              </a:rPr>
-              <a:t>, conocido por su trabajo en Delphi y C#, </a:t>
-            </a:r>
-            <a:r>
-              <a:rPr lang="es-MX" sz="2200" dirty="0" err="1">
-                <a:effectLst/>
-                <a:latin typeface="Arial" panose="020B0604020202020204" pitchFamily="34" charset="0"/>
-                <a:ea typeface="Calibri" panose="020F0502020204030204" pitchFamily="34" charset="0"/>
-                <a:cs typeface="Times New Roman" panose="02020603050405020304" pitchFamily="18" charset="0"/>
-              </a:rPr>
-              <a:t>TypeScript</a:t>
-            </a:r>
-            <a:r>
-              <a:rPr lang="es-MX" sz="2200" dirty="0">
-                <a:effectLst/>
-                <a:latin typeface="Arial" panose="020B0604020202020204" pitchFamily="34" charset="0"/>
-                <a:ea typeface="Calibri" panose="020F0502020204030204" pitchFamily="34" charset="0"/>
-                <a:cs typeface="Times New Roman" panose="02020603050405020304" pitchFamily="18" charset="0"/>
-              </a:rPr>
-              <a:t> surgió como una extensión de JavaScript para abordar las complejidades y desafíos de desarrollo en proyectos más grandes. </a:t>
-            </a:r>
-          </a:p>
-          <a:p>
-            <a:r>
-              <a:rPr lang="es-MX" sz="2200" dirty="0">
-                <a:latin typeface="Arial" panose="020B0604020202020204" pitchFamily="34" charset="0"/>
-                <a:ea typeface="Calibri" panose="020F0502020204030204" pitchFamily="34" charset="0"/>
-                <a:cs typeface="Times New Roman" panose="02020603050405020304" pitchFamily="18" charset="0"/>
-              </a:rPr>
-              <a:t>Se destaca por su </a:t>
-            </a:r>
-            <a:r>
-              <a:rPr lang="es-MX" sz="2200" dirty="0">
-                <a:effectLst/>
-                <a:latin typeface="Arial" panose="020B0604020202020204" pitchFamily="34" charset="0"/>
-                <a:ea typeface="Calibri" panose="020F0502020204030204" pitchFamily="34" charset="0"/>
-                <a:cs typeface="Times New Roman" panose="02020603050405020304" pitchFamily="18" charset="0"/>
-              </a:rPr>
-              <a:t>tipado estático opcional y su sistema de tipos avanzado, mejorando la detección de errores y la mantenibilidad de las aplicaciones JavaScript. </a:t>
-            </a:r>
-          </a:p>
-          <a:p>
-            <a:r>
-              <a:rPr lang="es-MX" sz="2200" dirty="0">
-                <a:effectLst/>
-                <a:latin typeface="Arial" panose="020B0604020202020204" pitchFamily="34" charset="0"/>
-                <a:ea typeface="Calibri" panose="020F0502020204030204" pitchFamily="34" charset="0"/>
-                <a:cs typeface="Times New Roman" panose="02020603050405020304" pitchFamily="18" charset="0"/>
-              </a:rPr>
-              <a:t>Con el tiempo, </a:t>
-            </a:r>
-            <a:r>
-              <a:rPr lang="es-MX" sz="2200" dirty="0" err="1">
-                <a:effectLst/>
-                <a:latin typeface="Arial" panose="020B0604020202020204" pitchFamily="34" charset="0"/>
-                <a:ea typeface="Calibri" panose="020F0502020204030204" pitchFamily="34" charset="0"/>
-                <a:cs typeface="Times New Roman" panose="02020603050405020304" pitchFamily="18" charset="0"/>
-              </a:rPr>
-              <a:t>TypeScript</a:t>
-            </a:r>
-            <a:r>
-              <a:rPr lang="es-MX" sz="2200" dirty="0">
-                <a:effectLst/>
-                <a:latin typeface="Arial" panose="020B0604020202020204" pitchFamily="34" charset="0"/>
-                <a:ea typeface="Calibri" panose="020F0502020204030204" pitchFamily="34" charset="0"/>
-                <a:cs typeface="Times New Roman" panose="02020603050405020304" pitchFamily="18" charset="0"/>
-              </a:rPr>
-              <a:t> ha ganado popularidad en el desarrollo web y de aplicaciones debido a su interoperabilidad con JavaScript y su enfoque en mejorar la calidad del código.</a:t>
-            </a:r>
-            <a:endParaRPr lang="es-AR" sz="2200" dirty="0">
-              <a:effectLst/>
-              <a:latin typeface="Calibri" panose="020F0502020204030204" pitchFamily="34" charset="0"/>
-              <a:ea typeface="Calibri" panose="020F0502020204030204" pitchFamily="34" charset="0"/>
-              <a:cs typeface="Times New Roman" panose="02020603050405020304" pitchFamily="18" charset="0"/>
-            </a:endParaRPr>
-          </a:p>
-          <a:p>
-            <a:endParaRPr lang="es-AR" sz="2200" dirty="0"/>
-          </a:p>
-        </p:txBody>
-      </p:sp>
-    </p:spTree>
-    <p:extLst>
-      <p:ext uri="{BB962C8B-B14F-4D97-AF65-F5344CB8AC3E}">
-        <p14:creationId xmlns:p14="http://schemas.microsoft.com/office/powerpoint/2010/main" val="2469202545"/>
-      </p:ext>
-    </p:extLst>
-  </p:cSld>
-  <p:clrMapOvr>
-    <a:masterClrMapping/>
-  </p:clrMapOvr>
-</p:sld>
-</file>
-
-<file path=ppt/slides/slide4.xml><?xml version="1.0" encoding="utf-8"?>
-<p:sld xmlns:a="http://schemas.openxmlformats.org/drawingml/2006/main" xmlns:r="http://schemas.openxmlformats.org/officeDocument/2006/relationships" xmlns:p="http://schemas.openxmlformats.org/presentationml/2006/main">
-  <p:cSld>
-    <p:bg>
-      <p:bgPr>
-        <a:solidFill>
-          <a:schemeClr val="bg1"/>
-        </a:solidFill>
-        <a:effectLst/>
-      </p:bgPr>
-    </p:bg>
-    <p:spTree>
-      <p:nvGrpSpPr>
-        <p:cNvPr id="1" name=""/>
-        <p:cNvGrpSpPr/>
-        <p:nvPr/>
-      </p:nvGrpSpPr>
-      <p:grpSpPr>
-        <a:xfrm>
-          <a:off x="0" y="0"/>
-          <a:ext cx="0" cy="0"/>
-          <a:chOff x="0" y="0"/>
-          <a:chExt cx="0" cy="0"/>
-        </a:xfrm>
-      </p:grpSpPr>
-      <p:sp useBgFill="1">
-        <p:nvSpPr>
-          <p:cNvPr id="10" name="Rectangle 9">
-            <a:extLst>
-              <a:ext uri="{FF2B5EF4-FFF2-40B4-BE49-F238E27FC236}">
-                <a16:creationId xmlns:a16="http://schemas.microsoft.com/office/drawing/2014/main" id="{907EF6B7-1338-4443-8C46-6A318D952DFD}"/>
-              </a:ext>
-              <a:ext uri="{C183D7F6-B498-43B3-948B-1728B52AA6E4}">
-                <adec:decorative xmlns:adec="http://schemas.microsoft.com/office/drawing/2017/decorative" val="1"/>
-              </a:ext>
-            </a:extLst>
-          </p:cNvPr>
-          <p:cNvSpPr>
-            <a:spLocks noGrp="1" noRot="1" noChangeAspect="1" noMove="1" noResize="1" noEditPoints="1" noAdjustHandles="1" noChangeArrowheads="1" noChangeShapeType="1" noTextEdit="1"/>
-          </p:cNvSpPr>
-          <p:nvPr>
-            <p:extLst>
-              <p:ext uri="{386F3935-93C4-4BCD-93E2-E3B085C9AB24}">
-                <p16:designElem xmlns:p16="http://schemas.microsoft.com/office/powerpoint/2015/main" val="1"/>
-              </p:ext>
-            </p:extLst>
-          </p:nvPr>
-        </p:nvSpPr>
-        <p:spPr>
-          <a:xfrm>
-            <a:off x="3048" y="0"/>
-            <a:ext cx="12188952" cy="6858000"/>
-          </a:xfrm>
-          <a:prstGeom prst="rect">
-            <a:avLst/>
-          </a:prstGeom>
-          <a:ln>
-            <a:noFill/>
-          </a:ln>
-        </p:spPr>
-        <p:style>
-          <a:lnRef idx="2">
-            <a:schemeClr val="accent1">
-              <a:shade val="50000"/>
-            </a:schemeClr>
-          </a:lnRef>
-          <a:fillRef idx="1">
-            <a:schemeClr val="accent1"/>
-          </a:fillRef>
-          <a:effectRef idx="0">
-            <a:schemeClr val="accent1"/>
-          </a:effectRef>
-          <a:fontRef idx="minor">
-            <a:schemeClr val="lt1"/>
-          </a:fontRef>
-        </p:style>
-        <p:txBody>
-          <a:bodyPr rtlCol="0" anchor="ctr"/>
-          <a:lstStyle/>
-          <a:p>
-            <a:pPr algn="ctr"/>
-            <a:endParaRPr lang="en-US"/>
-          </a:p>
-        </p:txBody>
-      </p:sp>
-      <p:sp>
-        <p:nvSpPr>
-          <p:cNvPr id="12" name="Freeform: Shape 11">
-            <a:extLst>
-              <a:ext uri="{FF2B5EF4-FFF2-40B4-BE49-F238E27FC236}">
-                <a16:creationId xmlns:a16="http://schemas.microsoft.com/office/drawing/2014/main" id="{DAAE4CDD-124C-4DCF-9584-B6033B545DD5}"/>
-              </a:ext>
-              <a:ext uri="{C183D7F6-B498-43B3-948B-1728B52AA6E4}">
-                <adec:decorative xmlns:adec="http://schemas.microsoft.com/office/drawing/2017/decorative" val="1"/>
-              </a:ext>
-            </a:extLst>
-          </p:cNvPr>
-          <p:cNvSpPr>
-            <a:spLocks noGrp="1" noRot="1" noChangeAspect="1" noMove="1" noResize="1" noEditPoints="1" noAdjustHandles="1" noChangeArrowheads="1" noChangeShapeType="1" noTextEdit="1"/>
-          </p:cNvSpPr>
-          <p:nvPr>
-            <p:extLst>
-              <p:ext uri="{386F3935-93C4-4BCD-93E2-E3B085C9AB24}">
-                <p16:designElem xmlns:p16="http://schemas.microsoft.com/office/powerpoint/2015/main" val="1"/>
-              </p:ext>
-            </p:extLst>
-          </p:nvPr>
-        </p:nvSpPr>
-        <p:spPr>
-          <a:xfrm>
-            <a:off x="1" y="0"/>
-            <a:ext cx="4167271" cy="6858000"/>
-          </a:xfrm>
-          <a:custGeom>
-            <a:avLst/>
-            <a:gdLst>
-              <a:gd name="connsiteX0" fmla="*/ 0 w 4167271"/>
-              <a:gd name="connsiteY0" fmla="*/ 0 h 6858000"/>
-              <a:gd name="connsiteX1" fmla="*/ 2259550 w 4167271"/>
-              <a:gd name="connsiteY1" fmla="*/ 0 h 6858000"/>
-              <a:gd name="connsiteX2" fmla="*/ 2387803 w 4167271"/>
-              <a:gd name="connsiteY2" fmla="*/ 82222 h 6858000"/>
-              <a:gd name="connsiteX3" fmla="*/ 4167271 w 4167271"/>
-              <a:gd name="connsiteY3" fmla="*/ 3429000 h 6858000"/>
-              <a:gd name="connsiteX4" fmla="*/ 2387803 w 4167271"/>
-              <a:gd name="connsiteY4" fmla="*/ 6775779 h 6858000"/>
-              <a:gd name="connsiteX5" fmla="*/ 2259550 w 4167271"/>
-              <a:gd name="connsiteY5" fmla="*/ 6858000 h 6858000"/>
-              <a:gd name="connsiteX6" fmla="*/ 0 w 4167271"/>
-              <a:gd name="connsiteY6" fmla="*/ 6858000 h 6858000"/>
-            </a:gdLst>
-            <a:ahLst/>
-            <a:cxnLst>
-              <a:cxn ang="0">
-                <a:pos x="connsiteX0" y="connsiteY0"/>
-              </a:cxn>
-              <a:cxn ang="0">
-                <a:pos x="connsiteX1" y="connsiteY1"/>
-              </a:cxn>
-              <a:cxn ang="0">
-                <a:pos x="connsiteX2" y="connsiteY2"/>
-              </a:cxn>
-              <a:cxn ang="0">
-                <a:pos x="connsiteX3" y="connsiteY3"/>
-              </a:cxn>
-              <a:cxn ang="0">
-                <a:pos x="connsiteX4" y="connsiteY4"/>
-              </a:cxn>
-              <a:cxn ang="0">
-                <a:pos x="connsiteX5" y="connsiteY5"/>
-              </a:cxn>
-              <a:cxn ang="0">
-                <a:pos x="connsiteX6" y="connsiteY6"/>
-              </a:cxn>
-            </a:cxnLst>
-            <a:rect l="l" t="t" r="r" b="b"/>
-            <a:pathLst>
-              <a:path w="4167271" h="6858000">
-                <a:moveTo>
-                  <a:pt x="0" y="0"/>
-                </a:moveTo>
-                <a:lnTo>
-                  <a:pt x="2259550" y="0"/>
-                </a:lnTo>
-                <a:lnTo>
-                  <a:pt x="2387803" y="82222"/>
-                </a:lnTo>
-                <a:cubicBezTo>
-                  <a:pt x="3461407" y="807534"/>
-                  <a:pt x="4167271" y="2035835"/>
-                  <a:pt x="4167271" y="3429000"/>
-                </a:cubicBezTo>
-                <a:cubicBezTo>
-                  <a:pt x="4167271" y="4822165"/>
-                  <a:pt x="3461407" y="6050467"/>
-                  <a:pt x="2387803" y="6775779"/>
-                </a:cubicBezTo>
-                <a:lnTo>
-                  <a:pt x="2259550" y="6858000"/>
-                </a:lnTo>
-                <a:lnTo>
-                  <a:pt x="0" y="6858000"/>
-                </a:lnTo>
-                <a:close/>
-              </a:path>
-            </a:pathLst>
-          </a:custGeom>
-          <a:solidFill>
-            <a:schemeClr val="accent2"/>
-          </a:solidFill>
-          <a:ln>
-            <a:noFill/>
-          </a:ln>
-        </p:spPr>
-        <p:style>
-          <a:lnRef idx="2">
-            <a:schemeClr val="accent1">
-              <a:shade val="50000"/>
-            </a:schemeClr>
-          </a:lnRef>
-          <a:fillRef idx="1">
-            <a:schemeClr val="accent1"/>
-          </a:fillRef>
-          <a:effectRef idx="0">
-            <a:schemeClr val="accent1"/>
-          </a:effectRef>
-          <a:fontRef idx="minor">
-            <a:schemeClr val="lt1"/>
-          </a:fontRef>
-        </p:style>
-        <p:txBody>
-          <a:bodyPr rtlCol="0" anchor="ctr"/>
-          <a:lstStyle/>
-          <a:p>
-            <a:pPr algn="ctr"/>
-            <a:endParaRPr lang="en-US"/>
-          </a:p>
-        </p:txBody>
-      </p:sp>
-      <p:sp>
-        <p:nvSpPr>
-          <p:cNvPr id="2" name="Título 1">
-            <a:extLst>
-              <a:ext uri="{FF2B5EF4-FFF2-40B4-BE49-F238E27FC236}">
-                <a16:creationId xmlns:a16="http://schemas.microsoft.com/office/drawing/2014/main" id="{CCC4816D-884A-B9D5-0344-932BFCD8A9E7}"/>
-              </a:ext>
-            </a:extLst>
-          </p:cNvPr>
-          <p:cNvSpPr>
-            <a:spLocks noGrp="1"/>
-          </p:cNvSpPr>
-          <p:nvPr>
-            <p:ph type="title"/>
-          </p:nvPr>
-        </p:nvSpPr>
-        <p:spPr>
-          <a:xfrm>
-            <a:off x="686834" y="1153572"/>
-            <a:ext cx="3200400" cy="4461163"/>
-          </a:xfrm>
-        </p:spPr>
-        <p:txBody>
-          <a:bodyPr>
-            <a:normAutofit/>
-          </a:bodyPr>
-          <a:lstStyle/>
-          <a:p>
-            <a:r>
-              <a:rPr lang="es-ES">
-                <a:solidFill>
-                  <a:srgbClr val="FFFFFF"/>
-                </a:solidFill>
-              </a:rPr>
-              <a:t>Benchmark entre Ruby y TypeScript</a:t>
-            </a:r>
-            <a:endParaRPr lang="es-AR">
-              <a:solidFill>
-                <a:srgbClr val="FFFFFF"/>
-              </a:solidFill>
-            </a:endParaRPr>
-          </a:p>
-        </p:txBody>
-      </p:sp>
-      <p:sp>
-        <p:nvSpPr>
-          <p:cNvPr id="14" name="Arc 13">
-            <a:extLst>
-              <a:ext uri="{FF2B5EF4-FFF2-40B4-BE49-F238E27FC236}">
-                <a16:creationId xmlns:a16="http://schemas.microsoft.com/office/drawing/2014/main" id="{081E4A58-353D-44AE-B2FC-2A74E2E400F7}"/>
-              </a:ext>
-              <a:ext uri="{C183D7F6-B498-43B3-948B-1728B52AA6E4}">
-                <adec:decorative xmlns:adec="http://schemas.microsoft.com/office/drawing/2017/decorative" val="1"/>
-              </a:ext>
-            </a:extLst>
-          </p:cNvPr>
-          <p:cNvSpPr>
-            <a:spLocks noGrp="1" noRot="1" noChangeAspect="1" noMove="1" noResize="1" noEditPoints="1" noAdjustHandles="1" noChangeArrowheads="1" noChangeShapeType="1" noTextEdit="1"/>
-          </p:cNvSpPr>
-          <p:nvPr>
-            <p:extLst>
-              <p:ext uri="{386F3935-93C4-4BCD-93E2-E3B085C9AB24}">
-                <p16:designElem xmlns:p16="http://schemas.microsoft.com/office/powerpoint/2015/main" val="1"/>
-              </p:ext>
-            </p:extLst>
-          </p:nvPr>
-        </p:nvSpPr>
-        <p:spPr>
-          <a:xfrm flipV="1">
-            <a:off x="7550402" y="2455479"/>
-            <a:ext cx="4083433" cy="4083433"/>
-          </a:xfrm>
-          <a:prstGeom prst="arc">
-            <a:avLst/>
-          </a:prstGeom>
-          <a:ln w="127000" cap="rnd">
-            <a:solidFill>
-              <a:schemeClr val="accent4"/>
-            </a:solidFill>
-            <a:prstDash val="dash"/>
-          </a:ln>
-        </p:spPr>
-        <p:style>
-          <a:lnRef idx="1">
-            <a:schemeClr val="accent1"/>
-          </a:lnRef>
-          <a:fillRef idx="0">
-            <a:schemeClr val="accent1"/>
-          </a:fillRef>
-          <a:effectRef idx="0">
-            <a:schemeClr val="accent1"/>
-          </a:effectRef>
-          <a:fontRef idx="minor">
-            <a:schemeClr val="tx1"/>
-          </a:fontRef>
-        </p:style>
-        <p:txBody>
-          <a:bodyPr rtlCol="0" anchor="ctr"/>
-          <a:lstStyle/>
-          <a:p>
-            <a:pPr algn="ctr"/>
-            <a:endParaRPr lang="en-US" dirty="0"/>
-          </a:p>
-        </p:txBody>
-      </p:sp>
-      <p:sp>
-        <p:nvSpPr>
-          <p:cNvPr id="5" name="Marcador de contenido 4">
-            <a:extLst>
-              <a:ext uri="{FF2B5EF4-FFF2-40B4-BE49-F238E27FC236}">
-                <a16:creationId xmlns:a16="http://schemas.microsoft.com/office/drawing/2014/main" id="{8C5A35DF-58C4-6C92-7112-818C194DF5BF}"/>
-              </a:ext>
-            </a:extLst>
-          </p:cNvPr>
-          <p:cNvSpPr>
-            <a:spLocks noGrp="1"/>
-          </p:cNvSpPr>
-          <p:nvPr>
-            <p:ph idx="1"/>
-          </p:nvPr>
-        </p:nvSpPr>
-        <p:spPr>
-          <a:xfrm>
-            <a:off x="4447308" y="591344"/>
-            <a:ext cx="6906491" cy="5585619"/>
-          </a:xfrm>
-        </p:spPr>
-        <p:txBody>
-          <a:bodyPr anchor="ctr">
-            <a:normAutofit/>
-          </a:bodyPr>
-          <a:lstStyle/>
-          <a:p>
-            <a:r>
-              <a:rPr lang="es-MX" sz="2000" dirty="0">
-                <a:effectLst/>
-                <a:latin typeface="Arial" panose="020B0604020202020204" pitchFamily="34" charset="0"/>
-                <a:ea typeface="Calibri" panose="020F0502020204030204" pitchFamily="34" charset="0"/>
-                <a:cs typeface="Times New Roman" panose="02020603050405020304" pitchFamily="18" charset="0"/>
-              </a:rPr>
-              <a:t>El desafío principal al comparar su rendimiento en un algoritmo específico fueron las diferencias inherentes a la naturaleza de ambos lenguajes</a:t>
-            </a:r>
-          </a:p>
-          <a:p>
-            <a:r>
-              <a:rPr lang="es-MX" sz="2000" dirty="0">
-                <a:effectLst/>
-                <a:latin typeface="Arial" panose="020B0604020202020204" pitchFamily="34" charset="0"/>
-                <a:ea typeface="Calibri" panose="020F0502020204030204" pitchFamily="34" charset="0"/>
-                <a:cs typeface="Times New Roman" panose="02020603050405020304" pitchFamily="18" charset="0"/>
-              </a:rPr>
-              <a:t>El rendimiento en estas situaciones puede depender de varios factores, como la implementación de los algoritmos en cada lenguaje, la eficiencia en la manipulación de objetos y la gestión de memoria. </a:t>
-            </a:r>
-          </a:p>
-          <a:p>
-            <a:r>
-              <a:rPr lang="es-MX" sz="2000" dirty="0">
-                <a:effectLst/>
-                <a:latin typeface="Arial" panose="020B0604020202020204" pitchFamily="34" charset="0"/>
-                <a:ea typeface="Calibri" panose="020F0502020204030204" pitchFamily="34" charset="0"/>
-                <a:cs typeface="Times New Roman" panose="02020603050405020304" pitchFamily="18" charset="0"/>
-              </a:rPr>
-              <a:t>Ruby tiende a ser menos eficiente en rendimiento puro debido a su naturaleza interpretada y la abstracción sobre el código de máquina. </a:t>
-            </a:r>
-          </a:p>
-          <a:p>
-            <a:r>
-              <a:rPr lang="es-MX" sz="2000" dirty="0" err="1">
-                <a:effectLst/>
-                <a:latin typeface="Arial" panose="020B0604020202020204" pitchFamily="34" charset="0"/>
-                <a:ea typeface="Calibri" panose="020F0502020204030204" pitchFamily="34" charset="0"/>
-                <a:cs typeface="Times New Roman" panose="02020603050405020304" pitchFamily="18" charset="0"/>
-              </a:rPr>
-              <a:t>TypeScript</a:t>
-            </a:r>
-            <a:r>
-              <a:rPr lang="es-MX" sz="2000" dirty="0">
-                <a:effectLst/>
-                <a:latin typeface="Arial" panose="020B0604020202020204" pitchFamily="34" charset="0"/>
-                <a:ea typeface="Calibri" panose="020F0502020204030204" pitchFamily="34" charset="0"/>
-                <a:cs typeface="Times New Roman" panose="02020603050405020304" pitchFamily="18" charset="0"/>
-              </a:rPr>
-              <a:t>, al ser </a:t>
-            </a:r>
-            <a:r>
-              <a:rPr lang="es-MX" sz="2000" dirty="0" err="1">
-                <a:effectLst/>
-                <a:latin typeface="Arial" panose="020B0604020202020204" pitchFamily="34" charset="0"/>
-                <a:ea typeface="Calibri" panose="020F0502020204030204" pitchFamily="34" charset="0"/>
-                <a:cs typeface="Times New Roman" panose="02020603050405020304" pitchFamily="18" charset="0"/>
-              </a:rPr>
-              <a:t>transpilado</a:t>
-            </a:r>
-            <a:r>
-              <a:rPr lang="es-MX" sz="2000" dirty="0">
-                <a:effectLst/>
-                <a:latin typeface="Arial" panose="020B0604020202020204" pitchFamily="34" charset="0"/>
-                <a:ea typeface="Calibri" panose="020F0502020204030204" pitchFamily="34" charset="0"/>
-                <a:cs typeface="Times New Roman" panose="02020603050405020304" pitchFamily="18" charset="0"/>
-              </a:rPr>
-              <a:t> a JavaScript, a menudo se beneficia de la optimización de los motores de JavaScript y puede ofrecer mejor rendimiento en ciertos casos. </a:t>
-            </a:r>
-            <a:endParaRPr lang="es-AR" sz="2000" dirty="0"/>
-          </a:p>
-        </p:txBody>
-      </p:sp>
-    </p:spTree>
-    <p:extLst>
-      <p:ext uri="{BB962C8B-B14F-4D97-AF65-F5344CB8AC3E}">
-        <p14:creationId xmlns:p14="http://schemas.microsoft.com/office/powerpoint/2010/main" val="257301778"/>
-      </p:ext>
-    </p:extLst>
-  </p:cSld>
-  <p:clrMapOvr>
-    <a:masterClrMapping/>
-  </p:clrMapOvr>
-</p:sld>
-</file>
-
-<file path=ppt/slides/slide5.xml><?xml version="1.0" encoding="utf-8"?>
-<p:sld xmlns:a="http://schemas.openxmlformats.org/drawingml/2006/main" xmlns:r="http://schemas.openxmlformats.org/officeDocument/2006/relationships" xmlns:p="http://schemas.openxmlformats.org/presentationml/2006/main">
-  <p:cSld>
-    <p:bg>
-      <p:bgPr>
-        <a:solidFill>
-          <a:schemeClr val="bg1"/>
-        </a:solidFill>
-        <a:effectLst/>
-      </p:bgPr>
-    </p:bg>
-    <p:spTree>
-      <p:nvGrpSpPr>
-        <p:cNvPr id="1" name=""/>
-        <p:cNvGrpSpPr/>
-        <p:nvPr/>
-      </p:nvGrpSpPr>
-      <p:grpSpPr>
-        <a:xfrm>
-          <a:off x="0" y="0"/>
-          <a:ext cx="0" cy="0"/>
-          <a:chOff x="0" y="0"/>
-          <a:chExt cx="0" cy="0"/>
-        </a:xfrm>
-      </p:grpSpPr>
-      <p:sp>
-        <p:nvSpPr>
-          <p:cNvPr id="9" name="Rectangle 8">
-            <a:extLst>
-              <a:ext uri="{FF2B5EF4-FFF2-40B4-BE49-F238E27FC236}">
-                <a16:creationId xmlns:a16="http://schemas.microsoft.com/office/drawing/2014/main" id="{4C608BEB-860E-4094-8511-78603564A75E}"/>
-              </a:ext>
-              <a:ext uri="{C183D7F6-B498-43B3-948B-1728B52AA6E4}">
-                <adec:decorative xmlns:adec="http://schemas.microsoft.com/office/drawing/2017/decorative" val="1"/>
-              </a:ext>
-            </a:extLst>
-          </p:cNvPr>
-          <p:cNvSpPr>
-            <a:spLocks noGrp="1" noRot="1" noChangeAspect="1" noMove="1" noResize="1" noEditPoints="1" noAdjustHandles="1" noChangeArrowheads="1" noChangeShapeType="1" noTextEdit="1"/>
-          </p:cNvSpPr>
-          <p:nvPr>
-            <p:extLst>
-              <p:ext uri="{386F3935-93C4-4BCD-93E2-E3B085C9AB24}">
-                <p16:designElem xmlns:p16="http://schemas.microsoft.com/office/powerpoint/2015/main" val="1"/>
-              </p:ext>
-            </p:extLst>
-          </p:nvPr>
-        </p:nvSpPr>
-        <p:spPr>
-          <a:xfrm>
-            <a:off x="0" y="0"/>
-            <a:ext cx="4059050" cy="6858000"/>
-          </a:xfrm>
-          <a:prstGeom prst="rect">
-            <a:avLst/>
-          </a:prstGeom>
-          <a:solidFill>
-            <a:srgbClr val="404040"/>
-          </a:solidFill>
-          <a:ln>
-            <a:noFill/>
-          </a:ln>
-        </p:spPr>
-        <p:style>
-          <a:lnRef idx="2">
-            <a:schemeClr val="accent1">
-              <a:shade val="50000"/>
-            </a:schemeClr>
-          </a:lnRef>
-          <a:fillRef idx="1">
-            <a:schemeClr val="accent1"/>
-          </a:fillRef>
-          <a:effectRef idx="0">
-            <a:schemeClr val="accent1"/>
-          </a:effectRef>
-          <a:fontRef idx="minor">
-            <a:schemeClr val="lt1"/>
-          </a:fontRef>
-        </p:style>
-        <p:txBody>
-          <a:bodyPr rtlCol="0" anchor="ctr"/>
-          <a:lstStyle/>
-          <a:p>
-            <a:pPr marL="0" marR="0" lvl="0" indent="0" algn="ctr" defTabSz="914400" rtl="0" eaLnBrk="1" fontAlgn="auto" latinLnBrk="0" hangingPunct="1">
-              <a:lnSpc>
-                <a:spcPct val="100000"/>
-              </a:lnSpc>
-              <a:spcBef>
-                <a:spcPts val="0"/>
-              </a:spcBef>
-              <a:spcAft>
-                <a:spcPts val="0"/>
-              </a:spcAft>
-              <a:buClrTx/>
-              <a:buSzTx/>
-              <a:buFontTx/>
-              <a:buNone/>
-              <a:tabLst/>
-              <a:defRPr/>
-            </a:pPr>
-            <a:endParaRPr kumimoji="0" lang="en-US" sz="1800" b="0" i="0" u="none" strike="noStrike" kern="1200" cap="none" spc="0" normalizeH="0" baseline="0" noProof="0">
-              <a:ln>
-                <a:noFill/>
-              </a:ln>
-              <a:solidFill>
-                <a:prstClr val="white"/>
-              </a:solidFill>
-              <a:effectLst/>
-              <a:uLnTx/>
-              <a:uFillTx/>
-              <a:latin typeface="Calibri" panose="020F0502020204030204"/>
-              <a:ea typeface="+mn-ea"/>
-              <a:cs typeface="+mn-cs"/>
-            </a:endParaRPr>
-          </a:p>
-        </p:txBody>
-      </p:sp>
-      <p:sp>
-        <p:nvSpPr>
-          <p:cNvPr id="2" name="Título 1">
-            <a:extLst>
-              <a:ext uri="{FF2B5EF4-FFF2-40B4-BE49-F238E27FC236}">
-                <a16:creationId xmlns:a16="http://schemas.microsoft.com/office/drawing/2014/main" id="{E4409CF0-DEB5-15F6-30C1-AEF8478F4A5F}"/>
-              </a:ext>
-            </a:extLst>
-          </p:cNvPr>
-          <p:cNvSpPr>
-            <a:spLocks noGrp="1"/>
-          </p:cNvSpPr>
-          <p:nvPr>
-            <p:ph type="title"/>
-          </p:nvPr>
-        </p:nvSpPr>
-        <p:spPr>
-          <a:xfrm>
-            <a:off x="838200" y="1412488"/>
-            <a:ext cx="2899189" cy="4363844"/>
-          </a:xfrm>
-        </p:spPr>
-        <p:txBody>
-          <a:bodyPr anchor="t">
-            <a:normAutofit/>
-          </a:bodyPr>
-          <a:lstStyle/>
-          <a:p>
-            <a:r>
-              <a:rPr lang="es-ES" sz="4000">
-                <a:solidFill>
-                  <a:srgbClr val="FFFFFF"/>
-                </a:solidFill>
-              </a:rPr>
-              <a:t>Método de Búsqueda en Colecciones:</a:t>
-            </a:r>
-            <a:endParaRPr lang="es-AR" sz="4000">
-              <a:solidFill>
-                <a:srgbClr val="FFFFFF"/>
-              </a:solidFill>
-            </a:endParaRPr>
-          </a:p>
-        </p:txBody>
-      </p:sp>
-      <p:sp>
-        <p:nvSpPr>
-          <p:cNvPr id="3" name="Marcador de contenido 2">
-            <a:extLst>
-              <a:ext uri="{FF2B5EF4-FFF2-40B4-BE49-F238E27FC236}">
-                <a16:creationId xmlns:a16="http://schemas.microsoft.com/office/drawing/2014/main" id="{53098B7B-E65E-B6E9-9DBD-1DDC14B15EDC}"/>
-              </a:ext>
-            </a:extLst>
-          </p:cNvPr>
-          <p:cNvSpPr>
-            <a:spLocks noGrp="1"/>
-          </p:cNvSpPr>
-          <p:nvPr>
-            <p:ph sz="half" idx="1"/>
-          </p:nvPr>
-        </p:nvSpPr>
-        <p:spPr>
-          <a:xfrm>
-            <a:off x="4380855" y="1412489"/>
-            <a:ext cx="3427283" cy="4363844"/>
-          </a:xfrm>
-        </p:spPr>
-        <p:txBody>
-          <a:bodyPr>
-            <a:normAutofit/>
-          </a:bodyPr>
-          <a:lstStyle/>
-          <a:p>
-            <a:pPr>
-              <a:spcAft>
-                <a:spcPts val="800"/>
-              </a:spcAft>
-            </a:pPr>
-            <a:r>
-              <a:rPr lang="es-MX" sz="1400">
-                <a:effectLst/>
-                <a:latin typeface="Arial" panose="020B0604020202020204" pitchFamily="34" charset="0"/>
-                <a:ea typeface="Calibri" panose="020F0502020204030204" pitchFamily="34" charset="0"/>
-                <a:cs typeface="Times New Roman" panose="02020603050405020304" pitchFamily="18" charset="0"/>
-              </a:rPr>
-              <a:t>En Ruby, la búsqueda en colecciones generalmente se basa en iteración y métodos como each o find. Estos métodos pueden resultar cómodos para escribir y leer, pero pueden ser menos eficientes en comparación con enfoques más optimizados. </a:t>
-            </a:r>
-            <a:endParaRPr lang="es-AR" sz="1400">
-              <a:effectLst/>
-              <a:latin typeface="Calibri" panose="020F0502020204030204" pitchFamily="34" charset="0"/>
-              <a:ea typeface="Calibri" panose="020F0502020204030204" pitchFamily="34" charset="0"/>
-              <a:cs typeface="Times New Roman" panose="02020603050405020304" pitchFamily="18" charset="0"/>
-            </a:endParaRPr>
-          </a:p>
-          <a:p>
-            <a:pPr>
-              <a:spcAft>
-                <a:spcPts val="800"/>
-              </a:spcAft>
-            </a:pPr>
-            <a:r>
-              <a:rPr lang="es-MX" sz="1400">
-                <a:effectLst/>
-                <a:latin typeface="Arial" panose="020B0604020202020204" pitchFamily="34" charset="0"/>
-                <a:ea typeface="Calibri" panose="020F0502020204030204" pitchFamily="34" charset="0"/>
-                <a:cs typeface="Times New Roman" panose="02020603050405020304" pitchFamily="18" charset="0"/>
-              </a:rPr>
-              <a:t># Búsqueda de un elemento en un arreglo</a:t>
-            </a:r>
-            <a:endParaRPr lang="es-AR" sz="1400">
-              <a:effectLst/>
-              <a:latin typeface="Calibri" panose="020F0502020204030204" pitchFamily="34" charset="0"/>
-              <a:ea typeface="Calibri" panose="020F0502020204030204" pitchFamily="34" charset="0"/>
-              <a:cs typeface="Times New Roman" panose="02020603050405020304" pitchFamily="18" charset="0"/>
-            </a:endParaRPr>
-          </a:p>
-          <a:p>
-            <a:pPr>
-              <a:spcAft>
-                <a:spcPts val="800"/>
-              </a:spcAft>
-            </a:pPr>
-            <a:r>
-              <a:rPr lang="en-US" sz="1400">
-                <a:effectLst/>
-                <a:latin typeface="Arial" panose="020B0604020202020204" pitchFamily="34" charset="0"/>
-                <a:ea typeface="Calibri" panose="020F0502020204030204" pitchFamily="34" charset="0"/>
-                <a:cs typeface="Times New Roman" panose="02020603050405020304" pitchFamily="18" charset="0"/>
-              </a:rPr>
-              <a:t>numbers = [1, 2, 3, 4, 5]</a:t>
-            </a:r>
-            <a:endParaRPr lang="es-AR" sz="1400">
-              <a:effectLst/>
-              <a:latin typeface="Calibri" panose="020F0502020204030204" pitchFamily="34" charset="0"/>
-              <a:ea typeface="Calibri" panose="020F0502020204030204" pitchFamily="34" charset="0"/>
-              <a:cs typeface="Times New Roman" panose="02020603050405020304" pitchFamily="18" charset="0"/>
-            </a:endParaRPr>
-          </a:p>
-          <a:p>
-            <a:pPr>
-              <a:spcAft>
-                <a:spcPts val="800"/>
-              </a:spcAft>
-            </a:pPr>
-            <a:r>
-              <a:rPr lang="en-US" sz="1400">
-                <a:effectLst/>
-                <a:latin typeface="Arial" panose="020B0604020202020204" pitchFamily="34" charset="0"/>
-                <a:ea typeface="Calibri" panose="020F0502020204030204" pitchFamily="34" charset="0"/>
-                <a:cs typeface="Times New Roman" panose="02020603050405020304" pitchFamily="18" charset="0"/>
-              </a:rPr>
-              <a:t>found_number = numbers.find { |num| num == 3 }</a:t>
-            </a:r>
-            <a:endParaRPr lang="es-AR" sz="1400">
-              <a:effectLst/>
-              <a:latin typeface="Calibri" panose="020F0502020204030204" pitchFamily="34" charset="0"/>
-              <a:ea typeface="Calibri" panose="020F0502020204030204" pitchFamily="34" charset="0"/>
-              <a:cs typeface="Times New Roman" panose="02020603050405020304" pitchFamily="18" charset="0"/>
-            </a:endParaRPr>
-          </a:p>
-          <a:p>
-            <a:pPr>
-              <a:spcAft>
-                <a:spcPts val="800"/>
-              </a:spcAft>
-            </a:pPr>
-            <a:r>
-              <a:rPr lang="en-US" sz="1400">
-                <a:effectLst/>
-                <a:latin typeface="Arial" panose="020B0604020202020204" pitchFamily="34" charset="0"/>
-                <a:ea typeface="Calibri" panose="020F0502020204030204" pitchFamily="34" charset="0"/>
-                <a:cs typeface="Times New Roman" panose="02020603050405020304" pitchFamily="18" charset="0"/>
-              </a:rPr>
-              <a:t>puts found_number</a:t>
-            </a:r>
-            <a:endParaRPr lang="es-AR" sz="1400">
-              <a:effectLst/>
-              <a:latin typeface="Calibri" panose="020F0502020204030204" pitchFamily="34" charset="0"/>
-              <a:ea typeface="Calibri" panose="020F0502020204030204" pitchFamily="34" charset="0"/>
-              <a:cs typeface="Times New Roman" panose="02020603050405020304" pitchFamily="18" charset="0"/>
-            </a:endParaRPr>
-          </a:p>
-          <a:p>
-            <a:endParaRPr lang="es-AR" sz="1400"/>
-          </a:p>
-        </p:txBody>
-      </p:sp>
-      <p:cxnSp>
-        <p:nvCxnSpPr>
-          <p:cNvPr id="11" name="Straight Connector 10">
-            <a:extLst>
-              <a:ext uri="{FF2B5EF4-FFF2-40B4-BE49-F238E27FC236}">
-                <a16:creationId xmlns:a16="http://schemas.microsoft.com/office/drawing/2014/main" id="{1F16A8D4-FE87-4604-88B2-394B5D1EB437}"/>
-              </a:ext>
-              <a:ext uri="{C183D7F6-B498-43B3-948B-1728B52AA6E4}">
-                <adec:decorative xmlns:adec="http://schemas.microsoft.com/office/drawing/2017/decorative" val="1"/>
-              </a:ext>
-            </a:extLst>
-          </p:cNvPr>
-          <p:cNvCxnSpPr>
-            <a:cxnSpLocks noGrp="1" noRot="1" noChangeAspect="1" noMove="1" noResize="1" noEditPoints="1" noAdjustHandles="1" noChangeArrowheads="1" noChangeShapeType="1"/>
-          </p:cNvCxnSpPr>
-          <p:nvPr>
-            <p:extLst>
-              <p:ext uri="{386F3935-93C4-4BCD-93E2-E3B085C9AB24}">
-                <p16:designElem xmlns:p16="http://schemas.microsoft.com/office/powerpoint/2015/main" val="1"/>
-              </p:ext>
-            </p:extLst>
-          </p:nvPr>
-        </p:nvCxnSpPr>
-        <p:spPr>
-          <a:xfrm>
-            <a:off x="8129871" y="1412488"/>
-            <a:ext cx="0" cy="3657600"/>
-          </a:xfrm>
-          <a:prstGeom prst="line">
-            <a:avLst/>
-          </a:prstGeom>
-          <a:ln w="12700">
-            <a:solidFill>
-              <a:schemeClr val="tx1">
-                <a:lumMod val="50000"/>
-                <a:lumOff val="50000"/>
-              </a:schemeClr>
-            </a:solidFill>
-          </a:ln>
-        </p:spPr>
-        <p:style>
-          <a:lnRef idx="1">
-            <a:schemeClr val="accent1"/>
-          </a:lnRef>
-          <a:fillRef idx="0">
-            <a:schemeClr val="accent1"/>
-          </a:fillRef>
-          <a:effectRef idx="0">
-            <a:schemeClr val="accent1"/>
-          </a:effectRef>
-          <a:fontRef idx="minor">
-            <a:schemeClr val="tx1"/>
-          </a:fontRef>
-        </p:style>
-      </p:cxnSp>
-      <p:sp>
-        <p:nvSpPr>
-          <p:cNvPr id="4" name="Marcador de contenido 3">
-            <a:extLst>
-              <a:ext uri="{FF2B5EF4-FFF2-40B4-BE49-F238E27FC236}">
-                <a16:creationId xmlns:a16="http://schemas.microsoft.com/office/drawing/2014/main" id="{E41F77F4-7948-F2FE-C7B5-B0F53BB0A136}"/>
-              </a:ext>
-            </a:extLst>
-          </p:cNvPr>
-          <p:cNvSpPr>
-            <a:spLocks noGrp="1"/>
-          </p:cNvSpPr>
-          <p:nvPr>
-            <p:ph sz="half" idx="2"/>
-          </p:nvPr>
-        </p:nvSpPr>
-        <p:spPr>
-          <a:xfrm>
-            <a:off x="8451604" y="1412489"/>
-            <a:ext cx="3197701" cy="4363844"/>
-          </a:xfrm>
-        </p:spPr>
-        <p:txBody>
-          <a:bodyPr>
-            <a:normAutofit/>
-          </a:bodyPr>
-          <a:lstStyle/>
-          <a:p>
-            <a:pPr>
-              <a:spcAft>
-                <a:spcPts val="800"/>
-              </a:spcAft>
-            </a:pPr>
-            <a:r>
-              <a:rPr lang="es-MX" sz="1400" dirty="0">
-                <a:effectLst/>
-                <a:latin typeface="Arial" panose="020B0604020202020204" pitchFamily="34" charset="0"/>
-                <a:ea typeface="Calibri" panose="020F0502020204030204" pitchFamily="34" charset="0"/>
-                <a:cs typeface="Times New Roman" panose="02020603050405020304" pitchFamily="18" charset="0"/>
-              </a:rPr>
-              <a:t>En </a:t>
-            </a:r>
-            <a:r>
-              <a:rPr lang="es-MX" sz="1400" dirty="0" err="1">
-                <a:effectLst/>
-                <a:latin typeface="Arial" panose="020B0604020202020204" pitchFamily="34" charset="0"/>
-                <a:ea typeface="Calibri" panose="020F0502020204030204" pitchFamily="34" charset="0"/>
-                <a:cs typeface="Times New Roman" panose="02020603050405020304" pitchFamily="18" charset="0"/>
-              </a:rPr>
-              <a:t>TypeScript</a:t>
-            </a:r>
-            <a:r>
-              <a:rPr lang="es-MX" sz="1400" dirty="0">
-                <a:effectLst/>
-                <a:latin typeface="Arial" panose="020B0604020202020204" pitchFamily="34" charset="0"/>
-                <a:ea typeface="Calibri" panose="020F0502020204030204" pitchFamily="34" charset="0"/>
-                <a:cs typeface="Times New Roman" panose="02020603050405020304" pitchFamily="18" charset="0"/>
-              </a:rPr>
-              <a:t>, utilizando estructuras de datos y tipos adecuados, la búsqueda en colecciones puede ser más rápida y segura, especialmente si se aprovecha el sistema de tipos estáticos para optimizar los accesos a los elementos.</a:t>
-            </a:r>
-            <a:endParaRPr lang="es-AR" sz="1400" dirty="0">
-              <a:effectLst/>
-              <a:latin typeface="Calibri" panose="020F0502020204030204" pitchFamily="34" charset="0"/>
-              <a:ea typeface="Calibri" panose="020F0502020204030204" pitchFamily="34" charset="0"/>
-              <a:cs typeface="Times New Roman" panose="02020603050405020304" pitchFamily="18" charset="0"/>
-            </a:endParaRPr>
-          </a:p>
-          <a:p>
-            <a:pPr>
-              <a:spcAft>
-                <a:spcPts val="800"/>
-              </a:spcAft>
-            </a:pPr>
-            <a:r>
-              <a:rPr lang="es-MX" sz="1400" dirty="0">
-                <a:effectLst/>
-                <a:latin typeface="Arial" panose="020B0604020202020204" pitchFamily="34" charset="0"/>
-                <a:ea typeface="Calibri" panose="020F0502020204030204" pitchFamily="34" charset="0"/>
-                <a:cs typeface="Times New Roman" panose="02020603050405020304" pitchFamily="18" charset="0"/>
-              </a:rPr>
-              <a:t>// Búsqueda de un elemento en un arreglo</a:t>
-            </a:r>
-            <a:endParaRPr lang="es-AR" sz="1400" dirty="0">
-              <a:effectLst/>
-              <a:latin typeface="Calibri" panose="020F0502020204030204" pitchFamily="34" charset="0"/>
-              <a:ea typeface="Calibri" panose="020F0502020204030204" pitchFamily="34" charset="0"/>
-              <a:cs typeface="Times New Roman" panose="02020603050405020304" pitchFamily="18" charset="0"/>
-            </a:endParaRPr>
-          </a:p>
-          <a:p>
-            <a:pPr>
-              <a:spcAft>
-                <a:spcPts val="800"/>
-              </a:spcAft>
-            </a:pPr>
-            <a:r>
-              <a:rPr lang="en-US" sz="1400" dirty="0">
-                <a:effectLst/>
-                <a:latin typeface="Arial" panose="020B0604020202020204" pitchFamily="34" charset="0"/>
-                <a:ea typeface="Calibri" panose="020F0502020204030204" pitchFamily="34" charset="0"/>
-                <a:cs typeface="Times New Roman" panose="02020603050405020304" pitchFamily="18" charset="0"/>
-              </a:rPr>
-              <a:t>const numbers: number[] = [1, 2, 3, 4, 5];</a:t>
-            </a:r>
-            <a:endParaRPr lang="es-AR" sz="1400" dirty="0">
-              <a:effectLst/>
-              <a:latin typeface="Calibri" panose="020F0502020204030204" pitchFamily="34" charset="0"/>
-              <a:ea typeface="Calibri" panose="020F0502020204030204" pitchFamily="34" charset="0"/>
-              <a:cs typeface="Times New Roman" panose="02020603050405020304" pitchFamily="18" charset="0"/>
-            </a:endParaRPr>
-          </a:p>
-          <a:p>
-            <a:pPr>
-              <a:spcAft>
-                <a:spcPts val="800"/>
-              </a:spcAft>
-            </a:pPr>
-            <a:r>
-              <a:rPr lang="en-US" sz="1400" dirty="0">
-                <a:effectLst/>
-                <a:latin typeface="Arial" panose="020B0604020202020204" pitchFamily="34" charset="0"/>
-                <a:ea typeface="Calibri" panose="020F0502020204030204" pitchFamily="34" charset="0"/>
-                <a:cs typeface="Times New Roman" panose="02020603050405020304" pitchFamily="18" charset="0"/>
-              </a:rPr>
-              <a:t>const </a:t>
-            </a:r>
-            <a:r>
-              <a:rPr lang="en-US" sz="1400" dirty="0" err="1">
-                <a:effectLst/>
-                <a:latin typeface="Arial" panose="020B0604020202020204" pitchFamily="34" charset="0"/>
-                <a:ea typeface="Calibri" panose="020F0502020204030204" pitchFamily="34" charset="0"/>
-                <a:cs typeface="Times New Roman" panose="02020603050405020304" pitchFamily="18" charset="0"/>
-              </a:rPr>
-              <a:t>foundNumber</a:t>
-            </a:r>
-            <a:r>
-              <a:rPr lang="en-US" sz="1400" dirty="0">
-                <a:effectLst/>
-                <a:latin typeface="Arial" panose="020B0604020202020204" pitchFamily="34" charset="0"/>
-                <a:ea typeface="Calibri" panose="020F0502020204030204" pitchFamily="34" charset="0"/>
-                <a:cs typeface="Times New Roman" panose="02020603050405020304" pitchFamily="18" charset="0"/>
-              </a:rPr>
-              <a:t> = </a:t>
-            </a:r>
-            <a:r>
-              <a:rPr lang="en-US" sz="1400" dirty="0" err="1">
-                <a:effectLst/>
-                <a:latin typeface="Arial" panose="020B0604020202020204" pitchFamily="34" charset="0"/>
-                <a:ea typeface="Calibri" panose="020F0502020204030204" pitchFamily="34" charset="0"/>
-                <a:cs typeface="Times New Roman" panose="02020603050405020304" pitchFamily="18" charset="0"/>
-              </a:rPr>
-              <a:t>numbers.find</a:t>
-            </a:r>
-            <a:r>
-              <a:rPr lang="en-US" sz="1400" dirty="0">
-                <a:effectLst/>
-                <a:latin typeface="Arial" panose="020B0604020202020204" pitchFamily="34" charset="0"/>
-                <a:ea typeface="Calibri" panose="020F0502020204030204" pitchFamily="34" charset="0"/>
-                <a:cs typeface="Times New Roman" panose="02020603050405020304" pitchFamily="18" charset="0"/>
-              </a:rPr>
-              <a:t>(num =&gt; num === 3);</a:t>
-            </a:r>
-            <a:endParaRPr lang="es-AR" sz="1400" dirty="0">
-              <a:effectLst/>
-              <a:latin typeface="Calibri" panose="020F0502020204030204" pitchFamily="34" charset="0"/>
-              <a:ea typeface="Calibri" panose="020F0502020204030204" pitchFamily="34" charset="0"/>
-              <a:cs typeface="Times New Roman" panose="02020603050405020304" pitchFamily="18" charset="0"/>
-            </a:endParaRPr>
-          </a:p>
-          <a:p>
-            <a:r>
-              <a:rPr lang="es-MX" sz="1400" dirty="0">
-                <a:effectLst/>
-                <a:latin typeface="Arial" panose="020B0604020202020204" pitchFamily="34" charset="0"/>
-                <a:ea typeface="Calibri" panose="020F0502020204030204" pitchFamily="34" charset="0"/>
-              </a:rPr>
-              <a:t>console.log(</a:t>
-            </a:r>
-            <a:r>
-              <a:rPr lang="es-MX" sz="1400" dirty="0" err="1">
-                <a:effectLst/>
-                <a:latin typeface="Arial" panose="020B0604020202020204" pitchFamily="34" charset="0"/>
-                <a:ea typeface="Calibri" panose="020F0502020204030204" pitchFamily="34" charset="0"/>
-              </a:rPr>
-              <a:t>foundNumber</a:t>
-            </a:r>
-            <a:r>
-              <a:rPr lang="es-MX" sz="1400" dirty="0">
-                <a:effectLst/>
-                <a:latin typeface="Arial" panose="020B0604020202020204" pitchFamily="34" charset="0"/>
-                <a:ea typeface="Calibri" panose="020F0502020204030204" pitchFamily="34" charset="0"/>
-              </a:rPr>
-              <a:t>);</a:t>
-            </a:r>
-            <a:endParaRPr lang="es-AR" sz="1400" dirty="0"/>
-          </a:p>
-        </p:txBody>
-      </p:sp>
-    </p:spTree>
-    <p:extLst>
-      <p:ext uri="{BB962C8B-B14F-4D97-AF65-F5344CB8AC3E}">
-        <p14:creationId xmlns:p14="http://schemas.microsoft.com/office/powerpoint/2010/main" val="1563534042"/>
-      </p:ext>
-    </p:extLst>
-  </p:cSld>
-  <p:clrMapOvr>
-    <a:masterClrMapping/>
-  </p:clrMapOvr>
-</p:sld>
-</file>
-
-<file path=ppt/slides/slide6.xml><?xml version="1.0" encoding="utf-8"?>
-<p:sld xmlns:a="http://schemas.openxmlformats.org/drawingml/2006/main" xmlns:r="http://schemas.openxmlformats.org/officeDocument/2006/relationships" xmlns:p="http://schemas.openxmlformats.org/presentationml/2006/main">
-  <p:cSld>
-    <p:bg>
-      <p:bgPr>
-        <a:solidFill>
-          <a:schemeClr val="bg1"/>
-        </a:solidFill>
-        <a:effectLst/>
-      </p:bgPr>
-    </p:bg>
-    <p:spTree>
-      <p:nvGrpSpPr>
-        <p:cNvPr id="1" name=""/>
-        <p:cNvGrpSpPr/>
-        <p:nvPr/>
-      </p:nvGrpSpPr>
-      <p:grpSpPr>
-        <a:xfrm>
-          <a:off x="0" y="0"/>
-          <a:ext cx="0" cy="0"/>
-          <a:chOff x="0" y="0"/>
-          <a:chExt cx="0" cy="0"/>
-        </a:xfrm>
-      </p:grpSpPr>
-      <p:sp>
-        <p:nvSpPr>
-          <p:cNvPr id="9" name="Rectangle 8">
-            <a:extLst>
-              <a:ext uri="{FF2B5EF4-FFF2-40B4-BE49-F238E27FC236}">
-                <a16:creationId xmlns:a16="http://schemas.microsoft.com/office/drawing/2014/main" id="{4C608BEB-860E-4094-8511-78603564A75E}"/>
-              </a:ext>
-              <a:ext uri="{C183D7F6-B498-43B3-948B-1728B52AA6E4}">
-                <adec:decorative xmlns:adec="http://schemas.microsoft.com/office/drawing/2017/decorative" val="1"/>
-              </a:ext>
-            </a:extLst>
-          </p:cNvPr>
-          <p:cNvSpPr>
-            <a:spLocks noGrp="1" noRot="1" noChangeAspect="1" noMove="1" noResize="1" noEditPoints="1" noAdjustHandles="1" noChangeArrowheads="1" noChangeShapeType="1" noTextEdit="1"/>
-          </p:cNvSpPr>
-          <p:nvPr>
-            <p:extLst>
-              <p:ext uri="{386F3935-93C4-4BCD-93E2-E3B085C9AB24}">
-                <p16:designElem xmlns:p16="http://schemas.microsoft.com/office/powerpoint/2015/main" val="1"/>
-              </p:ext>
-            </p:extLst>
-          </p:nvPr>
-        </p:nvSpPr>
-        <p:spPr>
-          <a:xfrm>
-            <a:off x="0" y="0"/>
-            <a:ext cx="4059050" cy="6858000"/>
-          </a:xfrm>
-          <a:prstGeom prst="rect">
-            <a:avLst/>
-          </a:prstGeom>
-          <a:solidFill>
-            <a:srgbClr val="404040"/>
-          </a:solidFill>
-          <a:ln>
-            <a:noFill/>
-          </a:ln>
-        </p:spPr>
-        <p:style>
-          <a:lnRef idx="2">
-            <a:schemeClr val="accent1">
-              <a:shade val="50000"/>
-            </a:schemeClr>
-          </a:lnRef>
-          <a:fillRef idx="1">
-            <a:schemeClr val="accent1"/>
-          </a:fillRef>
-          <a:effectRef idx="0">
-            <a:schemeClr val="accent1"/>
-          </a:effectRef>
-          <a:fontRef idx="minor">
-            <a:schemeClr val="lt1"/>
-          </a:fontRef>
-        </p:style>
-        <p:txBody>
-          <a:bodyPr rtlCol="0" anchor="ctr"/>
-          <a:lstStyle/>
-          <a:p>
-            <a:pPr marL="0" marR="0" lvl="0" indent="0" algn="ctr" defTabSz="914400" rtl="0" eaLnBrk="1" fontAlgn="auto" latinLnBrk="0" hangingPunct="1">
-              <a:lnSpc>
-                <a:spcPct val="100000"/>
-              </a:lnSpc>
-              <a:spcBef>
-                <a:spcPts val="0"/>
-              </a:spcBef>
-              <a:spcAft>
-                <a:spcPts val="0"/>
-              </a:spcAft>
-              <a:buClrTx/>
-              <a:buSzTx/>
-              <a:buFontTx/>
-              <a:buNone/>
-              <a:tabLst/>
-              <a:defRPr/>
-            </a:pPr>
-            <a:endParaRPr kumimoji="0" lang="en-US" sz="1800" b="0" i="0" u="none" strike="noStrike" kern="1200" cap="none" spc="0" normalizeH="0" baseline="0" noProof="0">
-              <a:ln>
-                <a:noFill/>
-              </a:ln>
-              <a:solidFill>
-                <a:prstClr val="white"/>
-              </a:solidFill>
-              <a:effectLst/>
-              <a:uLnTx/>
-              <a:uFillTx/>
-              <a:latin typeface="Calibri" panose="020F0502020204030204"/>
-              <a:ea typeface="+mn-ea"/>
-              <a:cs typeface="+mn-cs"/>
-            </a:endParaRPr>
-          </a:p>
-        </p:txBody>
-      </p:sp>
-      <p:sp>
-        <p:nvSpPr>
-          <p:cNvPr id="2" name="Título 1">
-            <a:extLst>
-              <a:ext uri="{FF2B5EF4-FFF2-40B4-BE49-F238E27FC236}">
-                <a16:creationId xmlns:a16="http://schemas.microsoft.com/office/drawing/2014/main" id="{8A9DC019-7410-24E3-5DE2-6CCB9BED6EFF}"/>
-              </a:ext>
-            </a:extLst>
-          </p:cNvPr>
-          <p:cNvSpPr>
-            <a:spLocks noGrp="1"/>
-          </p:cNvSpPr>
-          <p:nvPr>
-            <p:ph type="title"/>
-          </p:nvPr>
-        </p:nvSpPr>
-        <p:spPr>
-          <a:xfrm>
-            <a:off x="838200" y="1412488"/>
-            <a:ext cx="2899189" cy="4363844"/>
-          </a:xfrm>
-        </p:spPr>
-        <p:txBody>
-          <a:bodyPr anchor="t">
-            <a:normAutofit/>
-          </a:bodyPr>
-          <a:lstStyle/>
-          <a:p>
-            <a:r>
-              <a:rPr lang="es-AR" sz="3400">
-                <a:solidFill>
-                  <a:srgbClr val="FFFFFF"/>
-                </a:solidFill>
-              </a:rPr>
-              <a:t>Método de Ordenamiento:</a:t>
-            </a:r>
-          </a:p>
-        </p:txBody>
-      </p:sp>
-      <p:sp>
-        <p:nvSpPr>
-          <p:cNvPr id="3" name="Marcador de contenido 2">
-            <a:extLst>
-              <a:ext uri="{FF2B5EF4-FFF2-40B4-BE49-F238E27FC236}">
-                <a16:creationId xmlns:a16="http://schemas.microsoft.com/office/drawing/2014/main" id="{7E42FFC0-B14A-5849-5810-90866B9AFE8C}"/>
-              </a:ext>
-            </a:extLst>
-          </p:cNvPr>
-          <p:cNvSpPr>
-            <a:spLocks noGrp="1"/>
-          </p:cNvSpPr>
-          <p:nvPr>
-            <p:ph sz="half" idx="1"/>
-          </p:nvPr>
-        </p:nvSpPr>
-        <p:spPr>
-          <a:xfrm>
-            <a:off x="4380855" y="1412489"/>
-            <a:ext cx="3427283" cy="4363844"/>
-          </a:xfrm>
-        </p:spPr>
-        <p:txBody>
-          <a:bodyPr>
-            <a:normAutofit/>
-          </a:bodyPr>
-          <a:lstStyle/>
-          <a:p>
-            <a:pPr>
-              <a:spcAft>
-                <a:spcPts val="800"/>
-              </a:spcAft>
-            </a:pPr>
-            <a:r>
-              <a:rPr lang="es-MX" sz="1700" dirty="0">
-                <a:effectLst/>
-                <a:latin typeface="Arial" panose="020B0604020202020204" pitchFamily="34" charset="0"/>
-                <a:ea typeface="Calibri" panose="020F0502020204030204" pitchFamily="34" charset="0"/>
-                <a:cs typeface="Times New Roman" panose="02020603050405020304" pitchFamily="18" charset="0"/>
-              </a:rPr>
-              <a:t>En Ruby, el método de ordenamiento común es </a:t>
-            </a:r>
-            <a:r>
-              <a:rPr lang="es-MX" sz="1700" dirty="0" err="1">
-                <a:effectLst/>
-                <a:latin typeface="Arial" panose="020B0604020202020204" pitchFamily="34" charset="0"/>
-                <a:ea typeface="Calibri" panose="020F0502020204030204" pitchFamily="34" charset="0"/>
-                <a:cs typeface="Times New Roman" panose="02020603050405020304" pitchFamily="18" charset="0"/>
-              </a:rPr>
-              <a:t>sort</a:t>
-            </a:r>
-            <a:r>
-              <a:rPr lang="es-MX" sz="1700" dirty="0">
-                <a:effectLst/>
-                <a:latin typeface="Arial" panose="020B0604020202020204" pitchFamily="34" charset="0"/>
-                <a:ea typeface="Calibri" panose="020F0502020204030204" pitchFamily="34" charset="0"/>
-                <a:cs typeface="Times New Roman" panose="02020603050405020304" pitchFamily="18" charset="0"/>
-              </a:rPr>
-              <a:t>, que utiliza algoritmos de ordenamiento eficientes, pero conlleva un cierto costo de rendimiento debido a la manipulación de objetos y el uso de comparaciones.</a:t>
-            </a:r>
-            <a:endParaRPr lang="es-AR" sz="1700" dirty="0">
-              <a:effectLst/>
-              <a:latin typeface="Calibri" panose="020F0502020204030204" pitchFamily="34" charset="0"/>
-              <a:ea typeface="Calibri" panose="020F0502020204030204" pitchFamily="34" charset="0"/>
-              <a:cs typeface="Times New Roman" panose="02020603050405020304" pitchFamily="18" charset="0"/>
-            </a:endParaRPr>
-          </a:p>
-          <a:p>
-            <a:pPr>
-              <a:spcAft>
-                <a:spcPts val="800"/>
-              </a:spcAft>
-            </a:pPr>
-            <a:r>
-              <a:rPr lang="en-US" sz="1700" dirty="0">
-                <a:effectLst/>
-                <a:latin typeface="Arial" panose="020B0604020202020204" pitchFamily="34" charset="0"/>
-                <a:ea typeface="Calibri" panose="020F0502020204030204" pitchFamily="34" charset="0"/>
-                <a:cs typeface="Times New Roman" panose="02020603050405020304" pitchFamily="18" charset="0"/>
-              </a:rPr>
-              <a:t>numbers = [3, 1, 4, 1, 5, 9, 2, 6, 5, 3, 5]</a:t>
-            </a:r>
-            <a:endParaRPr lang="es-AR" sz="1700" dirty="0">
-              <a:effectLst/>
-              <a:latin typeface="Calibri" panose="020F0502020204030204" pitchFamily="34" charset="0"/>
-              <a:ea typeface="Calibri" panose="020F0502020204030204" pitchFamily="34" charset="0"/>
-              <a:cs typeface="Times New Roman" panose="02020603050405020304" pitchFamily="18" charset="0"/>
-            </a:endParaRPr>
-          </a:p>
-          <a:p>
-            <a:pPr>
-              <a:spcAft>
-                <a:spcPts val="800"/>
-              </a:spcAft>
-            </a:pPr>
-            <a:r>
-              <a:rPr lang="en-US" sz="1700" dirty="0" err="1">
-                <a:effectLst/>
-                <a:latin typeface="Arial" panose="020B0604020202020204" pitchFamily="34" charset="0"/>
-                <a:ea typeface="Calibri" panose="020F0502020204030204" pitchFamily="34" charset="0"/>
-                <a:cs typeface="Times New Roman" panose="02020603050405020304" pitchFamily="18" charset="0"/>
-              </a:rPr>
-              <a:t>sorted_numbers</a:t>
-            </a:r>
-            <a:r>
-              <a:rPr lang="en-US" sz="1700" dirty="0">
-                <a:effectLst/>
-                <a:latin typeface="Arial" panose="020B0604020202020204" pitchFamily="34" charset="0"/>
-                <a:ea typeface="Calibri" panose="020F0502020204030204" pitchFamily="34" charset="0"/>
-                <a:cs typeface="Times New Roman" panose="02020603050405020304" pitchFamily="18" charset="0"/>
-              </a:rPr>
-              <a:t> = </a:t>
-            </a:r>
-            <a:r>
-              <a:rPr lang="en-US" sz="1700" dirty="0" err="1">
-                <a:effectLst/>
-                <a:latin typeface="Arial" panose="020B0604020202020204" pitchFamily="34" charset="0"/>
-                <a:ea typeface="Calibri" panose="020F0502020204030204" pitchFamily="34" charset="0"/>
-                <a:cs typeface="Times New Roman" panose="02020603050405020304" pitchFamily="18" charset="0"/>
-              </a:rPr>
-              <a:t>numbers.sort</a:t>
-            </a:r>
-            <a:endParaRPr lang="es-AR" sz="1700" dirty="0">
-              <a:effectLst/>
-              <a:latin typeface="Calibri" panose="020F0502020204030204" pitchFamily="34" charset="0"/>
-              <a:ea typeface="Calibri" panose="020F0502020204030204" pitchFamily="34" charset="0"/>
-              <a:cs typeface="Times New Roman" panose="02020603050405020304" pitchFamily="18" charset="0"/>
-            </a:endParaRPr>
-          </a:p>
-          <a:p>
-            <a:pPr>
-              <a:spcAft>
-                <a:spcPts val="800"/>
-              </a:spcAft>
-            </a:pPr>
-            <a:r>
-              <a:rPr lang="en-US" sz="1700" dirty="0">
-                <a:effectLst/>
-                <a:latin typeface="Arial" panose="020B0604020202020204" pitchFamily="34" charset="0"/>
-                <a:ea typeface="Calibri" panose="020F0502020204030204" pitchFamily="34" charset="0"/>
-                <a:cs typeface="Times New Roman" panose="02020603050405020304" pitchFamily="18" charset="0"/>
-              </a:rPr>
-              <a:t>puts </a:t>
-            </a:r>
-            <a:r>
-              <a:rPr lang="en-US" sz="1700" dirty="0" err="1">
-                <a:effectLst/>
-                <a:latin typeface="Arial" panose="020B0604020202020204" pitchFamily="34" charset="0"/>
-                <a:ea typeface="Calibri" panose="020F0502020204030204" pitchFamily="34" charset="0"/>
-                <a:cs typeface="Times New Roman" panose="02020603050405020304" pitchFamily="18" charset="0"/>
-              </a:rPr>
-              <a:t>sorted_numbers</a:t>
-            </a:r>
-            <a:endParaRPr lang="es-AR" sz="1700" dirty="0">
-              <a:effectLst/>
-              <a:latin typeface="Calibri" panose="020F0502020204030204" pitchFamily="34" charset="0"/>
-              <a:ea typeface="Calibri" panose="020F0502020204030204" pitchFamily="34" charset="0"/>
-              <a:cs typeface="Times New Roman" panose="02020603050405020304" pitchFamily="18" charset="0"/>
-            </a:endParaRPr>
-          </a:p>
-          <a:p>
-            <a:endParaRPr lang="es-AR" sz="1700" dirty="0"/>
-          </a:p>
-        </p:txBody>
-      </p:sp>
-      <p:cxnSp>
-        <p:nvCxnSpPr>
-          <p:cNvPr id="11" name="Straight Connector 10">
-            <a:extLst>
-              <a:ext uri="{FF2B5EF4-FFF2-40B4-BE49-F238E27FC236}">
-                <a16:creationId xmlns:a16="http://schemas.microsoft.com/office/drawing/2014/main" id="{1F16A8D4-FE87-4604-88B2-394B5D1EB437}"/>
-              </a:ext>
-              <a:ext uri="{C183D7F6-B498-43B3-948B-1728B52AA6E4}">
-                <adec:decorative xmlns:adec="http://schemas.microsoft.com/office/drawing/2017/decorative" val="1"/>
-              </a:ext>
-            </a:extLst>
-          </p:cNvPr>
-          <p:cNvCxnSpPr>
-            <a:cxnSpLocks noGrp="1" noRot="1" noChangeAspect="1" noMove="1" noResize="1" noEditPoints="1" noAdjustHandles="1" noChangeArrowheads="1" noChangeShapeType="1"/>
-          </p:cNvCxnSpPr>
-          <p:nvPr>
-            <p:extLst>
-              <p:ext uri="{386F3935-93C4-4BCD-93E2-E3B085C9AB24}">
-                <p16:designElem xmlns:p16="http://schemas.microsoft.com/office/powerpoint/2015/main" val="1"/>
-              </p:ext>
-            </p:extLst>
-          </p:nvPr>
-        </p:nvCxnSpPr>
-        <p:spPr>
-          <a:xfrm>
-            <a:off x="8129871" y="1412488"/>
-            <a:ext cx="0" cy="3657600"/>
-          </a:xfrm>
-          <a:prstGeom prst="line">
-            <a:avLst/>
-          </a:prstGeom>
-          <a:ln w="12700">
-            <a:solidFill>
-              <a:schemeClr val="tx1">
-                <a:lumMod val="50000"/>
-                <a:lumOff val="50000"/>
-              </a:schemeClr>
-            </a:solidFill>
-          </a:ln>
-        </p:spPr>
-        <p:style>
-          <a:lnRef idx="1">
-            <a:schemeClr val="accent1"/>
-          </a:lnRef>
-          <a:fillRef idx="0">
-            <a:schemeClr val="accent1"/>
-          </a:fillRef>
-          <a:effectRef idx="0">
-            <a:schemeClr val="accent1"/>
-          </a:effectRef>
-          <a:fontRef idx="minor">
-            <a:schemeClr val="tx1"/>
-          </a:fontRef>
-        </p:style>
-      </p:cxnSp>
-      <p:sp>
-        <p:nvSpPr>
-          <p:cNvPr id="4" name="Marcador de contenido 3">
-            <a:extLst>
-              <a:ext uri="{FF2B5EF4-FFF2-40B4-BE49-F238E27FC236}">
-                <a16:creationId xmlns:a16="http://schemas.microsoft.com/office/drawing/2014/main" id="{1902302B-6C22-569A-AEB0-A387BEA34364}"/>
-              </a:ext>
-            </a:extLst>
-          </p:cNvPr>
-          <p:cNvSpPr>
-            <a:spLocks noGrp="1"/>
-          </p:cNvSpPr>
-          <p:nvPr>
-            <p:ph sz="half" idx="2"/>
-          </p:nvPr>
-        </p:nvSpPr>
-        <p:spPr>
-          <a:xfrm>
-            <a:off x="8451604" y="1412489"/>
-            <a:ext cx="3197701" cy="4363844"/>
-          </a:xfrm>
-        </p:spPr>
-        <p:txBody>
-          <a:bodyPr>
-            <a:normAutofit/>
-          </a:bodyPr>
-          <a:lstStyle/>
-          <a:p>
-            <a:pPr>
-              <a:spcAft>
-                <a:spcPts val="800"/>
-              </a:spcAft>
-            </a:pPr>
-            <a:r>
-              <a:rPr lang="es-MX" sz="1700" dirty="0">
-                <a:effectLst/>
-                <a:latin typeface="Arial" panose="020B0604020202020204" pitchFamily="34" charset="0"/>
-                <a:ea typeface="Calibri" panose="020F0502020204030204" pitchFamily="34" charset="0"/>
-                <a:cs typeface="Times New Roman" panose="02020603050405020304" pitchFamily="18" charset="0"/>
-              </a:rPr>
-              <a:t>En </a:t>
-            </a:r>
-            <a:r>
-              <a:rPr lang="es-MX" sz="1700" dirty="0" err="1">
-                <a:effectLst/>
-                <a:latin typeface="Arial" panose="020B0604020202020204" pitchFamily="34" charset="0"/>
-                <a:ea typeface="Calibri" panose="020F0502020204030204" pitchFamily="34" charset="0"/>
-                <a:cs typeface="Times New Roman" panose="02020603050405020304" pitchFamily="18" charset="0"/>
-              </a:rPr>
-              <a:t>TypeScript</a:t>
-            </a:r>
-            <a:r>
-              <a:rPr lang="es-MX" sz="1700" dirty="0">
-                <a:effectLst/>
-                <a:latin typeface="Arial" panose="020B0604020202020204" pitchFamily="34" charset="0"/>
-                <a:ea typeface="Calibri" panose="020F0502020204030204" pitchFamily="34" charset="0"/>
-                <a:cs typeface="Times New Roman" panose="02020603050405020304" pitchFamily="18" charset="0"/>
-              </a:rPr>
-              <a:t>, al igual que en otros lenguajes compilados, el uso de algoritmos de ordenamiento puede ser más rápido debido a la optimización del compilador y la gestión de memoria.</a:t>
-            </a:r>
-            <a:endParaRPr lang="es-AR" sz="1700" dirty="0">
-              <a:effectLst/>
-              <a:latin typeface="Calibri" panose="020F0502020204030204" pitchFamily="34" charset="0"/>
-              <a:ea typeface="Calibri" panose="020F0502020204030204" pitchFamily="34" charset="0"/>
-              <a:cs typeface="Times New Roman" panose="02020603050405020304" pitchFamily="18" charset="0"/>
-            </a:endParaRPr>
-          </a:p>
-          <a:p>
-            <a:pPr>
-              <a:spcAft>
-                <a:spcPts val="800"/>
-              </a:spcAft>
-            </a:pPr>
-            <a:r>
-              <a:rPr lang="en-US" sz="1700" dirty="0">
-                <a:effectLst/>
-                <a:latin typeface="Arial" panose="020B0604020202020204" pitchFamily="34" charset="0"/>
-                <a:ea typeface="Calibri" panose="020F0502020204030204" pitchFamily="34" charset="0"/>
-                <a:cs typeface="Times New Roman" panose="02020603050405020304" pitchFamily="18" charset="0"/>
-              </a:rPr>
-              <a:t>const numbers: number[] = [3, 1, 4, 1, 5, 9, 2, 6, 5, 3, 5];</a:t>
-            </a:r>
-            <a:endParaRPr lang="es-AR" sz="1700" dirty="0">
-              <a:effectLst/>
-              <a:latin typeface="Calibri" panose="020F0502020204030204" pitchFamily="34" charset="0"/>
-              <a:ea typeface="Calibri" panose="020F0502020204030204" pitchFamily="34" charset="0"/>
-              <a:cs typeface="Times New Roman" panose="02020603050405020304" pitchFamily="18" charset="0"/>
-            </a:endParaRPr>
-          </a:p>
-          <a:p>
-            <a:pPr>
-              <a:spcAft>
-                <a:spcPts val="800"/>
-              </a:spcAft>
-            </a:pPr>
-            <a:r>
-              <a:rPr lang="en-US" sz="1700" dirty="0">
-                <a:effectLst/>
-                <a:latin typeface="Arial" panose="020B0604020202020204" pitchFamily="34" charset="0"/>
-                <a:ea typeface="Calibri" panose="020F0502020204030204" pitchFamily="34" charset="0"/>
-                <a:cs typeface="Times New Roman" panose="02020603050405020304" pitchFamily="18" charset="0"/>
-              </a:rPr>
-              <a:t>const </a:t>
-            </a:r>
-            <a:r>
-              <a:rPr lang="en-US" sz="1700" dirty="0" err="1">
-                <a:effectLst/>
-                <a:latin typeface="Arial" panose="020B0604020202020204" pitchFamily="34" charset="0"/>
-                <a:ea typeface="Calibri" panose="020F0502020204030204" pitchFamily="34" charset="0"/>
-                <a:cs typeface="Times New Roman" panose="02020603050405020304" pitchFamily="18" charset="0"/>
-              </a:rPr>
-              <a:t>sortedNumbers</a:t>
-            </a:r>
-            <a:r>
-              <a:rPr lang="en-US" sz="1700" dirty="0">
-                <a:effectLst/>
-                <a:latin typeface="Arial" panose="020B0604020202020204" pitchFamily="34" charset="0"/>
-                <a:ea typeface="Calibri" panose="020F0502020204030204" pitchFamily="34" charset="0"/>
-                <a:cs typeface="Times New Roman" panose="02020603050405020304" pitchFamily="18" charset="0"/>
-              </a:rPr>
-              <a:t> = </a:t>
-            </a:r>
-            <a:r>
-              <a:rPr lang="en-US" sz="1700" dirty="0" err="1">
-                <a:effectLst/>
-                <a:latin typeface="Arial" panose="020B0604020202020204" pitchFamily="34" charset="0"/>
-                <a:ea typeface="Calibri" panose="020F0502020204030204" pitchFamily="34" charset="0"/>
-                <a:cs typeface="Times New Roman" panose="02020603050405020304" pitchFamily="18" charset="0"/>
-              </a:rPr>
-              <a:t>numbers.sort</a:t>
-            </a:r>
-            <a:r>
-              <a:rPr lang="en-US" sz="1700" dirty="0">
-                <a:effectLst/>
-                <a:latin typeface="Arial" panose="020B0604020202020204" pitchFamily="34" charset="0"/>
-                <a:ea typeface="Calibri" panose="020F0502020204030204" pitchFamily="34" charset="0"/>
-                <a:cs typeface="Times New Roman" panose="02020603050405020304" pitchFamily="18" charset="0"/>
-              </a:rPr>
-              <a:t>((a, b) =&gt; a - b);</a:t>
-            </a:r>
-            <a:endParaRPr lang="es-AR" sz="1700" dirty="0">
-              <a:effectLst/>
-              <a:latin typeface="Calibri" panose="020F0502020204030204" pitchFamily="34" charset="0"/>
-              <a:ea typeface="Calibri" panose="020F0502020204030204" pitchFamily="34" charset="0"/>
-              <a:cs typeface="Times New Roman" panose="02020603050405020304" pitchFamily="18" charset="0"/>
-            </a:endParaRPr>
-          </a:p>
-          <a:p>
-            <a:pPr>
-              <a:spcAft>
-                <a:spcPts val="800"/>
-              </a:spcAft>
-            </a:pPr>
-            <a:r>
-              <a:rPr lang="es-MX" sz="1700" dirty="0">
-                <a:effectLst/>
-                <a:latin typeface="Arial" panose="020B0604020202020204" pitchFamily="34" charset="0"/>
-                <a:ea typeface="Calibri" panose="020F0502020204030204" pitchFamily="34" charset="0"/>
-                <a:cs typeface="Times New Roman" panose="02020603050405020304" pitchFamily="18" charset="0"/>
-              </a:rPr>
-              <a:t>console.log(</a:t>
-            </a:r>
-            <a:r>
-              <a:rPr lang="es-MX" sz="1700" dirty="0" err="1">
-                <a:effectLst/>
-                <a:latin typeface="Arial" panose="020B0604020202020204" pitchFamily="34" charset="0"/>
-                <a:ea typeface="Calibri" panose="020F0502020204030204" pitchFamily="34" charset="0"/>
-                <a:cs typeface="Times New Roman" panose="02020603050405020304" pitchFamily="18" charset="0"/>
-              </a:rPr>
-              <a:t>sortedNumbers</a:t>
-            </a:r>
-            <a:r>
-              <a:rPr lang="es-MX" sz="1700" dirty="0">
-                <a:effectLst/>
-                <a:latin typeface="Arial" panose="020B0604020202020204" pitchFamily="34" charset="0"/>
-                <a:ea typeface="Calibri" panose="020F0502020204030204" pitchFamily="34" charset="0"/>
-                <a:cs typeface="Times New Roman" panose="02020603050405020304" pitchFamily="18" charset="0"/>
-              </a:rPr>
-              <a:t>);</a:t>
-            </a:r>
-            <a:endParaRPr lang="es-AR" sz="1700" dirty="0">
-              <a:effectLst/>
-              <a:latin typeface="Calibri" panose="020F0502020204030204" pitchFamily="34" charset="0"/>
-              <a:ea typeface="Calibri" panose="020F0502020204030204" pitchFamily="34" charset="0"/>
-              <a:cs typeface="Times New Roman" panose="02020603050405020304" pitchFamily="18" charset="0"/>
-            </a:endParaRPr>
-          </a:p>
-          <a:p>
-            <a:endParaRPr lang="es-AR" sz="1700" dirty="0"/>
-          </a:p>
-        </p:txBody>
-      </p:sp>
-    </p:spTree>
-    <p:extLst>
-      <p:ext uri="{BB962C8B-B14F-4D97-AF65-F5344CB8AC3E}">
-        <p14:creationId xmlns:p14="http://schemas.microsoft.com/office/powerpoint/2010/main" val="2168992969"/>
-      </p:ext>
-    </p:extLst>
-  </p:cSld>
-  <p:clrMapOvr>
-    <a:masterClrMapping/>
-  </p:clrMapOvr>
-</p:sld>
-</file>
-
-<file path=ppt/slides/slide7.xml><?xml version="1.0" encoding="utf-8"?>
-<p:sld xmlns:a="http://schemas.openxmlformats.org/drawingml/2006/main" xmlns:r="http://schemas.openxmlformats.org/officeDocument/2006/relationships" xmlns:p="http://schemas.openxmlformats.org/presentationml/2006/main">
-  <p:cSld>
-    <p:bg>
-      <p:bgPr>
-        <a:solidFill>
-          <a:schemeClr val="bg1"/>
-        </a:solidFill>
-        <a:effectLst/>
-      </p:bgPr>
-    </p:bg>
-    <p:spTree>
-      <p:nvGrpSpPr>
-        <p:cNvPr id="1" name=""/>
-        <p:cNvGrpSpPr/>
-        <p:nvPr/>
-      </p:nvGrpSpPr>
-      <p:grpSpPr>
-        <a:xfrm>
-          <a:off x="0" y="0"/>
-          <a:ext cx="0" cy="0"/>
-          <a:chOff x="0" y="0"/>
-          <a:chExt cx="0" cy="0"/>
-        </a:xfrm>
-      </p:grpSpPr>
-      <p:sp useBgFill="1">
-        <p:nvSpPr>
-          <p:cNvPr id="8" name="Rectangle 7">
-            <a:extLst>
-              <a:ext uri="{FF2B5EF4-FFF2-40B4-BE49-F238E27FC236}">
-                <a16:creationId xmlns:a16="http://schemas.microsoft.com/office/drawing/2014/main" id="{907EF6B7-1338-4443-8C46-6A318D952DFD}"/>
-              </a:ext>
-              <a:ext uri="{C183D7F6-B498-43B3-948B-1728B52AA6E4}">
-                <adec:decorative xmlns:adec="http://schemas.microsoft.com/office/drawing/2017/decorative" val="1"/>
-              </a:ext>
-            </a:extLst>
-          </p:cNvPr>
-          <p:cNvSpPr>
-            <a:spLocks noGrp="1" noRot="1" noChangeAspect="1" noMove="1" noResize="1" noEditPoints="1" noAdjustHandles="1" noChangeArrowheads="1" noChangeShapeType="1" noTextEdit="1"/>
-          </p:cNvSpPr>
-          <p:nvPr>
-            <p:extLst>
-              <p:ext uri="{386F3935-93C4-4BCD-93E2-E3B085C9AB24}">
-                <p16:designElem xmlns:p16="http://schemas.microsoft.com/office/powerpoint/2015/main" val="1"/>
-              </p:ext>
-            </p:extLst>
-          </p:nvPr>
-        </p:nvSpPr>
-        <p:spPr>
-          <a:xfrm>
-            <a:off x="3048" y="0"/>
-            <a:ext cx="12188952" cy="6858000"/>
-          </a:xfrm>
-          <a:prstGeom prst="rect">
-            <a:avLst/>
-          </a:prstGeom>
-          <a:ln>
-            <a:noFill/>
-          </a:ln>
-        </p:spPr>
-        <p:style>
-          <a:lnRef idx="2">
-            <a:schemeClr val="accent1">
-              <a:shade val="50000"/>
-            </a:schemeClr>
-          </a:lnRef>
-          <a:fillRef idx="1">
-            <a:schemeClr val="accent1"/>
-          </a:fillRef>
-          <a:effectRef idx="0">
-            <a:schemeClr val="accent1"/>
-          </a:effectRef>
-          <a:fontRef idx="minor">
-            <a:schemeClr val="lt1"/>
-          </a:fontRef>
-        </p:style>
-        <p:txBody>
-          <a:bodyPr rtlCol="0" anchor="ctr"/>
-          <a:lstStyle/>
-          <a:p>
-            <a:pPr algn="ctr"/>
-            <a:endParaRPr lang="en-US"/>
-          </a:p>
-        </p:txBody>
-      </p:sp>
-      <p:sp>
-        <p:nvSpPr>
-          <p:cNvPr id="10" name="Freeform: Shape 9">
-            <a:extLst>
-              <a:ext uri="{FF2B5EF4-FFF2-40B4-BE49-F238E27FC236}">
-                <a16:creationId xmlns:a16="http://schemas.microsoft.com/office/drawing/2014/main" id="{DAAE4CDD-124C-4DCF-9584-B6033B545DD5}"/>
-              </a:ext>
-              <a:ext uri="{C183D7F6-B498-43B3-948B-1728B52AA6E4}">
-                <adec:decorative xmlns:adec="http://schemas.microsoft.com/office/drawing/2017/decorative" val="1"/>
-              </a:ext>
-            </a:extLst>
-          </p:cNvPr>
-          <p:cNvSpPr>
-            <a:spLocks noGrp="1" noRot="1" noChangeAspect="1" noMove="1" noResize="1" noEditPoints="1" noAdjustHandles="1" noChangeArrowheads="1" noChangeShapeType="1" noTextEdit="1"/>
-          </p:cNvSpPr>
-          <p:nvPr>
-            <p:extLst>
-              <p:ext uri="{386F3935-93C4-4BCD-93E2-E3B085C9AB24}">
-                <p16:designElem xmlns:p16="http://schemas.microsoft.com/office/powerpoint/2015/main" val="1"/>
-              </p:ext>
-            </p:extLst>
-          </p:nvPr>
-        </p:nvSpPr>
-        <p:spPr>
-          <a:xfrm>
-            <a:off x="1" y="0"/>
-            <a:ext cx="4167271" cy="6858000"/>
-          </a:xfrm>
-          <a:custGeom>
-            <a:avLst/>
-            <a:gdLst>
-              <a:gd name="connsiteX0" fmla="*/ 0 w 4167271"/>
-              <a:gd name="connsiteY0" fmla="*/ 0 h 6858000"/>
-              <a:gd name="connsiteX1" fmla="*/ 2259550 w 4167271"/>
-              <a:gd name="connsiteY1" fmla="*/ 0 h 6858000"/>
-              <a:gd name="connsiteX2" fmla="*/ 2387803 w 4167271"/>
-              <a:gd name="connsiteY2" fmla="*/ 82222 h 6858000"/>
-              <a:gd name="connsiteX3" fmla="*/ 4167271 w 4167271"/>
-              <a:gd name="connsiteY3" fmla="*/ 3429000 h 6858000"/>
-              <a:gd name="connsiteX4" fmla="*/ 2387803 w 4167271"/>
-              <a:gd name="connsiteY4" fmla="*/ 6775779 h 6858000"/>
-              <a:gd name="connsiteX5" fmla="*/ 2259550 w 4167271"/>
-              <a:gd name="connsiteY5" fmla="*/ 6858000 h 6858000"/>
-              <a:gd name="connsiteX6" fmla="*/ 0 w 4167271"/>
-              <a:gd name="connsiteY6" fmla="*/ 6858000 h 6858000"/>
-            </a:gdLst>
-            <a:ahLst/>
-            <a:cxnLst>
-              <a:cxn ang="0">
-                <a:pos x="connsiteX0" y="connsiteY0"/>
-              </a:cxn>
-              <a:cxn ang="0">
-                <a:pos x="connsiteX1" y="connsiteY1"/>
-              </a:cxn>
-              <a:cxn ang="0">
-                <a:pos x="connsiteX2" y="connsiteY2"/>
-              </a:cxn>
-              <a:cxn ang="0">
-                <a:pos x="connsiteX3" y="connsiteY3"/>
-              </a:cxn>
-              <a:cxn ang="0">
-                <a:pos x="connsiteX4" y="connsiteY4"/>
-              </a:cxn>
-              <a:cxn ang="0">
-                <a:pos x="connsiteX5" y="connsiteY5"/>
-              </a:cxn>
-              <a:cxn ang="0">
-                <a:pos x="connsiteX6" y="connsiteY6"/>
-              </a:cxn>
-            </a:cxnLst>
-            <a:rect l="l" t="t" r="r" b="b"/>
-            <a:pathLst>
-              <a:path w="4167271" h="6858000">
-                <a:moveTo>
-                  <a:pt x="0" y="0"/>
-                </a:moveTo>
-                <a:lnTo>
-                  <a:pt x="2259550" y="0"/>
-                </a:lnTo>
-                <a:lnTo>
-                  <a:pt x="2387803" y="82222"/>
-                </a:lnTo>
-                <a:cubicBezTo>
-                  <a:pt x="3461407" y="807534"/>
-                  <a:pt x="4167271" y="2035835"/>
-                  <a:pt x="4167271" y="3429000"/>
-                </a:cubicBezTo>
-                <a:cubicBezTo>
-                  <a:pt x="4167271" y="4822165"/>
-                  <a:pt x="3461407" y="6050467"/>
-                  <a:pt x="2387803" y="6775779"/>
-                </a:cubicBezTo>
-                <a:lnTo>
-                  <a:pt x="2259550" y="6858000"/>
-                </a:lnTo>
-                <a:lnTo>
-                  <a:pt x="0" y="6858000"/>
-                </a:lnTo>
-                <a:close/>
-              </a:path>
-            </a:pathLst>
-          </a:custGeom>
-          <a:solidFill>
-            <a:schemeClr val="accent2"/>
-          </a:solidFill>
-          <a:ln>
-            <a:noFill/>
-          </a:ln>
-        </p:spPr>
-        <p:style>
-          <a:lnRef idx="2">
-            <a:schemeClr val="accent1">
-              <a:shade val="50000"/>
-            </a:schemeClr>
-          </a:lnRef>
-          <a:fillRef idx="1">
-            <a:schemeClr val="accent1"/>
-          </a:fillRef>
-          <a:effectRef idx="0">
-            <a:schemeClr val="accent1"/>
-          </a:effectRef>
-          <a:fontRef idx="minor">
-            <a:schemeClr val="lt1"/>
-          </a:fontRef>
-        </p:style>
-        <p:txBody>
-          <a:bodyPr rtlCol="0" anchor="ctr"/>
-          <a:lstStyle/>
-          <a:p>
-            <a:pPr algn="ctr"/>
-            <a:endParaRPr lang="en-US"/>
-          </a:p>
-        </p:txBody>
-      </p:sp>
-      <p:sp>
-        <p:nvSpPr>
-          <p:cNvPr id="2" name="Título 1">
-            <a:extLst>
-              <a:ext uri="{FF2B5EF4-FFF2-40B4-BE49-F238E27FC236}">
-                <a16:creationId xmlns:a16="http://schemas.microsoft.com/office/drawing/2014/main" id="{4C13B192-EB51-1AEB-262D-C2572CA7F8D4}"/>
-              </a:ext>
-            </a:extLst>
-          </p:cNvPr>
-          <p:cNvSpPr>
-            <a:spLocks noGrp="1"/>
-          </p:cNvSpPr>
-          <p:nvPr>
-            <p:ph type="title"/>
-          </p:nvPr>
-        </p:nvSpPr>
-        <p:spPr>
-          <a:xfrm>
-            <a:off x="686834" y="1153572"/>
-            <a:ext cx="3200400" cy="4461163"/>
-          </a:xfrm>
-        </p:spPr>
-        <p:txBody>
-          <a:bodyPr>
-            <a:normAutofit/>
-          </a:bodyPr>
-          <a:lstStyle/>
-          <a:p>
-            <a:r>
-              <a:rPr lang="es-ES">
-                <a:solidFill>
-                  <a:srgbClr val="FFFFFF"/>
-                </a:solidFill>
-              </a:rPr>
-              <a:t>Conclusiones</a:t>
-            </a:r>
-            <a:endParaRPr lang="es-AR">
-              <a:solidFill>
-                <a:srgbClr val="FFFFFF"/>
-              </a:solidFill>
-            </a:endParaRPr>
-          </a:p>
-        </p:txBody>
-      </p:sp>
-      <p:sp>
-        <p:nvSpPr>
-          <p:cNvPr id="12" name="Arc 11">
-            <a:extLst>
-              <a:ext uri="{FF2B5EF4-FFF2-40B4-BE49-F238E27FC236}">
-                <a16:creationId xmlns:a16="http://schemas.microsoft.com/office/drawing/2014/main" id="{081E4A58-353D-44AE-B2FC-2A74E2E400F7}"/>
-              </a:ext>
-              <a:ext uri="{C183D7F6-B498-43B3-948B-1728B52AA6E4}">
-                <adec:decorative xmlns:adec="http://schemas.microsoft.com/office/drawing/2017/decorative" val="1"/>
-              </a:ext>
-            </a:extLst>
-          </p:cNvPr>
-          <p:cNvSpPr>
-            <a:spLocks noGrp="1" noRot="1" noChangeAspect="1" noMove="1" noResize="1" noEditPoints="1" noAdjustHandles="1" noChangeArrowheads="1" noChangeShapeType="1" noTextEdit="1"/>
-          </p:cNvSpPr>
-          <p:nvPr>
-            <p:extLst>
-              <p:ext uri="{386F3935-93C4-4BCD-93E2-E3B085C9AB24}">
-                <p16:designElem xmlns:p16="http://schemas.microsoft.com/office/powerpoint/2015/main" val="1"/>
-              </p:ext>
-            </p:extLst>
-          </p:nvPr>
-        </p:nvSpPr>
-        <p:spPr>
-          <a:xfrm flipV="1">
-            <a:off x="7550402" y="2455479"/>
-            <a:ext cx="4083433" cy="4083433"/>
-          </a:xfrm>
-          <a:prstGeom prst="arc">
-            <a:avLst/>
-          </a:prstGeom>
-          <a:ln w="127000" cap="rnd">
-            <a:solidFill>
-              <a:schemeClr val="accent4"/>
-            </a:solidFill>
-            <a:prstDash val="dash"/>
-          </a:ln>
-        </p:spPr>
-        <p:style>
-          <a:lnRef idx="1">
-            <a:schemeClr val="accent1"/>
-          </a:lnRef>
-          <a:fillRef idx="0">
-            <a:schemeClr val="accent1"/>
-          </a:fillRef>
-          <a:effectRef idx="0">
-            <a:schemeClr val="accent1"/>
-          </a:effectRef>
-          <a:fontRef idx="minor">
-            <a:schemeClr val="tx1"/>
-          </a:fontRef>
-        </p:style>
-        <p:txBody>
-          <a:bodyPr rtlCol="0" anchor="ctr"/>
-          <a:lstStyle/>
-          <a:p>
-            <a:pPr algn="ctr"/>
-            <a:endParaRPr lang="en-US" dirty="0"/>
-          </a:p>
-        </p:txBody>
-      </p:sp>
-      <p:sp>
-        <p:nvSpPr>
-          <p:cNvPr id="3" name="Marcador de contenido 2">
-            <a:extLst>
-              <a:ext uri="{FF2B5EF4-FFF2-40B4-BE49-F238E27FC236}">
-                <a16:creationId xmlns:a16="http://schemas.microsoft.com/office/drawing/2014/main" id="{D9402AE8-109C-B0DC-6A19-1D48EA363F35}"/>
-              </a:ext>
-            </a:extLst>
-          </p:cNvPr>
-          <p:cNvSpPr>
-            <a:spLocks noGrp="1"/>
-          </p:cNvSpPr>
-          <p:nvPr>
-            <p:ph idx="1"/>
-          </p:nvPr>
-        </p:nvSpPr>
-        <p:spPr>
-          <a:xfrm>
-            <a:off x="4447308" y="591344"/>
-            <a:ext cx="6906491" cy="5585619"/>
-          </a:xfrm>
-        </p:spPr>
-        <p:txBody>
-          <a:bodyPr anchor="ctr">
-            <a:normAutofit/>
-          </a:bodyPr>
-          <a:lstStyle/>
-          <a:p>
-            <a:r>
-              <a:rPr lang="es-ES" dirty="0">
-                <a:effectLst/>
-                <a:latin typeface="Arial" panose="020B0604020202020204" pitchFamily="34" charset="0"/>
-                <a:ea typeface="Calibri" panose="020F0502020204030204" pitchFamily="34" charset="0"/>
-                <a:cs typeface="Times New Roman" panose="02020603050405020304" pitchFamily="18" charset="0"/>
-              </a:rPr>
-              <a:t>Tant</a:t>
-            </a:r>
-            <a:r>
-              <a:rPr lang="es-ES" dirty="0">
-                <a:latin typeface="Arial" panose="020B0604020202020204" pitchFamily="34" charset="0"/>
-                <a:ea typeface="Calibri" panose="020F0502020204030204" pitchFamily="34" charset="0"/>
-                <a:cs typeface="Times New Roman" panose="02020603050405020304" pitchFamily="18" charset="0"/>
-              </a:rPr>
-              <a:t>o en rendimiento general como en gestión de memoria, podemos concluir que </a:t>
-            </a:r>
-            <a:r>
-              <a:rPr lang="es-ES" dirty="0" err="1">
-                <a:latin typeface="Arial" panose="020B0604020202020204" pitchFamily="34" charset="0"/>
-                <a:ea typeface="Calibri" panose="020F0502020204030204" pitchFamily="34" charset="0"/>
-                <a:cs typeface="Times New Roman" panose="02020603050405020304" pitchFamily="18" charset="0"/>
-              </a:rPr>
-              <a:t>Typescript</a:t>
-            </a:r>
-            <a:r>
-              <a:rPr lang="es-ES" dirty="0">
-                <a:latin typeface="Arial" panose="020B0604020202020204" pitchFamily="34" charset="0"/>
-                <a:ea typeface="Calibri" panose="020F0502020204030204" pitchFamily="34" charset="0"/>
-                <a:cs typeface="Times New Roman" panose="02020603050405020304" pitchFamily="18" charset="0"/>
-              </a:rPr>
-              <a:t> es más potente que Ruby. Sin embargo, Ruby tiende a ser más amigable en la lectura del código</a:t>
-            </a:r>
-            <a:endParaRPr lang="es-AR" dirty="0">
-              <a:effectLst/>
-              <a:latin typeface="Calibri" panose="020F0502020204030204" pitchFamily="34" charset="0"/>
-              <a:ea typeface="Calibri" panose="020F0502020204030204" pitchFamily="34" charset="0"/>
-              <a:cs typeface="Times New Roman" panose="02020603050405020304" pitchFamily="18" charset="0"/>
-            </a:endParaRPr>
-          </a:p>
-          <a:p>
-            <a:endParaRPr lang="es-AR" dirty="0"/>
-          </a:p>
-        </p:txBody>
-      </p:sp>
-    </p:spTree>
-    <p:extLst>
-      <p:ext uri="{BB962C8B-B14F-4D97-AF65-F5344CB8AC3E}">
-        <p14:creationId xmlns:p14="http://schemas.microsoft.com/office/powerpoint/2010/main" val="1220940919"/>
-      </p:ext>
-    </p:extLst>
-  </p:cSld>
-  <p:clrMapOvr>
-    <a:masterClrMapping/>
-  </p:clrMapOvr>
-</p:sld>
-</file>
-
-<file path=ppt/slides/slide8.xml><?xml version="1.0" encoding="utf-8"?>
+<file path=ppt/slides/slide10.xml><?xml version="1.0" encoding="utf-8"?>
 <p:sld xmlns:a="http://schemas.openxmlformats.org/drawingml/2006/main" xmlns:r="http://schemas.openxmlformats.org/officeDocument/2006/relationships" xmlns:p="http://schemas.openxmlformats.org/presentationml/2006/main">
   <p:cSld>
     <p:bg>
@@ -13583,7 +10561,7 @@
                 <a16:creationId xmlns:a16="http://schemas.microsoft.com/office/drawing/2014/main" id="{73A25D70-4A55-4F72-B9C5-A69CDBF4DB42}"/>
               </a:ext>
               <a:ext uri="{C183D7F6-B498-43B3-948B-1728B52AA6E4}">
-                <adec:decorative xmlns:adec="http://schemas.microsoft.com/office/drawing/2017/decorative" val="1"/>
+                <adec:decorative xmlns:adec="http://schemas.microsoft.com/office/drawing/2017/decorative" xmlns="" val="1"/>
               </a:ext>
             </a:extLst>
           </p:cNvPr>
@@ -13643,7 +10621,7 @@
                 <a16:creationId xmlns:a16="http://schemas.microsoft.com/office/drawing/2014/main" id="{54957100-6D8B-4161-9F2F-C0A949EC84C4}"/>
               </a:ext>
               <a:ext uri="{C183D7F6-B498-43B3-948B-1728B52AA6E4}">
-                <adec:decorative xmlns:adec="http://schemas.microsoft.com/office/drawing/2017/decorative" val="1"/>
+                <adec:decorative xmlns:adec="http://schemas.microsoft.com/office/drawing/2017/decorative" xmlns="" val="1"/>
               </a:ext>
             </a:extLst>
           </p:cNvPr>
@@ -13706,7 +10684,7 @@
                 <a16:creationId xmlns:a16="http://schemas.microsoft.com/office/drawing/2014/main" id="{0BD8B065-EE51-4AE2-A94C-86249998FD7B}"/>
               </a:ext>
               <a:ext uri="{C183D7F6-B498-43B3-948B-1728B52AA6E4}">
-                <adec:decorative xmlns:adec="http://schemas.microsoft.com/office/drawing/2017/decorative" val="1"/>
+                <adec:decorative xmlns:adec="http://schemas.microsoft.com/office/drawing/2017/decorative" xmlns="" val="1"/>
               </a:ext>
             </a:extLst>
           </p:cNvPr>
@@ -13792,61 +10770,117 @@
         </p:nvSpPr>
         <p:spPr>
           <a:xfrm>
-            <a:off x="3371787" y="1741337"/>
-            <a:ext cx="5448730" cy="2387918"/>
+            <a:off x="332508" y="1741336"/>
+            <a:ext cx="11610109" cy="3227827"/>
           </a:xfrm>
         </p:spPr>
         <p:txBody>
           <a:bodyPr anchor="b">
-            <a:normAutofit/>
+            <a:normAutofit fontScale="90000"/>
           </a:bodyPr>
           <a:lstStyle/>
           <a:p>
             <a:r>
-              <a:rPr lang="es-ES" sz="5200" dirty="0">
+              <a:rPr lang="es-ES" sz="5200" dirty="0" smtClean="0">
                 <a:solidFill>
                   <a:schemeClr val="tx2"/>
                 </a:solidFill>
               </a:rPr>
-              <a:t>¿Preguntas?</a:t>
-            </a:r>
-            <a:endParaRPr lang="es-AR" sz="5200" dirty="0">
-              <a:solidFill>
-                <a:schemeClr val="tx2"/>
-              </a:solidFill>
-            </a:endParaRPr>
-          </a:p>
-        </p:txBody>
-      </p:sp>
-      <p:sp>
-        <p:nvSpPr>
-          <p:cNvPr id="5" name="Subtítulo 4">
-            <a:extLst>
-              <a:ext uri="{FF2B5EF4-FFF2-40B4-BE49-F238E27FC236}">
-                <a16:creationId xmlns:a16="http://schemas.microsoft.com/office/drawing/2014/main" id="{37E078A6-4C1E-CCA0-A9B2-A2074EB2EAE6}"/>
-              </a:ext>
-            </a:extLst>
-          </p:cNvPr>
-          <p:cNvSpPr>
-            <a:spLocks noGrp="1"/>
-          </p:cNvSpPr>
-          <p:nvPr>
-            <p:ph type="subTitle" idx="1"/>
-          </p:nvPr>
-        </p:nvSpPr>
-        <p:spPr>
-          <a:xfrm>
-            <a:off x="3371161" y="4200522"/>
-            <a:ext cx="5449982" cy="682079"/>
-          </a:xfrm>
-        </p:spPr>
-        <p:txBody>
-          <a:bodyPr>
-            <a:normAutofit/>
-          </a:bodyPr>
-          <a:lstStyle/>
-          <a:p>
-            <a:endParaRPr lang="es-AR">
+              <a:t>Preguntas:</a:t>
+            </a:r>
+            <a:br>
+              <a:rPr lang="es-ES" sz="5200" dirty="0" smtClean="0">
+                <a:solidFill>
+                  <a:schemeClr val="tx2"/>
+                </a:solidFill>
+              </a:rPr>
+            </a:br>
+            <a:r>
+              <a:rPr lang="es-ES" sz="5200" dirty="0" smtClean="0">
+                <a:solidFill>
+                  <a:schemeClr val="tx2"/>
+                </a:solidFill>
+              </a:rPr>
+              <a:t>-</a:t>
+            </a:r>
+            <a:r>
+              <a:rPr lang="es-ES" sz="4400" dirty="0" smtClean="0">
+                <a:solidFill>
+                  <a:schemeClr val="tx2"/>
+                </a:solidFill>
+              </a:rPr>
+              <a:t>¿En que consiste la búsqueda binaria?</a:t>
+            </a:r>
+            <a:br>
+              <a:rPr lang="es-ES" sz="4400" dirty="0" smtClean="0">
+                <a:solidFill>
+                  <a:schemeClr val="tx2"/>
+                </a:solidFill>
+              </a:rPr>
+            </a:br>
+            <a:r>
+              <a:rPr lang="es-ES" sz="4400" dirty="0" smtClean="0">
+                <a:solidFill>
+                  <a:schemeClr val="tx2"/>
+                </a:solidFill>
+              </a:rPr>
+              <a:t>-¿En que tipo de programación se destaca Ruby?</a:t>
+            </a:r>
+            <a:br>
+              <a:rPr lang="es-ES" sz="4400" dirty="0" smtClean="0">
+                <a:solidFill>
+                  <a:schemeClr val="tx2"/>
+                </a:solidFill>
+              </a:rPr>
+            </a:br>
+            <a:r>
+              <a:rPr lang="es-ES" sz="4400" dirty="0" smtClean="0">
+                <a:solidFill>
+                  <a:schemeClr val="tx2"/>
+                </a:solidFill>
+              </a:rPr>
+              <a:t>-¿Qué incorpora </a:t>
+            </a:r>
+            <a:r>
+              <a:rPr lang="es-ES" sz="4400" dirty="0" err="1" smtClean="0">
+                <a:solidFill>
+                  <a:schemeClr val="tx2"/>
+                </a:solidFill>
+              </a:rPr>
+              <a:t>Typescript</a:t>
+            </a:r>
+            <a:r>
+              <a:rPr lang="es-ES" sz="4400" dirty="0" smtClean="0">
+                <a:solidFill>
+                  <a:schemeClr val="tx2"/>
+                </a:solidFill>
+              </a:rPr>
+              <a:t> respecto a </a:t>
+            </a:r>
+            <a:r>
+              <a:rPr lang="es-ES" sz="4400" dirty="0" err="1" smtClean="0">
+                <a:solidFill>
+                  <a:schemeClr val="tx2"/>
+                </a:solidFill>
+              </a:rPr>
+              <a:t>Javascript</a:t>
+            </a:r>
+            <a:r>
+              <a:rPr lang="es-ES" sz="4400" dirty="0" smtClean="0">
+                <a:solidFill>
+                  <a:schemeClr val="tx2"/>
+                </a:solidFill>
+              </a:rPr>
+              <a:t>?</a:t>
+            </a:r>
+            <a:br>
+              <a:rPr lang="es-ES" sz="4400" dirty="0" smtClean="0">
+                <a:solidFill>
+                  <a:schemeClr val="tx2"/>
+                </a:solidFill>
+              </a:rPr>
+            </a:br>
+            <a:endParaRPr lang="es-AR" sz="4400" dirty="0">
               <a:solidFill>
                 <a:schemeClr val="tx2"/>
               </a:solidFill>
@@ -13862,7 +10896,7 @@
                 <a16:creationId xmlns:a16="http://schemas.microsoft.com/office/drawing/2014/main" id="{18999293-B054-4B57-A26F-D04C2BB11338}"/>
               </a:ext>
               <a:ext uri="{C183D7F6-B498-43B3-948B-1728B52AA6E4}">
-                <adec:decorative xmlns:adec="http://schemas.microsoft.com/office/drawing/2017/decorative" val="1"/>
+                <adec:decorative xmlns:adec="http://schemas.microsoft.com/office/drawing/2017/decorative" xmlns="" val="1"/>
               </a:ext>
             </a:extLst>
           </p:cNvPr>
@@ -13898,7 +10932,7 @@
                   <a16:creationId xmlns:a16="http://schemas.microsoft.com/office/drawing/2014/main" id="{5E505D8A-F41A-450D-A648-E77DF6B8D84C}"/>
                 </a:ext>
                 <a:ext uri="{C183D7F6-B498-43B3-948B-1728B52AA6E4}">
-                  <adec:decorative xmlns:adec="http://schemas.microsoft.com/office/drawing/2017/decorative" val="1"/>
+                  <adec:decorative xmlns:adec="http://schemas.microsoft.com/office/drawing/2017/decorative" xmlns="" val="1"/>
                 </a:ext>
               </a:extLst>
             </p:cNvPr>
@@ -14536,7 +11570,7 @@
                   <a16:creationId xmlns:a16="http://schemas.microsoft.com/office/drawing/2014/main" id="{E2BD6DCE-6A81-4F34-9958-67B578EA1662}"/>
                 </a:ext>
                 <a:ext uri="{C183D7F6-B498-43B3-948B-1728B52AA6E4}">
-                  <adec:decorative xmlns:adec="http://schemas.microsoft.com/office/drawing/2017/decorative" val="1"/>
+                  <adec:decorative xmlns:adec="http://schemas.microsoft.com/office/drawing/2017/decorative" xmlns="" val="1"/>
                 </a:ext>
               </a:extLst>
             </p:cNvPr>
@@ -15228,7 +12262,7 @@
                   <a16:creationId xmlns:a16="http://schemas.microsoft.com/office/drawing/2014/main" id="{5C462BE8-CD72-48CF-8A7B-C716D2B99EB4}"/>
                 </a:ext>
                 <a:ext uri="{C183D7F6-B498-43B3-948B-1728B52AA6E4}">
-                  <adec:decorative xmlns:adec="http://schemas.microsoft.com/office/drawing/2017/decorative" val="1"/>
+                  <adec:decorative xmlns:adec="http://schemas.microsoft.com/office/drawing/2017/decorative" xmlns="" val="1"/>
                 </a:ext>
               </a:extLst>
             </p:cNvPr>
@@ -15426,7 +12460,7 @@
                   <a16:creationId xmlns:a16="http://schemas.microsoft.com/office/drawing/2014/main" id="{1C2CDB70-40F1-4D00-8F17-A532E732EB2B}"/>
                 </a:ext>
                 <a:ext uri="{C183D7F6-B498-43B3-948B-1728B52AA6E4}">
-                  <adec:decorative xmlns:adec="http://schemas.microsoft.com/office/drawing/2017/decorative" val="1"/>
+                  <adec:decorative xmlns:adec="http://schemas.microsoft.com/office/drawing/2017/decorative" xmlns="" val="1"/>
                 </a:ext>
               </a:extLst>
             </p:cNvPr>
@@ -15645,7 +12679,7 @@
                 <a16:creationId xmlns:a16="http://schemas.microsoft.com/office/drawing/2014/main" id="{761945C4-D997-42F3-B59A-984CF0066715}"/>
               </a:ext>
               <a:ext uri="{C183D7F6-B498-43B3-948B-1728B52AA6E4}">
-                <adec:decorative xmlns:adec="http://schemas.microsoft.com/office/drawing/2017/decorative" val="1"/>
+                <adec:decorative xmlns:adec="http://schemas.microsoft.com/office/drawing/2017/decorative" xmlns="" val="1"/>
               </a:ext>
             </a:extLst>
           </p:cNvPr>
@@ -15681,7 +12715,7 @@
                   <a16:creationId xmlns:a16="http://schemas.microsoft.com/office/drawing/2014/main" id="{4651FE4A-9487-43BE-A388-134535743B70}"/>
                 </a:ext>
                 <a:ext uri="{C183D7F6-B498-43B3-948B-1728B52AA6E4}">
-                  <adec:decorative xmlns:adec="http://schemas.microsoft.com/office/drawing/2017/decorative" val="1"/>
+                  <adec:decorative xmlns:adec="http://schemas.microsoft.com/office/drawing/2017/decorative" xmlns="" val="1"/>
                 </a:ext>
               </a:extLst>
             </p:cNvPr>
@@ -16055,7 +13089,7 @@
                   <a16:creationId xmlns:a16="http://schemas.microsoft.com/office/drawing/2014/main" id="{F44B0EF3-9992-4B95-8A43-6206B3FC3FAD}"/>
                 </a:ext>
                 <a:ext uri="{C183D7F6-B498-43B3-948B-1728B52AA6E4}">
-                  <adec:decorative xmlns:adec="http://schemas.microsoft.com/office/drawing/2017/decorative" val="1"/>
+                  <adec:decorative xmlns:adec="http://schemas.microsoft.com/office/drawing/2017/decorative" xmlns="" val="1"/>
                 </a:ext>
               </a:extLst>
             </p:cNvPr>
@@ -16223,7 +13257,7 @@
                   <a16:creationId xmlns:a16="http://schemas.microsoft.com/office/drawing/2014/main" id="{041B1C1F-C2FE-4C47-9D74-ADB9B53F4BFF}"/>
                 </a:ext>
                 <a:ext uri="{C183D7F6-B498-43B3-948B-1728B52AA6E4}">
-                  <adec:decorative xmlns:adec="http://schemas.microsoft.com/office/drawing/2017/decorative" val="1"/>
+                  <adec:decorative xmlns:adec="http://schemas.microsoft.com/office/drawing/2017/decorative" xmlns="" val="1"/>
                 </a:ext>
               </a:extLst>
             </p:cNvPr>
@@ -16453,7 +13487,7 @@
                   <a16:creationId xmlns:a16="http://schemas.microsoft.com/office/drawing/2014/main" id="{1048177B-A49E-4E24-9007-07A0EDD6A2E3}"/>
                 </a:ext>
                 <a:ext uri="{C183D7F6-B498-43B3-948B-1728B52AA6E4}">
-                  <adec:decorative xmlns:adec="http://schemas.microsoft.com/office/drawing/2017/decorative" val="1"/>
+                  <adec:decorative xmlns:adec="http://schemas.microsoft.com/office/drawing/2017/decorative" xmlns="" val="1"/>
                 </a:ext>
               </a:extLst>
             </p:cNvPr>
@@ -16618,6 +13652,4812 @@
     <p:extLst>
       <p:ext uri="{BB962C8B-B14F-4D97-AF65-F5344CB8AC3E}">
         <p14:creationId xmlns:p14="http://schemas.microsoft.com/office/powerpoint/2010/main" val="3432772649"/>
+      </p:ext>
+    </p:extLst>
+  </p:cSld>
+  <p:clrMapOvr>
+    <a:masterClrMapping/>
+  </p:clrMapOvr>
+</p:sld>
+</file>
+
+<file path=ppt/slides/slide2.xml><?xml version="1.0" encoding="utf-8"?>
+<p:sld xmlns:a="http://schemas.openxmlformats.org/drawingml/2006/main" xmlns:r="http://schemas.openxmlformats.org/officeDocument/2006/relationships" xmlns:p="http://schemas.openxmlformats.org/presentationml/2006/main">
+  <p:cSld>
+    <p:bg>
+      <p:bgPr>
+        <a:solidFill>
+          <a:schemeClr val="bg1"/>
+        </a:solidFill>
+        <a:effectLst/>
+      </p:bgPr>
+    </p:bg>
+    <p:spTree>
+      <p:nvGrpSpPr>
+        <p:cNvPr id="1" name=""/>
+        <p:cNvGrpSpPr/>
+        <p:nvPr/>
+      </p:nvGrpSpPr>
+      <p:grpSpPr>
+        <a:xfrm>
+          <a:off x="0" y="0"/>
+          <a:ext cx="0" cy="0"/>
+          <a:chOff x="0" y="0"/>
+          <a:chExt cx="0" cy="0"/>
+        </a:xfrm>
+      </p:grpSpPr>
+      <p:sp useBgFill="1">
+        <p:nvSpPr>
+          <p:cNvPr id="8" name="Rectangle 7">
+            <a:extLst>
+              <a:ext uri="{FF2B5EF4-FFF2-40B4-BE49-F238E27FC236}">
+                <a16:creationId xmlns:a16="http://schemas.microsoft.com/office/drawing/2014/main" id="{907EF6B7-1338-4443-8C46-6A318D952DFD}"/>
+              </a:ext>
+              <a:ext uri="{C183D7F6-B498-43B3-948B-1728B52AA6E4}">
+                <adec:decorative xmlns:adec="http://schemas.microsoft.com/office/drawing/2017/decorative" xmlns="" val="1"/>
+              </a:ext>
+            </a:extLst>
+          </p:cNvPr>
+          <p:cNvSpPr>
+            <a:spLocks noGrp="1" noRot="1" noChangeAspect="1" noMove="1" noResize="1" noEditPoints="1" noAdjustHandles="1" noChangeArrowheads="1" noChangeShapeType="1" noTextEdit="1"/>
+          </p:cNvSpPr>
+          <p:nvPr>
+            <p:extLst>
+              <p:ext uri="{386F3935-93C4-4BCD-93E2-E3B085C9AB24}">
+                <p16:designElem xmlns:p16="http://schemas.microsoft.com/office/powerpoint/2015/main" val="1"/>
+              </p:ext>
+            </p:extLst>
+          </p:nvPr>
+        </p:nvSpPr>
+        <p:spPr>
+          <a:xfrm>
+            <a:off x="3048" y="0"/>
+            <a:ext cx="12188952" cy="6858000"/>
+          </a:xfrm>
+          <a:prstGeom prst="rect">
+            <a:avLst/>
+          </a:prstGeom>
+          <a:ln>
+            <a:noFill/>
+          </a:ln>
+        </p:spPr>
+        <p:style>
+          <a:lnRef idx="2">
+            <a:schemeClr val="accent1">
+              <a:shade val="50000"/>
+            </a:schemeClr>
+          </a:lnRef>
+          <a:fillRef idx="1">
+            <a:schemeClr val="accent1"/>
+          </a:fillRef>
+          <a:effectRef idx="0">
+            <a:schemeClr val="accent1"/>
+          </a:effectRef>
+          <a:fontRef idx="minor">
+            <a:schemeClr val="lt1"/>
+          </a:fontRef>
+        </p:style>
+        <p:txBody>
+          <a:bodyPr rtlCol="0" anchor="ctr"/>
+          <a:lstStyle/>
+          <a:p>
+            <a:pPr algn="ctr"/>
+            <a:endParaRPr lang="en-US"/>
+          </a:p>
+        </p:txBody>
+      </p:sp>
+      <p:sp>
+        <p:nvSpPr>
+          <p:cNvPr id="10" name="Freeform: Shape 9">
+            <a:extLst>
+              <a:ext uri="{FF2B5EF4-FFF2-40B4-BE49-F238E27FC236}">
+                <a16:creationId xmlns:a16="http://schemas.microsoft.com/office/drawing/2014/main" id="{DAAE4CDD-124C-4DCF-9584-B6033B545DD5}"/>
+              </a:ext>
+              <a:ext uri="{C183D7F6-B498-43B3-948B-1728B52AA6E4}">
+                <adec:decorative xmlns:adec="http://schemas.microsoft.com/office/drawing/2017/decorative" xmlns="" val="1"/>
+              </a:ext>
+            </a:extLst>
+          </p:cNvPr>
+          <p:cNvSpPr>
+            <a:spLocks noGrp="1" noRot="1" noChangeAspect="1" noMove="1" noResize="1" noEditPoints="1" noAdjustHandles="1" noChangeArrowheads="1" noChangeShapeType="1" noTextEdit="1"/>
+          </p:cNvSpPr>
+          <p:nvPr>
+            <p:extLst>
+              <p:ext uri="{386F3935-93C4-4BCD-93E2-E3B085C9AB24}">
+                <p16:designElem xmlns:p16="http://schemas.microsoft.com/office/powerpoint/2015/main" val="1"/>
+              </p:ext>
+            </p:extLst>
+          </p:nvPr>
+        </p:nvSpPr>
+        <p:spPr>
+          <a:xfrm>
+            <a:off x="1" y="0"/>
+            <a:ext cx="4167271" cy="6858000"/>
+          </a:xfrm>
+          <a:custGeom>
+            <a:avLst/>
+            <a:gdLst>
+              <a:gd name="connsiteX0" fmla="*/ 0 w 4167271"/>
+              <a:gd name="connsiteY0" fmla="*/ 0 h 6858000"/>
+              <a:gd name="connsiteX1" fmla="*/ 2259550 w 4167271"/>
+              <a:gd name="connsiteY1" fmla="*/ 0 h 6858000"/>
+              <a:gd name="connsiteX2" fmla="*/ 2387803 w 4167271"/>
+              <a:gd name="connsiteY2" fmla="*/ 82222 h 6858000"/>
+              <a:gd name="connsiteX3" fmla="*/ 4167271 w 4167271"/>
+              <a:gd name="connsiteY3" fmla="*/ 3429000 h 6858000"/>
+              <a:gd name="connsiteX4" fmla="*/ 2387803 w 4167271"/>
+              <a:gd name="connsiteY4" fmla="*/ 6775779 h 6858000"/>
+              <a:gd name="connsiteX5" fmla="*/ 2259550 w 4167271"/>
+              <a:gd name="connsiteY5" fmla="*/ 6858000 h 6858000"/>
+              <a:gd name="connsiteX6" fmla="*/ 0 w 4167271"/>
+              <a:gd name="connsiteY6" fmla="*/ 6858000 h 6858000"/>
+            </a:gdLst>
+            <a:ahLst/>
+            <a:cxnLst>
+              <a:cxn ang="0">
+                <a:pos x="connsiteX0" y="connsiteY0"/>
+              </a:cxn>
+              <a:cxn ang="0">
+                <a:pos x="connsiteX1" y="connsiteY1"/>
+              </a:cxn>
+              <a:cxn ang="0">
+                <a:pos x="connsiteX2" y="connsiteY2"/>
+              </a:cxn>
+              <a:cxn ang="0">
+                <a:pos x="connsiteX3" y="connsiteY3"/>
+              </a:cxn>
+              <a:cxn ang="0">
+                <a:pos x="connsiteX4" y="connsiteY4"/>
+              </a:cxn>
+              <a:cxn ang="0">
+                <a:pos x="connsiteX5" y="connsiteY5"/>
+              </a:cxn>
+              <a:cxn ang="0">
+                <a:pos x="connsiteX6" y="connsiteY6"/>
+              </a:cxn>
+            </a:cxnLst>
+            <a:rect l="l" t="t" r="r" b="b"/>
+            <a:pathLst>
+              <a:path w="4167271" h="6858000">
+                <a:moveTo>
+                  <a:pt x="0" y="0"/>
+                </a:moveTo>
+                <a:lnTo>
+                  <a:pt x="2259550" y="0"/>
+                </a:lnTo>
+                <a:lnTo>
+                  <a:pt x="2387803" y="82222"/>
+                </a:lnTo>
+                <a:cubicBezTo>
+                  <a:pt x="3461407" y="807534"/>
+                  <a:pt x="4167271" y="2035835"/>
+                  <a:pt x="4167271" y="3429000"/>
+                </a:cubicBezTo>
+                <a:cubicBezTo>
+                  <a:pt x="4167271" y="4822165"/>
+                  <a:pt x="3461407" y="6050467"/>
+                  <a:pt x="2387803" y="6775779"/>
+                </a:cubicBezTo>
+                <a:lnTo>
+                  <a:pt x="2259550" y="6858000"/>
+                </a:lnTo>
+                <a:lnTo>
+                  <a:pt x="0" y="6858000"/>
+                </a:lnTo>
+                <a:close/>
+              </a:path>
+            </a:pathLst>
+          </a:custGeom>
+          <a:solidFill>
+            <a:schemeClr val="accent2"/>
+          </a:solidFill>
+          <a:ln>
+            <a:noFill/>
+          </a:ln>
+        </p:spPr>
+        <p:style>
+          <a:lnRef idx="2">
+            <a:schemeClr val="accent1">
+              <a:shade val="50000"/>
+            </a:schemeClr>
+          </a:lnRef>
+          <a:fillRef idx="1">
+            <a:schemeClr val="accent1"/>
+          </a:fillRef>
+          <a:effectRef idx="0">
+            <a:schemeClr val="accent1"/>
+          </a:effectRef>
+          <a:fontRef idx="minor">
+            <a:schemeClr val="lt1"/>
+          </a:fontRef>
+        </p:style>
+        <p:txBody>
+          <a:bodyPr rtlCol="0" anchor="ctr"/>
+          <a:lstStyle/>
+          <a:p>
+            <a:pPr algn="ctr"/>
+            <a:endParaRPr lang="en-US"/>
+          </a:p>
+        </p:txBody>
+      </p:sp>
+      <p:sp>
+        <p:nvSpPr>
+          <p:cNvPr id="2" name="Título 1">
+            <a:extLst>
+              <a:ext uri="{FF2B5EF4-FFF2-40B4-BE49-F238E27FC236}">
+                <a16:creationId xmlns:a16="http://schemas.microsoft.com/office/drawing/2014/main" id="{FEFD366E-B19A-6025-65FE-37848B961B0A}"/>
+              </a:ext>
+            </a:extLst>
+          </p:cNvPr>
+          <p:cNvSpPr>
+            <a:spLocks noGrp="1"/>
+          </p:cNvSpPr>
+          <p:nvPr>
+            <p:ph type="title"/>
+          </p:nvPr>
+        </p:nvSpPr>
+        <p:spPr>
+          <a:xfrm>
+            <a:off x="686834" y="1153572"/>
+            <a:ext cx="3200400" cy="4461163"/>
+          </a:xfrm>
+        </p:spPr>
+        <p:txBody>
+          <a:bodyPr>
+            <a:normAutofit/>
+          </a:bodyPr>
+          <a:lstStyle/>
+          <a:p>
+            <a:r>
+              <a:rPr lang="es-ES">
+                <a:solidFill>
+                  <a:srgbClr val="FFFFFF"/>
+                </a:solidFill>
+              </a:rPr>
+              <a:t>Ruby, ¿Qué es y cómo nació?</a:t>
+            </a:r>
+            <a:endParaRPr lang="es-AR">
+              <a:solidFill>
+                <a:srgbClr val="FFFFFF"/>
+              </a:solidFill>
+            </a:endParaRPr>
+          </a:p>
+        </p:txBody>
+      </p:sp>
+      <p:sp>
+        <p:nvSpPr>
+          <p:cNvPr id="12" name="Arc 11">
+            <a:extLst>
+              <a:ext uri="{FF2B5EF4-FFF2-40B4-BE49-F238E27FC236}">
+                <a16:creationId xmlns:a16="http://schemas.microsoft.com/office/drawing/2014/main" id="{081E4A58-353D-44AE-B2FC-2A74E2E400F7}"/>
+              </a:ext>
+              <a:ext uri="{C183D7F6-B498-43B3-948B-1728B52AA6E4}">
+                <adec:decorative xmlns:adec="http://schemas.microsoft.com/office/drawing/2017/decorative" xmlns="" val="1"/>
+              </a:ext>
+            </a:extLst>
+          </p:cNvPr>
+          <p:cNvSpPr>
+            <a:spLocks noGrp="1" noRot="1" noChangeAspect="1" noMove="1" noResize="1" noEditPoints="1" noAdjustHandles="1" noChangeArrowheads="1" noChangeShapeType="1" noTextEdit="1"/>
+          </p:cNvSpPr>
+          <p:nvPr>
+            <p:extLst>
+              <p:ext uri="{386F3935-93C4-4BCD-93E2-E3B085C9AB24}">
+                <p16:designElem xmlns:p16="http://schemas.microsoft.com/office/powerpoint/2015/main" val="1"/>
+              </p:ext>
+            </p:extLst>
+          </p:nvPr>
+        </p:nvSpPr>
+        <p:spPr>
+          <a:xfrm flipV="1">
+            <a:off x="7550402" y="2455479"/>
+            <a:ext cx="4083433" cy="4083433"/>
+          </a:xfrm>
+          <a:prstGeom prst="arc">
+            <a:avLst/>
+          </a:prstGeom>
+          <a:ln w="127000" cap="rnd">
+            <a:solidFill>
+              <a:schemeClr val="accent4"/>
+            </a:solidFill>
+            <a:prstDash val="dash"/>
+          </a:ln>
+        </p:spPr>
+        <p:style>
+          <a:lnRef idx="1">
+            <a:schemeClr val="accent1"/>
+          </a:lnRef>
+          <a:fillRef idx="0">
+            <a:schemeClr val="accent1"/>
+          </a:fillRef>
+          <a:effectRef idx="0">
+            <a:schemeClr val="accent1"/>
+          </a:effectRef>
+          <a:fontRef idx="minor">
+            <a:schemeClr val="tx1"/>
+          </a:fontRef>
+        </p:style>
+        <p:txBody>
+          <a:bodyPr rtlCol="0" anchor="ctr"/>
+          <a:lstStyle/>
+          <a:p>
+            <a:pPr algn="ctr"/>
+            <a:endParaRPr lang="en-US" dirty="0"/>
+          </a:p>
+        </p:txBody>
+      </p:sp>
+      <p:sp>
+        <p:nvSpPr>
+          <p:cNvPr id="3" name="Marcador de contenido 2">
+            <a:extLst>
+              <a:ext uri="{FF2B5EF4-FFF2-40B4-BE49-F238E27FC236}">
+                <a16:creationId xmlns:a16="http://schemas.microsoft.com/office/drawing/2014/main" id="{35219FC1-ED62-67D0-191F-120AFD3F9CCB}"/>
+              </a:ext>
+            </a:extLst>
+          </p:cNvPr>
+          <p:cNvSpPr>
+            <a:spLocks noGrp="1"/>
+          </p:cNvSpPr>
+          <p:nvPr>
+            <p:ph idx="1"/>
+          </p:nvPr>
+        </p:nvSpPr>
+        <p:spPr>
+          <a:xfrm>
+            <a:off x="4447308" y="319088"/>
+            <a:ext cx="6906491" cy="5857875"/>
+          </a:xfrm>
+        </p:spPr>
+        <p:txBody>
+          <a:bodyPr anchor="ctr">
+            <a:normAutofit/>
+          </a:bodyPr>
+          <a:lstStyle/>
+          <a:p>
+            <a:r>
+              <a:rPr lang="es-MX" sz="2400" dirty="0">
+                <a:effectLst/>
+                <a:latin typeface="Arial" panose="020B0604020202020204" pitchFamily="34" charset="0"/>
+                <a:ea typeface="Calibri" panose="020F0502020204030204" pitchFamily="34" charset="0"/>
+                <a:cs typeface="Times New Roman" panose="02020603050405020304" pitchFamily="18" charset="0"/>
+              </a:rPr>
+              <a:t>Ruby es un lenguaje de programación principalmente orientado a objetos. </a:t>
+            </a:r>
+            <a:r>
+              <a:rPr lang="es-ES" sz="2400" dirty="0">
+                <a:effectLst/>
+                <a:latin typeface="Arial" panose="020B0604020202020204" pitchFamily="34" charset="0"/>
+                <a:ea typeface="Calibri" panose="020F0502020204030204" pitchFamily="34" charset="0"/>
+                <a:cs typeface="Times New Roman" panose="02020603050405020304" pitchFamily="18" charset="0"/>
+              </a:rPr>
+              <a:t>Es un lenguaje interpretado de alto nivel a la vez que dinámico y flexible.</a:t>
+            </a:r>
+          </a:p>
+          <a:p>
+            <a:r>
+              <a:rPr lang="es-MX" sz="2400" dirty="0">
+                <a:effectLst/>
+                <a:latin typeface="Arial" panose="020B0604020202020204" pitchFamily="34" charset="0"/>
+                <a:ea typeface="Calibri" panose="020F0502020204030204" pitchFamily="34" charset="0"/>
+                <a:cs typeface="Times New Roman" panose="02020603050405020304" pitchFamily="18" charset="0"/>
+              </a:rPr>
+              <a:t>Fue creado por </a:t>
+            </a:r>
+            <a:r>
+              <a:rPr lang="es-MX" sz="2400" dirty="0" err="1">
+                <a:effectLst/>
+                <a:latin typeface="Arial" panose="020B0604020202020204" pitchFamily="34" charset="0"/>
+                <a:ea typeface="Calibri" panose="020F0502020204030204" pitchFamily="34" charset="0"/>
+                <a:cs typeface="Times New Roman" panose="02020603050405020304" pitchFamily="18" charset="0"/>
+              </a:rPr>
+              <a:t>Yukihiro</a:t>
+            </a:r>
+            <a:r>
+              <a:rPr lang="es-MX" sz="2400" dirty="0">
+                <a:effectLst/>
+                <a:latin typeface="Arial" panose="020B0604020202020204" pitchFamily="34" charset="0"/>
+                <a:ea typeface="Calibri" panose="020F0502020204030204" pitchFamily="34" charset="0"/>
+                <a:cs typeface="Times New Roman" panose="02020603050405020304" pitchFamily="18" charset="0"/>
+              </a:rPr>
+              <a:t> "</a:t>
+            </a:r>
+            <a:r>
+              <a:rPr lang="es-MX" sz="2400" dirty="0" err="1">
+                <a:effectLst/>
+                <a:latin typeface="Arial" panose="020B0604020202020204" pitchFamily="34" charset="0"/>
+                <a:ea typeface="Calibri" panose="020F0502020204030204" pitchFamily="34" charset="0"/>
+                <a:cs typeface="Times New Roman" panose="02020603050405020304" pitchFamily="18" charset="0"/>
+              </a:rPr>
+              <a:t>Matz</a:t>
+            </a:r>
+            <a:r>
+              <a:rPr lang="es-MX" sz="2400" dirty="0">
+                <a:effectLst/>
+                <a:latin typeface="Arial" panose="020B0604020202020204" pitchFamily="34" charset="0"/>
+                <a:ea typeface="Calibri" panose="020F0502020204030204" pitchFamily="34" charset="0"/>
+                <a:cs typeface="Times New Roman" panose="02020603050405020304" pitchFamily="18" charset="0"/>
+              </a:rPr>
+              <a:t>" Matsumoto en Japón, habiendo lanzado la primera versión pública, Ruby 0.95, fue lanzada en 1995. . </a:t>
+            </a:r>
+          </a:p>
+          <a:p>
+            <a:r>
+              <a:rPr lang="es-MX" sz="2400" dirty="0">
+                <a:effectLst/>
+                <a:latin typeface="Arial" panose="020B0604020202020204" pitchFamily="34" charset="0"/>
+                <a:ea typeface="Calibri" panose="020F0502020204030204" pitchFamily="34" charset="0"/>
+                <a:cs typeface="Times New Roman" panose="02020603050405020304" pitchFamily="18" charset="0"/>
+              </a:rPr>
+              <a:t>Matsumoto diseñó Ruby para combinar la simplicidad y la elegancia de la sintaxis con la potencia de la programación orientada a objetos. </a:t>
+            </a:r>
+          </a:p>
+          <a:p>
+            <a:r>
+              <a:rPr lang="es-MX" sz="2400" dirty="0">
+                <a:effectLst/>
+                <a:latin typeface="Arial" panose="020B0604020202020204" pitchFamily="34" charset="0"/>
+                <a:ea typeface="Calibri" panose="020F0502020204030204" pitchFamily="34" charset="0"/>
+                <a:cs typeface="Times New Roman" panose="02020603050405020304" pitchFamily="18" charset="0"/>
+              </a:rPr>
+              <a:t>Ruby ganó popularidad, especialmente con la creación del influyente </a:t>
+            </a:r>
+            <a:r>
+              <a:rPr lang="es-MX" sz="2400" dirty="0" err="1">
+                <a:effectLst/>
+                <a:latin typeface="Arial" panose="020B0604020202020204" pitchFamily="34" charset="0"/>
+                <a:ea typeface="Calibri" panose="020F0502020204030204" pitchFamily="34" charset="0"/>
+                <a:cs typeface="Times New Roman" panose="02020603050405020304" pitchFamily="18" charset="0"/>
+              </a:rPr>
+              <a:t>framework</a:t>
+            </a:r>
+            <a:r>
+              <a:rPr lang="es-MX" sz="2400" dirty="0">
+                <a:effectLst/>
+                <a:latin typeface="Arial" panose="020B0604020202020204" pitchFamily="34" charset="0"/>
+                <a:ea typeface="Calibri" panose="020F0502020204030204" pitchFamily="34" charset="0"/>
+                <a:cs typeface="Times New Roman" panose="02020603050405020304" pitchFamily="18" charset="0"/>
+              </a:rPr>
+              <a:t> de desarrollo web Ruby </a:t>
+            </a:r>
+            <a:r>
+              <a:rPr lang="es-MX" sz="2400" dirty="0" err="1">
+                <a:effectLst/>
+                <a:latin typeface="Arial" panose="020B0604020202020204" pitchFamily="34" charset="0"/>
+                <a:ea typeface="Calibri" panose="020F0502020204030204" pitchFamily="34" charset="0"/>
+                <a:cs typeface="Times New Roman" panose="02020603050405020304" pitchFamily="18" charset="0"/>
+              </a:rPr>
+              <a:t>on</a:t>
+            </a:r>
+            <a:r>
+              <a:rPr lang="es-MX" sz="2400" dirty="0">
+                <a:effectLst/>
+                <a:latin typeface="Arial" panose="020B0604020202020204" pitchFamily="34" charset="0"/>
+                <a:ea typeface="Calibri" panose="020F0502020204030204" pitchFamily="34" charset="0"/>
+                <a:cs typeface="Times New Roman" panose="02020603050405020304" pitchFamily="18" charset="0"/>
+              </a:rPr>
+              <a:t> </a:t>
+            </a:r>
+            <a:r>
+              <a:rPr lang="es-MX" sz="2400" dirty="0" err="1">
+                <a:effectLst/>
+                <a:latin typeface="Arial" panose="020B0604020202020204" pitchFamily="34" charset="0"/>
+                <a:ea typeface="Calibri" panose="020F0502020204030204" pitchFamily="34" charset="0"/>
+                <a:cs typeface="Times New Roman" panose="02020603050405020304" pitchFamily="18" charset="0"/>
+              </a:rPr>
+              <a:t>Rails</a:t>
+            </a:r>
+            <a:r>
+              <a:rPr lang="es-MX" sz="2400" dirty="0">
+                <a:effectLst/>
+                <a:latin typeface="Arial" panose="020B0604020202020204" pitchFamily="34" charset="0"/>
+                <a:ea typeface="Calibri" panose="020F0502020204030204" pitchFamily="34" charset="0"/>
+                <a:cs typeface="Times New Roman" panose="02020603050405020304" pitchFamily="18" charset="0"/>
+              </a:rPr>
+              <a:t> en 2005. </a:t>
+            </a:r>
+            <a:endParaRPr lang="es-AR" sz="2400" dirty="0">
+              <a:effectLst/>
+              <a:latin typeface="Calibri" panose="020F0502020204030204" pitchFamily="34" charset="0"/>
+              <a:ea typeface="Calibri" panose="020F0502020204030204" pitchFamily="34" charset="0"/>
+              <a:cs typeface="Times New Roman" panose="02020603050405020304" pitchFamily="18" charset="0"/>
+            </a:endParaRPr>
+          </a:p>
+          <a:p>
+            <a:endParaRPr lang="es-AR" sz="2400" dirty="0"/>
+          </a:p>
+        </p:txBody>
+      </p:sp>
+    </p:spTree>
+    <p:extLst>
+      <p:ext uri="{BB962C8B-B14F-4D97-AF65-F5344CB8AC3E}">
+        <p14:creationId xmlns:p14="http://schemas.microsoft.com/office/powerpoint/2010/main" val="3744016348"/>
+      </p:ext>
+    </p:extLst>
+  </p:cSld>
+  <p:clrMapOvr>
+    <a:masterClrMapping/>
+  </p:clrMapOvr>
+</p:sld>
+</file>
+
+<file path=ppt/slides/slide3.xml><?xml version="1.0" encoding="utf-8"?>
+<p:sld xmlns:a="http://schemas.openxmlformats.org/drawingml/2006/main" xmlns:r="http://schemas.openxmlformats.org/officeDocument/2006/relationships" xmlns:p="http://schemas.openxmlformats.org/presentationml/2006/main">
+  <p:cSld>
+    <p:bg>
+      <p:bgPr>
+        <a:solidFill>
+          <a:schemeClr val="bg1"/>
+        </a:solidFill>
+        <a:effectLst/>
+      </p:bgPr>
+    </p:bg>
+    <p:spTree>
+      <p:nvGrpSpPr>
+        <p:cNvPr id="1" name=""/>
+        <p:cNvGrpSpPr/>
+        <p:nvPr/>
+      </p:nvGrpSpPr>
+      <p:grpSpPr>
+        <a:xfrm>
+          <a:off x="0" y="0"/>
+          <a:ext cx="0" cy="0"/>
+          <a:chOff x="0" y="0"/>
+          <a:chExt cx="0" cy="0"/>
+        </a:xfrm>
+      </p:grpSpPr>
+      <p:sp useBgFill="1">
+        <p:nvSpPr>
+          <p:cNvPr id="8" name="Rectangle 7">
+            <a:extLst>
+              <a:ext uri="{FF2B5EF4-FFF2-40B4-BE49-F238E27FC236}">
+                <a16:creationId xmlns:a16="http://schemas.microsoft.com/office/drawing/2014/main" id="{907EF6B7-1338-4443-8C46-6A318D952DFD}"/>
+              </a:ext>
+              <a:ext uri="{C183D7F6-B498-43B3-948B-1728B52AA6E4}">
+                <adec:decorative xmlns:adec="http://schemas.microsoft.com/office/drawing/2017/decorative" xmlns="" val="1"/>
+              </a:ext>
+            </a:extLst>
+          </p:cNvPr>
+          <p:cNvSpPr>
+            <a:spLocks noGrp="1" noRot="1" noChangeAspect="1" noMove="1" noResize="1" noEditPoints="1" noAdjustHandles="1" noChangeArrowheads="1" noChangeShapeType="1" noTextEdit="1"/>
+          </p:cNvSpPr>
+          <p:nvPr>
+            <p:extLst>
+              <p:ext uri="{386F3935-93C4-4BCD-93E2-E3B085C9AB24}">
+                <p16:designElem xmlns:p16="http://schemas.microsoft.com/office/powerpoint/2015/main" val="1"/>
+              </p:ext>
+            </p:extLst>
+          </p:nvPr>
+        </p:nvSpPr>
+        <p:spPr>
+          <a:xfrm>
+            <a:off x="3048" y="0"/>
+            <a:ext cx="12188952" cy="6858000"/>
+          </a:xfrm>
+          <a:prstGeom prst="rect">
+            <a:avLst/>
+          </a:prstGeom>
+          <a:ln>
+            <a:noFill/>
+          </a:ln>
+        </p:spPr>
+        <p:style>
+          <a:lnRef idx="2">
+            <a:schemeClr val="accent1">
+              <a:shade val="50000"/>
+            </a:schemeClr>
+          </a:lnRef>
+          <a:fillRef idx="1">
+            <a:schemeClr val="accent1"/>
+          </a:fillRef>
+          <a:effectRef idx="0">
+            <a:schemeClr val="accent1"/>
+          </a:effectRef>
+          <a:fontRef idx="minor">
+            <a:schemeClr val="lt1"/>
+          </a:fontRef>
+        </p:style>
+        <p:txBody>
+          <a:bodyPr rtlCol="0" anchor="ctr"/>
+          <a:lstStyle/>
+          <a:p>
+            <a:pPr algn="ctr"/>
+            <a:endParaRPr lang="en-US"/>
+          </a:p>
+        </p:txBody>
+      </p:sp>
+      <p:sp>
+        <p:nvSpPr>
+          <p:cNvPr id="10" name="Freeform: Shape 9">
+            <a:extLst>
+              <a:ext uri="{FF2B5EF4-FFF2-40B4-BE49-F238E27FC236}">
+                <a16:creationId xmlns:a16="http://schemas.microsoft.com/office/drawing/2014/main" id="{DAAE4CDD-124C-4DCF-9584-B6033B545DD5}"/>
+              </a:ext>
+              <a:ext uri="{C183D7F6-B498-43B3-948B-1728B52AA6E4}">
+                <adec:decorative xmlns:adec="http://schemas.microsoft.com/office/drawing/2017/decorative" xmlns="" val="1"/>
+              </a:ext>
+            </a:extLst>
+          </p:cNvPr>
+          <p:cNvSpPr>
+            <a:spLocks noGrp="1" noRot="1" noChangeAspect="1" noMove="1" noResize="1" noEditPoints="1" noAdjustHandles="1" noChangeArrowheads="1" noChangeShapeType="1" noTextEdit="1"/>
+          </p:cNvSpPr>
+          <p:nvPr>
+            <p:extLst>
+              <p:ext uri="{386F3935-93C4-4BCD-93E2-E3B085C9AB24}">
+                <p16:designElem xmlns:p16="http://schemas.microsoft.com/office/powerpoint/2015/main" val="1"/>
+              </p:ext>
+            </p:extLst>
+          </p:nvPr>
+        </p:nvSpPr>
+        <p:spPr>
+          <a:xfrm>
+            <a:off x="1" y="0"/>
+            <a:ext cx="4167271" cy="6858000"/>
+          </a:xfrm>
+          <a:custGeom>
+            <a:avLst/>
+            <a:gdLst>
+              <a:gd name="connsiteX0" fmla="*/ 0 w 4167271"/>
+              <a:gd name="connsiteY0" fmla="*/ 0 h 6858000"/>
+              <a:gd name="connsiteX1" fmla="*/ 2259550 w 4167271"/>
+              <a:gd name="connsiteY1" fmla="*/ 0 h 6858000"/>
+              <a:gd name="connsiteX2" fmla="*/ 2387803 w 4167271"/>
+              <a:gd name="connsiteY2" fmla="*/ 82222 h 6858000"/>
+              <a:gd name="connsiteX3" fmla="*/ 4167271 w 4167271"/>
+              <a:gd name="connsiteY3" fmla="*/ 3429000 h 6858000"/>
+              <a:gd name="connsiteX4" fmla="*/ 2387803 w 4167271"/>
+              <a:gd name="connsiteY4" fmla="*/ 6775779 h 6858000"/>
+              <a:gd name="connsiteX5" fmla="*/ 2259550 w 4167271"/>
+              <a:gd name="connsiteY5" fmla="*/ 6858000 h 6858000"/>
+              <a:gd name="connsiteX6" fmla="*/ 0 w 4167271"/>
+              <a:gd name="connsiteY6" fmla="*/ 6858000 h 6858000"/>
+            </a:gdLst>
+            <a:ahLst/>
+            <a:cxnLst>
+              <a:cxn ang="0">
+                <a:pos x="connsiteX0" y="connsiteY0"/>
+              </a:cxn>
+              <a:cxn ang="0">
+                <a:pos x="connsiteX1" y="connsiteY1"/>
+              </a:cxn>
+              <a:cxn ang="0">
+                <a:pos x="connsiteX2" y="connsiteY2"/>
+              </a:cxn>
+              <a:cxn ang="0">
+                <a:pos x="connsiteX3" y="connsiteY3"/>
+              </a:cxn>
+              <a:cxn ang="0">
+                <a:pos x="connsiteX4" y="connsiteY4"/>
+              </a:cxn>
+              <a:cxn ang="0">
+                <a:pos x="connsiteX5" y="connsiteY5"/>
+              </a:cxn>
+              <a:cxn ang="0">
+                <a:pos x="connsiteX6" y="connsiteY6"/>
+              </a:cxn>
+            </a:cxnLst>
+            <a:rect l="l" t="t" r="r" b="b"/>
+            <a:pathLst>
+              <a:path w="4167271" h="6858000">
+                <a:moveTo>
+                  <a:pt x="0" y="0"/>
+                </a:moveTo>
+                <a:lnTo>
+                  <a:pt x="2259550" y="0"/>
+                </a:lnTo>
+                <a:lnTo>
+                  <a:pt x="2387803" y="82222"/>
+                </a:lnTo>
+                <a:cubicBezTo>
+                  <a:pt x="3461407" y="807534"/>
+                  <a:pt x="4167271" y="2035835"/>
+                  <a:pt x="4167271" y="3429000"/>
+                </a:cubicBezTo>
+                <a:cubicBezTo>
+                  <a:pt x="4167271" y="4822165"/>
+                  <a:pt x="3461407" y="6050467"/>
+                  <a:pt x="2387803" y="6775779"/>
+                </a:cubicBezTo>
+                <a:lnTo>
+                  <a:pt x="2259550" y="6858000"/>
+                </a:lnTo>
+                <a:lnTo>
+                  <a:pt x="0" y="6858000"/>
+                </a:lnTo>
+                <a:close/>
+              </a:path>
+            </a:pathLst>
+          </a:custGeom>
+          <a:solidFill>
+            <a:schemeClr val="accent2"/>
+          </a:solidFill>
+          <a:ln>
+            <a:noFill/>
+          </a:ln>
+        </p:spPr>
+        <p:style>
+          <a:lnRef idx="2">
+            <a:schemeClr val="accent1">
+              <a:shade val="50000"/>
+            </a:schemeClr>
+          </a:lnRef>
+          <a:fillRef idx="1">
+            <a:schemeClr val="accent1"/>
+          </a:fillRef>
+          <a:effectRef idx="0">
+            <a:schemeClr val="accent1"/>
+          </a:effectRef>
+          <a:fontRef idx="minor">
+            <a:schemeClr val="lt1"/>
+          </a:fontRef>
+        </p:style>
+        <p:txBody>
+          <a:bodyPr rtlCol="0" anchor="ctr"/>
+          <a:lstStyle/>
+          <a:p>
+            <a:pPr algn="ctr"/>
+            <a:endParaRPr lang="en-US"/>
+          </a:p>
+        </p:txBody>
+      </p:sp>
+      <p:sp>
+        <p:nvSpPr>
+          <p:cNvPr id="2" name="Título 1">
+            <a:extLst>
+              <a:ext uri="{FF2B5EF4-FFF2-40B4-BE49-F238E27FC236}">
+                <a16:creationId xmlns:a16="http://schemas.microsoft.com/office/drawing/2014/main" id="{D3915112-71E5-F1AE-A864-786B5A6DE6ED}"/>
+              </a:ext>
+            </a:extLst>
+          </p:cNvPr>
+          <p:cNvSpPr>
+            <a:spLocks noGrp="1"/>
+          </p:cNvSpPr>
+          <p:nvPr>
+            <p:ph type="title"/>
+          </p:nvPr>
+        </p:nvSpPr>
+        <p:spPr>
+          <a:xfrm>
+            <a:off x="686834" y="1153572"/>
+            <a:ext cx="3200400" cy="4461163"/>
+          </a:xfrm>
+        </p:spPr>
+        <p:txBody>
+          <a:bodyPr>
+            <a:normAutofit/>
+          </a:bodyPr>
+          <a:lstStyle/>
+          <a:p>
+            <a:r>
+              <a:rPr lang="es-ES">
+                <a:solidFill>
+                  <a:srgbClr val="FFFFFF"/>
+                </a:solidFill>
+              </a:rPr>
+              <a:t>TypeScript, ¿Qué es y cómo nació?</a:t>
+            </a:r>
+            <a:endParaRPr lang="es-AR">
+              <a:solidFill>
+                <a:srgbClr val="FFFFFF"/>
+              </a:solidFill>
+            </a:endParaRPr>
+          </a:p>
+        </p:txBody>
+      </p:sp>
+      <p:sp>
+        <p:nvSpPr>
+          <p:cNvPr id="12" name="Arc 11">
+            <a:extLst>
+              <a:ext uri="{FF2B5EF4-FFF2-40B4-BE49-F238E27FC236}">
+                <a16:creationId xmlns:a16="http://schemas.microsoft.com/office/drawing/2014/main" id="{081E4A58-353D-44AE-B2FC-2A74E2E400F7}"/>
+              </a:ext>
+              <a:ext uri="{C183D7F6-B498-43B3-948B-1728B52AA6E4}">
+                <adec:decorative xmlns:adec="http://schemas.microsoft.com/office/drawing/2017/decorative" xmlns="" val="1"/>
+              </a:ext>
+            </a:extLst>
+          </p:cNvPr>
+          <p:cNvSpPr>
+            <a:spLocks noGrp="1" noRot="1" noChangeAspect="1" noMove="1" noResize="1" noEditPoints="1" noAdjustHandles="1" noChangeArrowheads="1" noChangeShapeType="1" noTextEdit="1"/>
+          </p:cNvSpPr>
+          <p:nvPr>
+            <p:extLst>
+              <p:ext uri="{386F3935-93C4-4BCD-93E2-E3B085C9AB24}">
+                <p16:designElem xmlns:p16="http://schemas.microsoft.com/office/powerpoint/2015/main" val="1"/>
+              </p:ext>
+            </p:extLst>
+          </p:nvPr>
+        </p:nvSpPr>
+        <p:spPr>
+          <a:xfrm flipV="1">
+            <a:off x="7550402" y="2455479"/>
+            <a:ext cx="4083433" cy="4083433"/>
+          </a:xfrm>
+          <a:prstGeom prst="arc">
+            <a:avLst/>
+          </a:prstGeom>
+          <a:ln w="127000" cap="rnd">
+            <a:solidFill>
+              <a:schemeClr val="accent4"/>
+            </a:solidFill>
+            <a:prstDash val="dash"/>
+          </a:ln>
+        </p:spPr>
+        <p:style>
+          <a:lnRef idx="1">
+            <a:schemeClr val="accent1"/>
+          </a:lnRef>
+          <a:fillRef idx="0">
+            <a:schemeClr val="accent1"/>
+          </a:fillRef>
+          <a:effectRef idx="0">
+            <a:schemeClr val="accent1"/>
+          </a:effectRef>
+          <a:fontRef idx="minor">
+            <a:schemeClr val="tx1"/>
+          </a:fontRef>
+        </p:style>
+        <p:txBody>
+          <a:bodyPr rtlCol="0" anchor="ctr"/>
+          <a:lstStyle/>
+          <a:p>
+            <a:pPr algn="ctr"/>
+            <a:endParaRPr lang="en-US" dirty="0"/>
+          </a:p>
+        </p:txBody>
+      </p:sp>
+      <p:sp>
+        <p:nvSpPr>
+          <p:cNvPr id="3" name="Marcador de contenido 2">
+            <a:extLst>
+              <a:ext uri="{FF2B5EF4-FFF2-40B4-BE49-F238E27FC236}">
+                <a16:creationId xmlns:a16="http://schemas.microsoft.com/office/drawing/2014/main" id="{FDFE96FB-D198-1780-C2B6-46B591E20C88}"/>
+              </a:ext>
+            </a:extLst>
+          </p:cNvPr>
+          <p:cNvSpPr>
+            <a:spLocks noGrp="1"/>
+          </p:cNvSpPr>
+          <p:nvPr>
+            <p:ph idx="1"/>
+          </p:nvPr>
+        </p:nvSpPr>
+        <p:spPr>
+          <a:xfrm>
+            <a:off x="4447308" y="591344"/>
+            <a:ext cx="6906491" cy="5585619"/>
+          </a:xfrm>
+        </p:spPr>
+        <p:txBody>
+          <a:bodyPr anchor="ctr">
+            <a:normAutofit/>
+          </a:bodyPr>
+          <a:lstStyle/>
+          <a:p>
+            <a:r>
+              <a:rPr lang="es-MX" sz="2200" dirty="0" err="1">
+                <a:effectLst/>
+                <a:latin typeface="Arial" panose="020B0604020202020204" pitchFamily="34" charset="0"/>
+                <a:ea typeface="Calibri" panose="020F0502020204030204" pitchFamily="34" charset="0"/>
+                <a:cs typeface="Times New Roman" panose="02020603050405020304" pitchFamily="18" charset="0"/>
+              </a:rPr>
+              <a:t>TypeScript</a:t>
+            </a:r>
+            <a:r>
+              <a:rPr lang="es-MX" sz="2200" dirty="0">
+                <a:effectLst/>
+                <a:latin typeface="Arial" panose="020B0604020202020204" pitchFamily="34" charset="0"/>
+                <a:ea typeface="Calibri" panose="020F0502020204030204" pitchFamily="34" charset="0"/>
+                <a:cs typeface="Times New Roman" panose="02020603050405020304" pitchFamily="18" charset="0"/>
+              </a:rPr>
+              <a:t> es un lenguaje de programación desarrollado por Microsoft, presentado por primera vez en 2012. </a:t>
+            </a:r>
+          </a:p>
+          <a:p>
+            <a:r>
+              <a:rPr lang="es-MX" sz="2200" dirty="0">
+                <a:effectLst/>
+                <a:latin typeface="Arial" panose="020B0604020202020204" pitchFamily="34" charset="0"/>
+                <a:ea typeface="Calibri" panose="020F0502020204030204" pitchFamily="34" charset="0"/>
+                <a:cs typeface="Times New Roman" panose="02020603050405020304" pitchFamily="18" charset="0"/>
+              </a:rPr>
+              <a:t>Creado por </a:t>
+            </a:r>
+            <a:r>
+              <a:rPr lang="es-MX" sz="2200" dirty="0" err="1">
+                <a:effectLst/>
+                <a:latin typeface="Arial" panose="020B0604020202020204" pitchFamily="34" charset="0"/>
+                <a:ea typeface="Calibri" panose="020F0502020204030204" pitchFamily="34" charset="0"/>
+                <a:cs typeface="Times New Roman" panose="02020603050405020304" pitchFamily="18" charset="0"/>
+              </a:rPr>
+              <a:t>Anders</a:t>
+            </a:r>
+            <a:r>
+              <a:rPr lang="es-MX" sz="2200" dirty="0">
+                <a:effectLst/>
+                <a:latin typeface="Arial" panose="020B0604020202020204" pitchFamily="34" charset="0"/>
+                <a:ea typeface="Calibri" panose="020F0502020204030204" pitchFamily="34" charset="0"/>
+                <a:cs typeface="Times New Roman" panose="02020603050405020304" pitchFamily="18" charset="0"/>
+              </a:rPr>
+              <a:t> </a:t>
+            </a:r>
+            <a:r>
+              <a:rPr lang="es-MX" sz="2200" dirty="0" err="1">
+                <a:effectLst/>
+                <a:latin typeface="Arial" panose="020B0604020202020204" pitchFamily="34" charset="0"/>
+                <a:ea typeface="Calibri" panose="020F0502020204030204" pitchFamily="34" charset="0"/>
+                <a:cs typeface="Times New Roman" panose="02020603050405020304" pitchFamily="18" charset="0"/>
+              </a:rPr>
+              <a:t>Hejlsberg</a:t>
+            </a:r>
+            <a:r>
+              <a:rPr lang="es-MX" sz="2200" dirty="0">
+                <a:effectLst/>
+                <a:latin typeface="Arial" panose="020B0604020202020204" pitchFamily="34" charset="0"/>
+                <a:ea typeface="Calibri" panose="020F0502020204030204" pitchFamily="34" charset="0"/>
+                <a:cs typeface="Times New Roman" panose="02020603050405020304" pitchFamily="18" charset="0"/>
+              </a:rPr>
+              <a:t>, conocido por su trabajo en Delphi y C#, </a:t>
+            </a:r>
+            <a:r>
+              <a:rPr lang="es-MX" sz="2200" dirty="0" err="1">
+                <a:effectLst/>
+                <a:latin typeface="Arial" panose="020B0604020202020204" pitchFamily="34" charset="0"/>
+                <a:ea typeface="Calibri" panose="020F0502020204030204" pitchFamily="34" charset="0"/>
+                <a:cs typeface="Times New Roman" panose="02020603050405020304" pitchFamily="18" charset="0"/>
+              </a:rPr>
+              <a:t>TypeScript</a:t>
+            </a:r>
+            <a:r>
+              <a:rPr lang="es-MX" sz="2200" dirty="0">
+                <a:effectLst/>
+                <a:latin typeface="Arial" panose="020B0604020202020204" pitchFamily="34" charset="0"/>
+                <a:ea typeface="Calibri" panose="020F0502020204030204" pitchFamily="34" charset="0"/>
+                <a:cs typeface="Times New Roman" panose="02020603050405020304" pitchFamily="18" charset="0"/>
+              </a:rPr>
+              <a:t> surgió como una extensión de JavaScript para abordar las complejidades y desafíos de desarrollo en proyectos más grandes. </a:t>
+            </a:r>
+          </a:p>
+          <a:p>
+            <a:r>
+              <a:rPr lang="es-MX" sz="2200" dirty="0">
+                <a:latin typeface="Arial" panose="020B0604020202020204" pitchFamily="34" charset="0"/>
+                <a:ea typeface="Calibri" panose="020F0502020204030204" pitchFamily="34" charset="0"/>
+                <a:cs typeface="Times New Roman" panose="02020603050405020304" pitchFamily="18" charset="0"/>
+              </a:rPr>
+              <a:t>Se destaca por su </a:t>
+            </a:r>
+            <a:r>
+              <a:rPr lang="es-MX" sz="2200" dirty="0">
+                <a:effectLst/>
+                <a:latin typeface="Arial" panose="020B0604020202020204" pitchFamily="34" charset="0"/>
+                <a:ea typeface="Calibri" panose="020F0502020204030204" pitchFamily="34" charset="0"/>
+                <a:cs typeface="Times New Roman" panose="02020603050405020304" pitchFamily="18" charset="0"/>
+              </a:rPr>
+              <a:t>tipado estático opcional y su sistema de tipos avanzado, mejorando la detección de errores y la mantenibilidad de las aplicaciones JavaScript. </a:t>
+            </a:r>
+          </a:p>
+          <a:p>
+            <a:r>
+              <a:rPr lang="es-MX" sz="2200" dirty="0">
+                <a:effectLst/>
+                <a:latin typeface="Arial" panose="020B0604020202020204" pitchFamily="34" charset="0"/>
+                <a:ea typeface="Calibri" panose="020F0502020204030204" pitchFamily="34" charset="0"/>
+                <a:cs typeface="Times New Roman" panose="02020603050405020304" pitchFamily="18" charset="0"/>
+              </a:rPr>
+              <a:t>Con el tiempo, </a:t>
+            </a:r>
+            <a:r>
+              <a:rPr lang="es-MX" sz="2200" dirty="0" err="1">
+                <a:effectLst/>
+                <a:latin typeface="Arial" panose="020B0604020202020204" pitchFamily="34" charset="0"/>
+                <a:ea typeface="Calibri" panose="020F0502020204030204" pitchFamily="34" charset="0"/>
+                <a:cs typeface="Times New Roman" panose="02020603050405020304" pitchFamily="18" charset="0"/>
+              </a:rPr>
+              <a:t>TypeScript</a:t>
+            </a:r>
+            <a:r>
+              <a:rPr lang="es-MX" sz="2200" dirty="0">
+                <a:effectLst/>
+                <a:latin typeface="Arial" panose="020B0604020202020204" pitchFamily="34" charset="0"/>
+                <a:ea typeface="Calibri" panose="020F0502020204030204" pitchFamily="34" charset="0"/>
+                <a:cs typeface="Times New Roman" panose="02020603050405020304" pitchFamily="18" charset="0"/>
+              </a:rPr>
+              <a:t> ha ganado popularidad en el desarrollo web y de aplicaciones debido a su interoperabilidad con JavaScript y su enfoque en mejorar la calidad del código.</a:t>
+            </a:r>
+            <a:endParaRPr lang="es-AR" sz="2200" dirty="0">
+              <a:effectLst/>
+              <a:latin typeface="Calibri" panose="020F0502020204030204" pitchFamily="34" charset="0"/>
+              <a:ea typeface="Calibri" panose="020F0502020204030204" pitchFamily="34" charset="0"/>
+              <a:cs typeface="Times New Roman" panose="02020603050405020304" pitchFamily="18" charset="0"/>
+            </a:endParaRPr>
+          </a:p>
+          <a:p>
+            <a:endParaRPr lang="es-AR" sz="2200" dirty="0"/>
+          </a:p>
+        </p:txBody>
+      </p:sp>
+    </p:spTree>
+    <p:extLst>
+      <p:ext uri="{BB962C8B-B14F-4D97-AF65-F5344CB8AC3E}">
+        <p14:creationId xmlns:p14="http://schemas.microsoft.com/office/powerpoint/2010/main" val="2469202545"/>
+      </p:ext>
+    </p:extLst>
+  </p:cSld>
+  <p:clrMapOvr>
+    <a:masterClrMapping/>
+  </p:clrMapOvr>
+</p:sld>
+</file>
+
+<file path=ppt/slides/slide4.xml><?xml version="1.0" encoding="utf-8"?>
+<p:sld xmlns:a="http://schemas.openxmlformats.org/drawingml/2006/main" xmlns:r="http://schemas.openxmlformats.org/officeDocument/2006/relationships" xmlns:p="http://schemas.openxmlformats.org/presentationml/2006/main">
+  <p:cSld>
+    <p:bg>
+      <p:bgPr>
+        <a:solidFill>
+          <a:schemeClr val="bg1"/>
+        </a:solidFill>
+        <a:effectLst/>
+      </p:bgPr>
+    </p:bg>
+    <p:spTree>
+      <p:nvGrpSpPr>
+        <p:cNvPr id="1" name=""/>
+        <p:cNvGrpSpPr/>
+        <p:nvPr/>
+      </p:nvGrpSpPr>
+      <p:grpSpPr>
+        <a:xfrm>
+          <a:off x="0" y="0"/>
+          <a:ext cx="0" cy="0"/>
+          <a:chOff x="0" y="0"/>
+          <a:chExt cx="0" cy="0"/>
+        </a:xfrm>
+      </p:grpSpPr>
+      <p:sp useBgFill="1">
+        <p:nvSpPr>
+          <p:cNvPr id="10" name="Rectangle 9">
+            <a:extLst>
+              <a:ext uri="{FF2B5EF4-FFF2-40B4-BE49-F238E27FC236}">
+                <a16:creationId xmlns:a16="http://schemas.microsoft.com/office/drawing/2014/main" id="{907EF6B7-1338-4443-8C46-6A318D952DFD}"/>
+              </a:ext>
+              <a:ext uri="{C183D7F6-B498-43B3-948B-1728B52AA6E4}">
+                <adec:decorative xmlns:adec="http://schemas.microsoft.com/office/drawing/2017/decorative" xmlns="" val="1"/>
+              </a:ext>
+            </a:extLst>
+          </p:cNvPr>
+          <p:cNvSpPr>
+            <a:spLocks noGrp="1" noRot="1" noChangeAspect="1" noMove="1" noResize="1" noEditPoints="1" noAdjustHandles="1" noChangeArrowheads="1" noChangeShapeType="1" noTextEdit="1"/>
+          </p:cNvSpPr>
+          <p:nvPr>
+            <p:extLst>
+              <p:ext uri="{386F3935-93C4-4BCD-93E2-E3B085C9AB24}">
+                <p16:designElem xmlns:p16="http://schemas.microsoft.com/office/powerpoint/2015/main" val="1"/>
+              </p:ext>
+            </p:extLst>
+          </p:nvPr>
+        </p:nvSpPr>
+        <p:spPr>
+          <a:xfrm>
+            <a:off x="3048" y="0"/>
+            <a:ext cx="12188952" cy="6858000"/>
+          </a:xfrm>
+          <a:prstGeom prst="rect">
+            <a:avLst/>
+          </a:prstGeom>
+          <a:ln>
+            <a:noFill/>
+          </a:ln>
+        </p:spPr>
+        <p:style>
+          <a:lnRef idx="2">
+            <a:schemeClr val="accent1">
+              <a:shade val="50000"/>
+            </a:schemeClr>
+          </a:lnRef>
+          <a:fillRef idx="1">
+            <a:schemeClr val="accent1"/>
+          </a:fillRef>
+          <a:effectRef idx="0">
+            <a:schemeClr val="accent1"/>
+          </a:effectRef>
+          <a:fontRef idx="minor">
+            <a:schemeClr val="lt1"/>
+          </a:fontRef>
+        </p:style>
+        <p:txBody>
+          <a:bodyPr rtlCol="0" anchor="ctr"/>
+          <a:lstStyle/>
+          <a:p>
+            <a:pPr algn="ctr"/>
+            <a:endParaRPr lang="en-US"/>
+          </a:p>
+        </p:txBody>
+      </p:sp>
+      <p:sp>
+        <p:nvSpPr>
+          <p:cNvPr id="12" name="Freeform: Shape 11">
+            <a:extLst>
+              <a:ext uri="{FF2B5EF4-FFF2-40B4-BE49-F238E27FC236}">
+                <a16:creationId xmlns:a16="http://schemas.microsoft.com/office/drawing/2014/main" id="{DAAE4CDD-124C-4DCF-9584-B6033B545DD5}"/>
+              </a:ext>
+              <a:ext uri="{C183D7F6-B498-43B3-948B-1728B52AA6E4}">
+                <adec:decorative xmlns:adec="http://schemas.microsoft.com/office/drawing/2017/decorative" xmlns="" val="1"/>
+              </a:ext>
+            </a:extLst>
+          </p:cNvPr>
+          <p:cNvSpPr>
+            <a:spLocks noGrp="1" noRot="1" noChangeAspect="1" noMove="1" noResize="1" noEditPoints="1" noAdjustHandles="1" noChangeArrowheads="1" noChangeShapeType="1" noTextEdit="1"/>
+          </p:cNvSpPr>
+          <p:nvPr>
+            <p:extLst>
+              <p:ext uri="{386F3935-93C4-4BCD-93E2-E3B085C9AB24}">
+                <p16:designElem xmlns:p16="http://schemas.microsoft.com/office/powerpoint/2015/main" val="1"/>
+              </p:ext>
+            </p:extLst>
+          </p:nvPr>
+        </p:nvSpPr>
+        <p:spPr>
+          <a:xfrm>
+            <a:off x="1" y="0"/>
+            <a:ext cx="4167271" cy="6858000"/>
+          </a:xfrm>
+          <a:custGeom>
+            <a:avLst/>
+            <a:gdLst>
+              <a:gd name="connsiteX0" fmla="*/ 0 w 4167271"/>
+              <a:gd name="connsiteY0" fmla="*/ 0 h 6858000"/>
+              <a:gd name="connsiteX1" fmla="*/ 2259550 w 4167271"/>
+              <a:gd name="connsiteY1" fmla="*/ 0 h 6858000"/>
+              <a:gd name="connsiteX2" fmla="*/ 2387803 w 4167271"/>
+              <a:gd name="connsiteY2" fmla="*/ 82222 h 6858000"/>
+              <a:gd name="connsiteX3" fmla="*/ 4167271 w 4167271"/>
+              <a:gd name="connsiteY3" fmla="*/ 3429000 h 6858000"/>
+              <a:gd name="connsiteX4" fmla="*/ 2387803 w 4167271"/>
+              <a:gd name="connsiteY4" fmla="*/ 6775779 h 6858000"/>
+              <a:gd name="connsiteX5" fmla="*/ 2259550 w 4167271"/>
+              <a:gd name="connsiteY5" fmla="*/ 6858000 h 6858000"/>
+              <a:gd name="connsiteX6" fmla="*/ 0 w 4167271"/>
+              <a:gd name="connsiteY6" fmla="*/ 6858000 h 6858000"/>
+            </a:gdLst>
+            <a:ahLst/>
+            <a:cxnLst>
+              <a:cxn ang="0">
+                <a:pos x="connsiteX0" y="connsiteY0"/>
+              </a:cxn>
+              <a:cxn ang="0">
+                <a:pos x="connsiteX1" y="connsiteY1"/>
+              </a:cxn>
+              <a:cxn ang="0">
+                <a:pos x="connsiteX2" y="connsiteY2"/>
+              </a:cxn>
+              <a:cxn ang="0">
+                <a:pos x="connsiteX3" y="connsiteY3"/>
+              </a:cxn>
+              <a:cxn ang="0">
+                <a:pos x="connsiteX4" y="connsiteY4"/>
+              </a:cxn>
+              <a:cxn ang="0">
+                <a:pos x="connsiteX5" y="connsiteY5"/>
+              </a:cxn>
+              <a:cxn ang="0">
+                <a:pos x="connsiteX6" y="connsiteY6"/>
+              </a:cxn>
+            </a:cxnLst>
+            <a:rect l="l" t="t" r="r" b="b"/>
+            <a:pathLst>
+              <a:path w="4167271" h="6858000">
+                <a:moveTo>
+                  <a:pt x="0" y="0"/>
+                </a:moveTo>
+                <a:lnTo>
+                  <a:pt x="2259550" y="0"/>
+                </a:lnTo>
+                <a:lnTo>
+                  <a:pt x="2387803" y="82222"/>
+                </a:lnTo>
+                <a:cubicBezTo>
+                  <a:pt x="3461407" y="807534"/>
+                  <a:pt x="4167271" y="2035835"/>
+                  <a:pt x="4167271" y="3429000"/>
+                </a:cubicBezTo>
+                <a:cubicBezTo>
+                  <a:pt x="4167271" y="4822165"/>
+                  <a:pt x="3461407" y="6050467"/>
+                  <a:pt x="2387803" y="6775779"/>
+                </a:cubicBezTo>
+                <a:lnTo>
+                  <a:pt x="2259550" y="6858000"/>
+                </a:lnTo>
+                <a:lnTo>
+                  <a:pt x="0" y="6858000"/>
+                </a:lnTo>
+                <a:close/>
+              </a:path>
+            </a:pathLst>
+          </a:custGeom>
+          <a:solidFill>
+            <a:schemeClr val="accent2"/>
+          </a:solidFill>
+          <a:ln>
+            <a:noFill/>
+          </a:ln>
+        </p:spPr>
+        <p:style>
+          <a:lnRef idx="2">
+            <a:schemeClr val="accent1">
+              <a:shade val="50000"/>
+            </a:schemeClr>
+          </a:lnRef>
+          <a:fillRef idx="1">
+            <a:schemeClr val="accent1"/>
+          </a:fillRef>
+          <a:effectRef idx="0">
+            <a:schemeClr val="accent1"/>
+          </a:effectRef>
+          <a:fontRef idx="minor">
+            <a:schemeClr val="lt1"/>
+          </a:fontRef>
+        </p:style>
+        <p:txBody>
+          <a:bodyPr rtlCol="0" anchor="ctr"/>
+          <a:lstStyle/>
+          <a:p>
+            <a:pPr algn="ctr"/>
+            <a:endParaRPr lang="en-US"/>
+          </a:p>
+        </p:txBody>
+      </p:sp>
+      <p:sp>
+        <p:nvSpPr>
+          <p:cNvPr id="2" name="Título 1">
+            <a:extLst>
+              <a:ext uri="{FF2B5EF4-FFF2-40B4-BE49-F238E27FC236}">
+                <a16:creationId xmlns:a16="http://schemas.microsoft.com/office/drawing/2014/main" id="{CCC4816D-884A-B9D5-0344-932BFCD8A9E7}"/>
+              </a:ext>
+            </a:extLst>
+          </p:cNvPr>
+          <p:cNvSpPr>
+            <a:spLocks noGrp="1"/>
+          </p:cNvSpPr>
+          <p:nvPr>
+            <p:ph type="title"/>
+          </p:nvPr>
+        </p:nvSpPr>
+        <p:spPr>
+          <a:xfrm>
+            <a:off x="686834" y="1153572"/>
+            <a:ext cx="3200400" cy="4461163"/>
+          </a:xfrm>
+        </p:spPr>
+        <p:txBody>
+          <a:bodyPr>
+            <a:normAutofit/>
+          </a:bodyPr>
+          <a:lstStyle/>
+          <a:p>
+            <a:r>
+              <a:rPr lang="es-ES">
+                <a:solidFill>
+                  <a:srgbClr val="FFFFFF"/>
+                </a:solidFill>
+              </a:rPr>
+              <a:t>Benchmark entre Ruby y TypeScript</a:t>
+            </a:r>
+            <a:endParaRPr lang="es-AR">
+              <a:solidFill>
+                <a:srgbClr val="FFFFFF"/>
+              </a:solidFill>
+            </a:endParaRPr>
+          </a:p>
+        </p:txBody>
+      </p:sp>
+      <p:sp>
+        <p:nvSpPr>
+          <p:cNvPr id="14" name="Arc 13">
+            <a:extLst>
+              <a:ext uri="{FF2B5EF4-FFF2-40B4-BE49-F238E27FC236}">
+                <a16:creationId xmlns:a16="http://schemas.microsoft.com/office/drawing/2014/main" id="{081E4A58-353D-44AE-B2FC-2A74E2E400F7}"/>
+              </a:ext>
+              <a:ext uri="{C183D7F6-B498-43B3-948B-1728B52AA6E4}">
+                <adec:decorative xmlns:adec="http://schemas.microsoft.com/office/drawing/2017/decorative" xmlns="" val="1"/>
+              </a:ext>
+            </a:extLst>
+          </p:cNvPr>
+          <p:cNvSpPr>
+            <a:spLocks noGrp="1" noRot="1" noChangeAspect="1" noMove="1" noResize="1" noEditPoints="1" noAdjustHandles="1" noChangeArrowheads="1" noChangeShapeType="1" noTextEdit="1"/>
+          </p:cNvSpPr>
+          <p:nvPr>
+            <p:extLst>
+              <p:ext uri="{386F3935-93C4-4BCD-93E2-E3B085C9AB24}">
+                <p16:designElem xmlns:p16="http://schemas.microsoft.com/office/powerpoint/2015/main" val="1"/>
+              </p:ext>
+            </p:extLst>
+          </p:nvPr>
+        </p:nvSpPr>
+        <p:spPr>
+          <a:xfrm flipV="1">
+            <a:off x="7550402" y="2455479"/>
+            <a:ext cx="4083433" cy="4083433"/>
+          </a:xfrm>
+          <a:prstGeom prst="arc">
+            <a:avLst/>
+          </a:prstGeom>
+          <a:ln w="127000" cap="rnd">
+            <a:solidFill>
+              <a:schemeClr val="accent4"/>
+            </a:solidFill>
+            <a:prstDash val="dash"/>
+          </a:ln>
+        </p:spPr>
+        <p:style>
+          <a:lnRef idx="1">
+            <a:schemeClr val="accent1"/>
+          </a:lnRef>
+          <a:fillRef idx="0">
+            <a:schemeClr val="accent1"/>
+          </a:fillRef>
+          <a:effectRef idx="0">
+            <a:schemeClr val="accent1"/>
+          </a:effectRef>
+          <a:fontRef idx="minor">
+            <a:schemeClr val="tx1"/>
+          </a:fontRef>
+        </p:style>
+        <p:txBody>
+          <a:bodyPr rtlCol="0" anchor="ctr"/>
+          <a:lstStyle/>
+          <a:p>
+            <a:pPr algn="ctr"/>
+            <a:endParaRPr lang="en-US" dirty="0"/>
+          </a:p>
+        </p:txBody>
+      </p:sp>
+      <p:sp>
+        <p:nvSpPr>
+          <p:cNvPr id="5" name="Marcador de contenido 4">
+            <a:extLst>
+              <a:ext uri="{FF2B5EF4-FFF2-40B4-BE49-F238E27FC236}">
+                <a16:creationId xmlns:a16="http://schemas.microsoft.com/office/drawing/2014/main" id="{8C5A35DF-58C4-6C92-7112-818C194DF5BF}"/>
+              </a:ext>
+            </a:extLst>
+          </p:cNvPr>
+          <p:cNvSpPr>
+            <a:spLocks noGrp="1"/>
+          </p:cNvSpPr>
+          <p:nvPr>
+            <p:ph idx="1"/>
+          </p:nvPr>
+        </p:nvSpPr>
+        <p:spPr>
+          <a:xfrm>
+            <a:off x="4447308" y="591344"/>
+            <a:ext cx="6906491" cy="5585619"/>
+          </a:xfrm>
+        </p:spPr>
+        <p:txBody>
+          <a:bodyPr anchor="ctr">
+            <a:normAutofit/>
+          </a:bodyPr>
+          <a:lstStyle/>
+          <a:p>
+            <a:r>
+              <a:rPr lang="es-MX" sz="2000" dirty="0">
+                <a:effectLst/>
+                <a:latin typeface="Arial" panose="020B0604020202020204" pitchFamily="34" charset="0"/>
+                <a:ea typeface="Calibri" panose="020F0502020204030204" pitchFamily="34" charset="0"/>
+                <a:cs typeface="Times New Roman" panose="02020603050405020304" pitchFamily="18" charset="0"/>
+              </a:rPr>
+              <a:t>El desafío principal al comparar su rendimiento en un algoritmo específico fueron las diferencias inherentes a la naturaleza de ambos lenguajes</a:t>
+            </a:r>
+          </a:p>
+          <a:p>
+            <a:r>
+              <a:rPr lang="es-MX" sz="2000" dirty="0">
+                <a:effectLst/>
+                <a:latin typeface="Arial" panose="020B0604020202020204" pitchFamily="34" charset="0"/>
+                <a:ea typeface="Calibri" panose="020F0502020204030204" pitchFamily="34" charset="0"/>
+                <a:cs typeface="Times New Roman" panose="02020603050405020304" pitchFamily="18" charset="0"/>
+              </a:rPr>
+              <a:t>El rendimiento en estas situaciones puede depender de varios factores, como la implementación de los algoritmos en cada lenguaje, la eficiencia en la manipulación de objetos y la gestión de memoria. </a:t>
+            </a:r>
+          </a:p>
+          <a:p>
+            <a:r>
+              <a:rPr lang="es-MX" sz="2000" dirty="0">
+                <a:effectLst/>
+                <a:latin typeface="Arial" panose="020B0604020202020204" pitchFamily="34" charset="0"/>
+                <a:ea typeface="Calibri" panose="020F0502020204030204" pitchFamily="34" charset="0"/>
+                <a:cs typeface="Times New Roman" panose="02020603050405020304" pitchFamily="18" charset="0"/>
+              </a:rPr>
+              <a:t>Ruby tiende a ser menos eficiente en rendimiento puro debido a su naturaleza interpretada y la abstracción sobre el código de máquina. </a:t>
+            </a:r>
+          </a:p>
+          <a:p>
+            <a:r>
+              <a:rPr lang="es-MX" sz="2000" dirty="0" err="1">
+                <a:effectLst/>
+                <a:latin typeface="Arial" panose="020B0604020202020204" pitchFamily="34" charset="0"/>
+                <a:ea typeface="Calibri" panose="020F0502020204030204" pitchFamily="34" charset="0"/>
+                <a:cs typeface="Times New Roman" panose="02020603050405020304" pitchFamily="18" charset="0"/>
+              </a:rPr>
+              <a:t>TypeScript</a:t>
+            </a:r>
+            <a:r>
+              <a:rPr lang="es-MX" sz="2000" dirty="0">
+                <a:effectLst/>
+                <a:latin typeface="Arial" panose="020B0604020202020204" pitchFamily="34" charset="0"/>
+                <a:ea typeface="Calibri" panose="020F0502020204030204" pitchFamily="34" charset="0"/>
+                <a:cs typeface="Times New Roman" panose="02020603050405020304" pitchFamily="18" charset="0"/>
+              </a:rPr>
+              <a:t>, al ser </a:t>
+            </a:r>
+            <a:r>
+              <a:rPr lang="es-MX" sz="2000" dirty="0" err="1">
+                <a:effectLst/>
+                <a:latin typeface="Arial" panose="020B0604020202020204" pitchFamily="34" charset="0"/>
+                <a:ea typeface="Calibri" panose="020F0502020204030204" pitchFamily="34" charset="0"/>
+                <a:cs typeface="Times New Roman" panose="02020603050405020304" pitchFamily="18" charset="0"/>
+              </a:rPr>
+              <a:t>transpilado</a:t>
+            </a:r>
+            <a:r>
+              <a:rPr lang="es-MX" sz="2000" dirty="0">
+                <a:effectLst/>
+                <a:latin typeface="Arial" panose="020B0604020202020204" pitchFamily="34" charset="0"/>
+                <a:ea typeface="Calibri" panose="020F0502020204030204" pitchFamily="34" charset="0"/>
+                <a:cs typeface="Times New Roman" panose="02020603050405020304" pitchFamily="18" charset="0"/>
+              </a:rPr>
+              <a:t> a JavaScript, a menudo se beneficia de la optimización de los motores de JavaScript y puede ofrecer mejor rendimiento en ciertos casos. </a:t>
+            </a:r>
+            <a:endParaRPr lang="es-AR" sz="2000" dirty="0"/>
+          </a:p>
+        </p:txBody>
+      </p:sp>
+    </p:spTree>
+    <p:extLst>
+      <p:ext uri="{BB962C8B-B14F-4D97-AF65-F5344CB8AC3E}">
+        <p14:creationId xmlns:p14="http://schemas.microsoft.com/office/powerpoint/2010/main" val="257301778"/>
+      </p:ext>
+    </p:extLst>
+  </p:cSld>
+  <p:clrMapOvr>
+    <a:masterClrMapping/>
+  </p:clrMapOvr>
+</p:sld>
+</file>
+
+<file path=ppt/slides/slide5.xml><?xml version="1.0" encoding="utf-8"?>
+<p:sld xmlns:a="http://schemas.openxmlformats.org/drawingml/2006/main" xmlns:r="http://schemas.openxmlformats.org/officeDocument/2006/relationships" xmlns:p="http://schemas.openxmlformats.org/presentationml/2006/main">
+  <p:cSld>
+    <p:bg>
+      <p:bgPr>
+        <a:solidFill>
+          <a:schemeClr val="bg1"/>
+        </a:solidFill>
+        <a:effectLst/>
+      </p:bgPr>
+    </p:bg>
+    <p:spTree>
+      <p:nvGrpSpPr>
+        <p:cNvPr id="1" name=""/>
+        <p:cNvGrpSpPr/>
+        <p:nvPr/>
+      </p:nvGrpSpPr>
+      <p:grpSpPr>
+        <a:xfrm>
+          <a:off x="0" y="0"/>
+          <a:ext cx="0" cy="0"/>
+          <a:chOff x="0" y="0"/>
+          <a:chExt cx="0" cy="0"/>
+        </a:xfrm>
+      </p:grpSpPr>
+      <p:sp>
+        <p:nvSpPr>
+          <p:cNvPr id="9" name="Rectangle 8">
+            <a:extLst>
+              <a:ext uri="{FF2B5EF4-FFF2-40B4-BE49-F238E27FC236}">
+                <a16:creationId xmlns:a16="http://schemas.microsoft.com/office/drawing/2014/main" id="{4C608BEB-860E-4094-8511-78603564A75E}"/>
+              </a:ext>
+              <a:ext uri="{C183D7F6-B498-43B3-948B-1728B52AA6E4}">
+                <adec:decorative xmlns:adec="http://schemas.microsoft.com/office/drawing/2017/decorative" xmlns="" val="1"/>
+              </a:ext>
+            </a:extLst>
+          </p:cNvPr>
+          <p:cNvSpPr>
+            <a:spLocks noGrp="1" noRot="1" noChangeAspect="1" noMove="1" noResize="1" noEditPoints="1" noAdjustHandles="1" noChangeArrowheads="1" noChangeShapeType="1" noTextEdit="1"/>
+          </p:cNvSpPr>
+          <p:nvPr>
+            <p:extLst>
+              <p:ext uri="{386F3935-93C4-4BCD-93E2-E3B085C9AB24}">
+                <p16:designElem xmlns:p16="http://schemas.microsoft.com/office/powerpoint/2015/main" val="1"/>
+              </p:ext>
+            </p:extLst>
+          </p:nvPr>
+        </p:nvSpPr>
+        <p:spPr>
+          <a:xfrm>
+            <a:off x="0" y="0"/>
+            <a:ext cx="4059050" cy="6858000"/>
+          </a:xfrm>
+          <a:prstGeom prst="rect">
+            <a:avLst/>
+          </a:prstGeom>
+          <a:solidFill>
+            <a:srgbClr val="404040"/>
+          </a:solidFill>
+          <a:ln>
+            <a:noFill/>
+          </a:ln>
+        </p:spPr>
+        <p:style>
+          <a:lnRef idx="2">
+            <a:schemeClr val="accent1">
+              <a:shade val="50000"/>
+            </a:schemeClr>
+          </a:lnRef>
+          <a:fillRef idx="1">
+            <a:schemeClr val="accent1"/>
+          </a:fillRef>
+          <a:effectRef idx="0">
+            <a:schemeClr val="accent1"/>
+          </a:effectRef>
+          <a:fontRef idx="minor">
+            <a:schemeClr val="lt1"/>
+          </a:fontRef>
+        </p:style>
+        <p:txBody>
+          <a:bodyPr rtlCol="0" anchor="ctr"/>
+          <a:lstStyle/>
+          <a:p>
+            <a:pPr marL="0" marR="0" lvl="0" indent="0" algn="ctr" defTabSz="914400" rtl="0" eaLnBrk="1" fontAlgn="auto" latinLnBrk="0" hangingPunct="1">
+              <a:lnSpc>
+                <a:spcPct val="100000"/>
+              </a:lnSpc>
+              <a:spcBef>
+                <a:spcPts val="0"/>
+              </a:spcBef>
+              <a:spcAft>
+                <a:spcPts val="0"/>
+              </a:spcAft>
+              <a:buClrTx/>
+              <a:buSzTx/>
+              <a:buFontTx/>
+              <a:buNone/>
+              <a:tabLst/>
+              <a:defRPr/>
+            </a:pPr>
+            <a:endParaRPr kumimoji="0" lang="en-US" sz="1800" b="0" i="0" u="none" strike="noStrike" kern="1200" cap="none" spc="0" normalizeH="0" baseline="0" noProof="0">
+              <a:ln>
+                <a:noFill/>
+              </a:ln>
+              <a:solidFill>
+                <a:prstClr val="white"/>
+              </a:solidFill>
+              <a:effectLst/>
+              <a:uLnTx/>
+              <a:uFillTx/>
+              <a:latin typeface="Calibri" panose="020F0502020204030204"/>
+              <a:ea typeface="+mn-ea"/>
+              <a:cs typeface="+mn-cs"/>
+            </a:endParaRPr>
+          </a:p>
+        </p:txBody>
+      </p:sp>
+      <p:sp>
+        <p:nvSpPr>
+          <p:cNvPr id="2" name="Título 1">
+            <a:extLst>
+              <a:ext uri="{FF2B5EF4-FFF2-40B4-BE49-F238E27FC236}">
+                <a16:creationId xmlns:a16="http://schemas.microsoft.com/office/drawing/2014/main" id="{E4409CF0-DEB5-15F6-30C1-AEF8478F4A5F}"/>
+              </a:ext>
+            </a:extLst>
+          </p:cNvPr>
+          <p:cNvSpPr>
+            <a:spLocks noGrp="1"/>
+          </p:cNvSpPr>
+          <p:nvPr>
+            <p:ph type="title"/>
+          </p:nvPr>
+        </p:nvSpPr>
+        <p:spPr>
+          <a:xfrm>
+            <a:off x="166256" y="1412488"/>
+            <a:ext cx="3571134" cy="4363844"/>
+          </a:xfrm>
+        </p:spPr>
+        <p:txBody>
+          <a:bodyPr anchor="t">
+            <a:normAutofit/>
+          </a:bodyPr>
+          <a:lstStyle/>
+          <a:p>
+            <a:r>
+              <a:rPr lang="es-ES" sz="4000" dirty="0" smtClean="0">
+                <a:solidFill>
+                  <a:srgbClr val="FFFFFF"/>
+                </a:solidFill>
+              </a:rPr>
+              <a:t>Ordenamiento burbuja</a:t>
+            </a:r>
+            <a:r>
+              <a:rPr lang="es-ES" sz="4000" dirty="0" smtClean="0">
+                <a:solidFill>
+                  <a:srgbClr val="FFFFFF"/>
+                </a:solidFill>
+              </a:rPr>
+              <a:t>:</a:t>
+            </a:r>
+            <a:endParaRPr lang="es-AR" sz="4000" dirty="0">
+              <a:solidFill>
+                <a:srgbClr val="FFFFFF"/>
+              </a:solidFill>
+            </a:endParaRPr>
+          </a:p>
+        </p:txBody>
+      </p:sp>
+      <p:sp>
+        <p:nvSpPr>
+          <p:cNvPr id="3" name="Marcador de contenido 2">
+            <a:extLst>
+              <a:ext uri="{FF2B5EF4-FFF2-40B4-BE49-F238E27FC236}">
+                <a16:creationId xmlns:a16="http://schemas.microsoft.com/office/drawing/2014/main" id="{53098B7B-E65E-B6E9-9DBD-1DDC14B15EDC}"/>
+              </a:ext>
+            </a:extLst>
+          </p:cNvPr>
+          <p:cNvSpPr>
+            <a:spLocks noGrp="1"/>
+          </p:cNvSpPr>
+          <p:nvPr>
+            <p:ph sz="half" idx="1"/>
+          </p:nvPr>
+        </p:nvSpPr>
+        <p:spPr>
+          <a:xfrm>
+            <a:off x="4059050" y="294888"/>
+            <a:ext cx="3524004" cy="4923656"/>
+          </a:xfrm>
+        </p:spPr>
+        <p:txBody>
+          <a:bodyPr>
+            <a:normAutofit fontScale="25000" lnSpcReduction="20000"/>
+          </a:bodyPr>
+          <a:lstStyle/>
+          <a:p>
+            <a:r>
+              <a:rPr lang="es-ES" sz="7200" dirty="0" smtClean="0"/>
+              <a:t>Ruby</a:t>
+            </a:r>
+            <a:endParaRPr lang="es-AR" dirty="0" smtClean="0"/>
+          </a:p>
+          <a:p>
+            <a:r>
+              <a:rPr lang="es-AR" sz="3200" dirty="0" err="1"/>
+              <a:t>require</a:t>
+            </a:r>
+            <a:r>
+              <a:rPr lang="es-AR" sz="3200" dirty="0"/>
+              <a:t> '</a:t>
+            </a:r>
+            <a:r>
+              <a:rPr lang="es-AR" sz="3200" dirty="0" err="1"/>
+              <a:t>benchmark</a:t>
+            </a:r>
+            <a:r>
+              <a:rPr lang="es-AR" sz="3200" dirty="0"/>
+              <a:t>'</a:t>
+            </a:r>
+          </a:p>
+          <a:p>
+            <a:r>
+              <a:rPr lang="es-AR" sz="3200" dirty="0" err="1"/>
+              <a:t>include</a:t>
+            </a:r>
+            <a:r>
+              <a:rPr lang="es-AR" sz="3200" dirty="0"/>
+              <a:t> </a:t>
+            </a:r>
+            <a:r>
+              <a:rPr lang="es-AR" sz="3200" dirty="0" err="1"/>
+              <a:t>Benchmark</a:t>
+            </a:r>
+            <a:endParaRPr lang="es-AR" sz="3200" dirty="0"/>
+          </a:p>
+          <a:p>
+            <a:endParaRPr lang="es-AR" sz="3200" dirty="0"/>
+          </a:p>
+          <a:p>
+            <a:r>
+              <a:rPr lang="es-AR" sz="3200" dirty="0" err="1"/>
+              <a:t>def</a:t>
+            </a:r>
+            <a:r>
+              <a:rPr lang="es-AR" sz="3200" dirty="0"/>
+              <a:t> </a:t>
+            </a:r>
+            <a:r>
+              <a:rPr lang="es-AR" sz="3200" dirty="0" err="1"/>
+              <a:t>ordenamiento_burbuja</a:t>
+            </a:r>
+            <a:r>
+              <a:rPr lang="es-AR" sz="3200" dirty="0"/>
+              <a:t>(</a:t>
+            </a:r>
+            <a:r>
+              <a:rPr lang="es-AR" sz="3200" dirty="0" err="1"/>
+              <a:t>array</a:t>
+            </a:r>
+            <a:r>
+              <a:rPr lang="es-AR" sz="3200" dirty="0"/>
+              <a:t>)</a:t>
+            </a:r>
+          </a:p>
+          <a:p>
+            <a:r>
+              <a:rPr lang="es-AR" sz="3200" dirty="0"/>
+              <a:t>    </a:t>
+            </a:r>
+            <a:r>
+              <a:rPr lang="es-AR" sz="3200" dirty="0" err="1"/>
+              <a:t>array_length</a:t>
+            </a:r>
+            <a:r>
+              <a:rPr lang="es-AR" sz="3200" dirty="0"/>
+              <a:t> = </a:t>
+            </a:r>
+            <a:r>
+              <a:rPr lang="es-AR" sz="3200" dirty="0" err="1"/>
+              <a:t>array.size</a:t>
+            </a:r>
+            <a:endParaRPr lang="es-AR" sz="3200" dirty="0"/>
+          </a:p>
+          <a:p>
+            <a:r>
+              <a:rPr lang="es-AR" sz="3200" dirty="0"/>
+              <a:t>    </a:t>
+            </a:r>
+            <a:r>
+              <a:rPr lang="es-AR" sz="3200" dirty="0" err="1"/>
+              <a:t>return</a:t>
+            </a:r>
+            <a:r>
+              <a:rPr lang="es-AR" sz="3200" dirty="0"/>
+              <a:t> </a:t>
+            </a:r>
+            <a:r>
+              <a:rPr lang="es-AR" sz="3200" dirty="0" err="1"/>
+              <a:t>array</a:t>
+            </a:r>
+            <a:r>
+              <a:rPr lang="es-AR" sz="3200" dirty="0"/>
+              <a:t> </a:t>
+            </a:r>
+            <a:r>
+              <a:rPr lang="es-AR" sz="3200" dirty="0" err="1"/>
+              <a:t>if</a:t>
+            </a:r>
+            <a:r>
+              <a:rPr lang="es-AR" sz="3200" dirty="0"/>
+              <a:t> </a:t>
+            </a:r>
+            <a:r>
+              <a:rPr lang="es-AR" sz="3200" dirty="0" err="1"/>
+              <a:t>array_length</a:t>
+            </a:r>
+            <a:r>
+              <a:rPr lang="es-AR" sz="3200" dirty="0"/>
+              <a:t> &lt;= 1</a:t>
+            </a:r>
+          </a:p>
+          <a:p>
+            <a:r>
+              <a:rPr lang="es-AR" sz="3200" dirty="0"/>
+              <a:t>  </a:t>
+            </a:r>
+          </a:p>
+          <a:p>
+            <a:r>
+              <a:rPr lang="es-AR" sz="3200" dirty="0"/>
+              <a:t>    </a:t>
+            </a:r>
+            <a:r>
+              <a:rPr lang="es-AR" sz="3200" dirty="0" err="1"/>
+              <a:t>loop</a:t>
+            </a:r>
+            <a:r>
+              <a:rPr lang="es-AR" sz="3200" dirty="0"/>
+              <a:t> do</a:t>
+            </a:r>
+          </a:p>
+          <a:p>
+            <a:r>
+              <a:rPr lang="es-AR" sz="3200" dirty="0"/>
+              <a:t>      intercambio = false</a:t>
+            </a:r>
+          </a:p>
+          <a:p>
+            <a:r>
+              <a:rPr lang="es-AR" sz="3200" dirty="0"/>
+              <a:t>  </a:t>
+            </a:r>
+          </a:p>
+          <a:p>
+            <a:r>
+              <a:rPr lang="es-AR" sz="3200" dirty="0"/>
+              <a:t>      # </a:t>
+            </a:r>
+            <a:r>
+              <a:rPr lang="es-AR" sz="3200" dirty="0" err="1"/>
+              <a:t>subtract</a:t>
+            </a:r>
+            <a:r>
+              <a:rPr lang="es-AR" sz="3200" dirty="0"/>
+              <a:t> </a:t>
+            </a:r>
+            <a:r>
+              <a:rPr lang="es-AR" sz="3200" dirty="0" err="1"/>
+              <a:t>one</a:t>
+            </a:r>
+            <a:r>
+              <a:rPr lang="es-AR" sz="3200" dirty="0"/>
+              <a:t> </a:t>
+            </a:r>
+            <a:r>
+              <a:rPr lang="es-AR" sz="3200" dirty="0" err="1"/>
+              <a:t>because</a:t>
+            </a:r>
+            <a:r>
+              <a:rPr lang="es-AR" sz="3200" dirty="0"/>
+              <a:t> Ruby </a:t>
+            </a:r>
+            <a:r>
+              <a:rPr lang="es-AR" sz="3200" dirty="0" err="1"/>
+              <a:t>arrays</a:t>
+            </a:r>
+            <a:r>
+              <a:rPr lang="es-AR" sz="3200" dirty="0"/>
+              <a:t> are </a:t>
+            </a:r>
+            <a:r>
+              <a:rPr lang="es-AR" sz="3200" dirty="0" err="1"/>
+              <a:t>zero-index</a:t>
+            </a:r>
+            <a:r>
+              <a:rPr lang="es-AR" sz="3200" dirty="0"/>
+              <a:t> </a:t>
+            </a:r>
+            <a:r>
+              <a:rPr lang="es-AR" sz="3200" dirty="0" err="1"/>
+              <a:t>based</a:t>
+            </a:r>
+            <a:endParaRPr lang="es-AR" sz="3200" dirty="0"/>
+          </a:p>
+          <a:p>
+            <a:r>
+              <a:rPr lang="es-AR" sz="3200" dirty="0"/>
+              <a:t>      (array_length-1).times do |i|</a:t>
+            </a:r>
+          </a:p>
+          <a:p>
+            <a:r>
+              <a:rPr lang="es-AR" sz="3200" dirty="0"/>
+              <a:t>        </a:t>
+            </a:r>
+            <a:r>
+              <a:rPr lang="es-AR" sz="3200" dirty="0" err="1"/>
+              <a:t>if</a:t>
+            </a:r>
+            <a:r>
+              <a:rPr lang="es-AR" sz="3200" dirty="0"/>
+              <a:t> </a:t>
+            </a:r>
+            <a:r>
+              <a:rPr lang="es-AR" sz="3200" dirty="0" err="1"/>
+              <a:t>array</a:t>
+            </a:r>
+            <a:r>
+              <a:rPr lang="es-AR" sz="3200" dirty="0"/>
+              <a:t>[i] &gt; </a:t>
+            </a:r>
+            <a:r>
+              <a:rPr lang="es-AR" sz="3200" dirty="0" err="1"/>
+              <a:t>array</a:t>
+            </a:r>
+            <a:r>
+              <a:rPr lang="es-AR" sz="3200" dirty="0"/>
+              <a:t>[i+1]</a:t>
+            </a:r>
+          </a:p>
+          <a:p>
+            <a:r>
+              <a:rPr lang="es-AR" sz="3200" dirty="0"/>
+              <a:t>          </a:t>
+            </a:r>
+            <a:r>
+              <a:rPr lang="es-AR" sz="3200" dirty="0" err="1"/>
+              <a:t>array</a:t>
+            </a:r>
+            <a:r>
+              <a:rPr lang="es-AR" sz="3200" dirty="0"/>
+              <a:t>[i], </a:t>
+            </a:r>
+            <a:r>
+              <a:rPr lang="es-AR" sz="3200" dirty="0" err="1"/>
+              <a:t>array</a:t>
+            </a:r>
+            <a:r>
+              <a:rPr lang="es-AR" sz="3200" dirty="0"/>
+              <a:t>[i+1] = </a:t>
+            </a:r>
+            <a:r>
+              <a:rPr lang="es-AR" sz="3200" dirty="0" err="1"/>
+              <a:t>array</a:t>
+            </a:r>
+            <a:r>
+              <a:rPr lang="es-AR" sz="3200" dirty="0"/>
+              <a:t>[i+1], </a:t>
+            </a:r>
+            <a:r>
+              <a:rPr lang="es-AR" sz="3200" dirty="0" err="1"/>
+              <a:t>array</a:t>
+            </a:r>
+            <a:r>
+              <a:rPr lang="es-AR" sz="3200" dirty="0"/>
+              <a:t>[i]</a:t>
+            </a:r>
+          </a:p>
+          <a:p>
+            <a:r>
+              <a:rPr lang="es-AR" sz="3200" dirty="0"/>
+              <a:t>          intercambio = true</a:t>
+            </a:r>
+          </a:p>
+          <a:p>
+            <a:r>
+              <a:rPr lang="es-AR" sz="3200" dirty="0"/>
+              <a:t>        </a:t>
+            </a:r>
+            <a:r>
+              <a:rPr lang="es-AR" sz="3200" dirty="0" err="1"/>
+              <a:t>end</a:t>
+            </a:r>
+            <a:endParaRPr lang="es-AR" sz="3200" dirty="0"/>
+          </a:p>
+          <a:p>
+            <a:r>
+              <a:rPr lang="es-AR" sz="3200" dirty="0"/>
+              <a:t>      </a:t>
+            </a:r>
+            <a:r>
+              <a:rPr lang="es-AR" sz="3200" dirty="0" err="1"/>
+              <a:t>end</a:t>
+            </a:r>
+            <a:endParaRPr lang="es-AR" sz="3200" dirty="0"/>
+          </a:p>
+          <a:p>
+            <a:r>
+              <a:rPr lang="es-AR" sz="3200" dirty="0"/>
+              <a:t>  </a:t>
+            </a:r>
+          </a:p>
+          <a:p>
+            <a:r>
+              <a:rPr lang="es-AR" sz="3200" dirty="0"/>
+              <a:t>      break </a:t>
+            </a:r>
+            <a:r>
+              <a:rPr lang="es-AR" sz="3200" dirty="0" err="1"/>
+              <a:t>if</a:t>
+            </a:r>
+            <a:r>
+              <a:rPr lang="es-AR" sz="3200" dirty="0"/>
+              <a:t> </a:t>
+            </a:r>
+            <a:r>
+              <a:rPr lang="es-AR" sz="3200" dirty="0" err="1"/>
+              <a:t>not</a:t>
+            </a:r>
+            <a:r>
+              <a:rPr lang="es-AR" sz="3200" dirty="0"/>
+              <a:t> intercambio</a:t>
+            </a:r>
+          </a:p>
+          <a:p>
+            <a:r>
+              <a:rPr lang="es-AR" sz="3200" dirty="0"/>
+              <a:t>    </a:t>
+            </a:r>
+            <a:r>
+              <a:rPr lang="es-AR" sz="3200" dirty="0" err="1"/>
+              <a:t>end</a:t>
+            </a:r>
+            <a:endParaRPr lang="es-AR" sz="3200" dirty="0"/>
+          </a:p>
+          <a:p>
+            <a:r>
+              <a:rPr lang="es-AR" sz="3200" dirty="0"/>
+              <a:t>  </a:t>
+            </a:r>
+          </a:p>
+          <a:p>
+            <a:r>
+              <a:rPr lang="es-AR" sz="3200" dirty="0"/>
+              <a:t>    </a:t>
+            </a:r>
+            <a:r>
+              <a:rPr lang="es-AR" sz="3200" dirty="0" err="1"/>
+              <a:t>array</a:t>
+            </a:r>
+            <a:endParaRPr lang="es-AR" sz="3200" dirty="0"/>
+          </a:p>
+          <a:p>
+            <a:r>
+              <a:rPr lang="es-AR" sz="3200" dirty="0"/>
+              <a:t>  </a:t>
+            </a:r>
+            <a:r>
+              <a:rPr lang="es-AR" sz="3200" dirty="0" err="1"/>
+              <a:t>end</a:t>
+            </a:r>
+            <a:endParaRPr lang="es-AR" sz="3200" dirty="0"/>
+          </a:p>
+          <a:p>
+            <a:r>
+              <a:rPr lang="es-AR" sz="3200" dirty="0"/>
+              <a:t>  </a:t>
+            </a:r>
+          </a:p>
+          <a:p>
+            <a:r>
+              <a:rPr lang="es-AR" sz="3200" dirty="0" err="1"/>
+              <a:t>unsorted_array</a:t>
+            </a:r>
+            <a:r>
+              <a:rPr lang="es-AR" sz="3200" dirty="0"/>
+              <a:t> = [11,5,7,6,15]</a:t>
+            </a:r>
+          </a:p>
+          <a:p>
+            <a:endParaRPr lang="es-AR" sz="3200" dirty="0"/>
+          </a:p>
+          <a:p>
+            <a:r>
+              <a:rPr lang="es-AR" sz="3200" dirty="0" err="1"/>
+              <a:t>Benchmark.benchmark</a:t>
+            </a:r>
+            <a:r>
+              <a:rPr lang="es-AR" sz="3200" dirty="0"/>
+              <a:t>(CAPTION, 7, FORMAT, "&gt;total:", "&gt;</a:t>
+            </a:r>
+            <a:r>
+              <a:rPr lang="es-AR" sz="3200" dirty="0" err="1"/>
+              <a:t>avg</a:t>
+            </a:r>
+            <a:r>
+              <a:rPr lang="es-AR" sz="3200" dirty="0"/>
+              <a:t>:") do |x|  </a:t>
+            </a:r>
+          </a:p>
+          <a:p>
+            <a:r>
+              <a:rPr lang="es-AR" sz="3200" dirty="0"/>
+              <a:t>  </a:t>
+            </a:r>
+            <a:r>
+              <a:rPr lang="es-AR" sz="3200" dirty="0" err="1"/>
+              <a:t>x.report</a:t>
+            </a:r>
+            <a:r>
+              <a:rPr lang="es-AR" sz="3200" dirty="0"/>
+              <a:t>("times:") { </a:t>
+            </a:r>
+            <a:r>
+              <a:rPr lang="es-AR" sz="3200" dirty="0" err="1"/>
+              <a:t>ordenamiento_burbuja</a:t>
+            </a:r>
+            <a:r>
+              <a:rPr lang="es-AR" sz="3200" dirty="0"/>
+              <a:t>(</a:t>
+            </a:r>
+            <a:r>
+              <a:rPr lang="es-AR" sz="3200" dirty="0" err="1"/>
+              <a:t>unsorted_array</a:t>
+            </a:r>
+            <a:r>
+              <a:rPr lang="es-AR" sz="3200" dirty="0"/>
+              <a:t>) }</a:t>
+            </a:r>
+          </a:p>
+          <a:p>
+            <a:r>
+              <a:rPr lang="es-AR" sz="3200" dirty="0" err="1"/>
+              <a:t>end</a:t>
+            </a:r>
+            <a:endParaRPr lang="es-AR" sz="2000" dirty="0"/>
+          </a:p>
+        </p:txBody>
+      </p:sp>
+      <p:cxnSp>
+        <p:nvCxnSpPr>
+          <p:cNvPr id="11" name="Straight Connector 10">
+            <a:extLst>
+              <a:ext uri="{FF2B5EF4-FFF2-40B4-BE49-F238E27FC236}">
+                <a16:creationId xmlns:a16="http://schemas.microsoft.com/office/drawing/2014/main" id="{1F16A8D4-FE87-4604-88B2-394B5D1EB437}"/>
+              </a:ext>
+              <a:ext uri="{C183D7F6-B498-43B3-948B-1728B52AA6E4}">
+                <adec:decorative xmlns:adec="http://schemas.microsoft.com/office/drawing/2017/decorative" xmlns="" val="1"/>
+              </a:ext>
+            </a:extLst>
+          </p:cNvPr>
+          <p:cNvCxnSpPr>
+            <a:cxnSpLocks noGrp="1" noRot="1" noChangeAspect="1" noMove="1" noResize="1" noEditPoints="1" noAdjustHandles="1" noChangeArrowheads="1" noChangeShapeType="1"/>
+          </p:cNvCxnSpPr>
+          <p:nvPr>
+            <p:extLst>
+              <p:ext uri="{386F3935-93C4-4BCD-93E2-E3B085C9AB24}">
+                <p16:designElem xmlns:p16="http://schemas.microsoft.com/office/powerpoint/2015/main" val="1"/>
+              </p:ext>
+            </p:extLst>
+          </p:nvPr>
+        </p:nvCxnSpPr>
+        <p:spPr>
+          <a:xfrm>
+            <a:off x="8129871" y="1412488"/>
+            <a:ext cx="0" cy="3657600"/>
+          </a:xfrm>
+          <a:prstGeom prst="line">
+            <a:avLst/>
+          </a:prstGeom>
+          <a:ln w="12700">
+            <a:solidFill>
+              <a:schemeClr val="tx1">
+                <a:lumMod val="50000"/>
+                <a:lumOff val="50000"/>
+              </a:schemeClr>
+            </a:solidFill>
+          </a:ln>
+        </p:spPr>
+        <p:style>
+          <a:lnRef idx="1">
+            <a:schemeClr val="accent1"/>
+          </a:lnRef>
+          <a:fillRef idx="0">
+            <a:schemeClr val="accent1"/>
+          </a:fillRef>
+          <a:effectRef idx="0">
+            <a:schemeClr val="accent1"/>
+          </a:effectRef>
+          <a:fontRef idx="minor">
+            <a:schemeClr val="tx1"/>
+          </a:fontRef>
+        </p:style>
+      </p:cxnSp>
+      <p:sp>
+        <p:nvSpPr>
+          <p:cNvPr id="4" name="Marcador de contenido 3">
+            <a:extLst>
+              <a:ext uri="{FF2B5EF4-FFF2-40B4-BE49-F238E27FC236}">
+                <a16:creationId xmlns:a16="http://schemas.microsoft.com/office/drawing/2014/main" id="{E41F77F4-7948-F2FE-C7B5-B0F53BB0A136}"/>
+              </a:ext>
+            </a:extLst>
+          </p:cNvPr>
+          <p:cNvSpPr>
+            <a:spLocks noGrp="1"/>
+          </p:cNvSpPr>
+          <p:nvPr>
+            <p:ph sz="half" idx="2"/>
+          </p:nvPr>
+        </p:nvSpPr>
+        <p:spPr>
+          <a:xfrm>
+            <a:off x="8129871" y="284977"/>
+            <a:ext cx="3678324" cy="4785111"/>
+          </a:xfrm>
+        </p:spPr>
+        <p:txBody>
+          <a:bodyPr>
+            <a:normAutofit fontScale="25000" lnSpcReduction="20000"/>
+          </a:bodyPr>
+          <a:lstStyle/>
+          <a:p>
+            <a:r>
+              <a:rPr lang="es-ES" sz="7200" dirty="0" err="1" smtClean="0"/>
+              <a:t>Typescript</a:t>
+            </a:r>
+            <a:endParaRPr lang="es-AR" sz="7200" dirty="0" smtClean="0"/>
+          </a:p>
+          <a:p>
+            <a:r>
+              <a:rPr lang="es-AR" sz="3600" dirty="0" err="1"/>
+              <a:t>function</a:t>
+            </a:r>
+            <a:r>
+              <a:rPr lang="es-AR" sz="3600" dirty="0"/>
+              <a:t> </a:t>
+            </a:r>
+            <a:r>
+              <a:rPr lang="es-AR" sz="3600" dirty="0" err="1"/>
+              <a:t>ordenarPorBurbuja</a:t>
+            </a:r>
+            <a:r>
+              <a:rPr lang="es-AR" sz="3600" dirty="0"/>
+              <a:t>(</a:t>
+            </a:r>
+            <a:r>
+              <a:rPr lang="es-AR" sz="3600" dirty="0" err="1"/>
+              <a:t>arrayDesordenado</a:t>
+            </a:r>
+            <a:r>
+              <a:rPr lang="es-AR" sz="3600" dirty="0"/>
+              <a:t>: </a:t>
+            </a:r>
+            <a:r>
+              <a:rPr lang="es-AR" sz="3600" dirty="0" err="1"/>
+              <a:t>number</a:t>
+            </a:r>
+            <a:r>
+              <a:rPr lang="es-AR" sz="3600" dirty="0"/>
+              <a:t>[]): </a:t>
+            </a:r>
+            <a:r>
+              <a:rPr lang="es-AR" sz="3600" dirty="0" err="1"/>
+              <a:t>number</a:t>
+            </a:r>
+            <a:r>
+              <a:rPr lang="es-AR" sz="3600" dirty="0"/>
+              <a:t>[] {</a:t>
+            </a:r>
+          </a:p>
+          <a:p>
+            <a:r>
+              <a:rPr lang="es-AR" sz="3600" dirty="0"/>
+              <a:t>    </a:t>
+            </a:r>
+            <a:r>
+              <a:rPr lang="es-AR" sz="3600" dirty="0" err="1"/>
+              <a:t>let</a:t>
+            </a:r>
+            <a:r>
+              <a:rPr lang="es-AR" sz="3600" dirty="0"/>
+              <a:t> </a:t>
+            </a:r>
+            <a:r>
+              <a:rPr lang="es-AR" sz="3600" dirty="0" err="1"/>
+              <a:t>tempArray</a:t>
+            </a:r>
+            <a:r>
+              <a:rPr lang="es-AR" sz="3600" dirty="0"/>
+              <a:t>: </a:t>
+            </a:r>
+            <a:r>
+              <a:rPr lang="es-AR" sz="3600" dirty="0" err="1"/>
+              <a:t>number</a:t>
+            </a:r>
+            <a:r>
+              <a:rPr lang="es-AR" sz="3600" dirty="0"/>
+              <a:t>[] = </a:t>
+            </a:r>
+            <a:r>
+              <a:rPr lang="es-AR" sz="3600" dirty="0" err="1"/>
+              <a:t>arrayDesordenado</a:t>
+            </a:r>
+            <a:r>
+              <a:rPr lang="es-AR" sz="3600" dirty="0"/>
+              <a:t>;</a:t>
+            </a:r>
+          </a:p>
+          <a:p>
+            <a:r>
+              <a:rPr lang="es-AR" sz="3600" dirty="0"/>
+              <a:t>    </a:t>
+            </a:r>
+            <a:r>
+              <a:rPr lang="es-AR" sz="3600" dirty="0" err="1"/>
+              <a:t>let</a:t>
+            </a:r>
+            <a:r>
+              <a:rPr lang="es-AR" sz="3600" dirty="0"/>
+              <a:t> </a:t>
+            </a:r>
+            <a:r>
+              <a:rPr lang="es-AR" sz="3600" dirty="0" err="1"/>
+              <a:t>volverAOrdenar</a:t>
+            </a:r>
+            <a:r>
+              <a:rPr lang="es-AR" sz="3600" dirty="0"/>
+              <a:t>: </a:t>
+            </a:r>
+            <a:r>
+              <a:rPr lang="es-AR" sz="3600" dirty="0" err="1"/>
+              <a:t>boolean</a:t>
+            </a:r>
+            <a:r>
+              <a:rPr lang="es-AR" sz="3600" dirty="0"/>
+              <a:t> = false</a:t>
+            </a:r>
+          </a:p>
+          <a:p>
+            <a:r>
+              <a:rPr lang="es-AR" sz="3600" dirty="0"/>
+              <a:t>    </a:t>
+            </a:r>
+            <a:r>
+              <a:rPr lang="es-AR" sz="3600" dirty="0" err="1"/>
+              <a:t>tempArray.forEach</a:t>
+            </a:r>
+            <a:r>
+              <a:rPr lang="es-AR" sz="3600" dirty="0"/>
+              <a:t>(</a:t>
+            </a:r>
+            <a:r>
+              <a:rPr lang="es-AR" sz="3600" dirty="0" err="1"/>
+              <a:t>function</a:t>
+            </a:r>
+            <a:r>
+              <a:rPr lang="es-AR" sz="3600" dirty="0"/>
+              <a:t> (valor, </a:t>
+            </a:r>
+            <a:r>
+              <a:rPr lang="es-AR" sz="3600" dirty="0" err="1"/>
+              <a:t>key</a:t>
+            </a:r>
+            <a:r>
+              <a:rPr lang="es-AR" sz="3600" dirty="0"/>
+              <a:t>) {</a:t>
+            </a:r>
+          </a:p>
+          <a:p>
+            <a:r>
+              <a:rPr lang="es-AR" sz="3600" dirty="0"/>
+              <a:t>        </a:t>
+            </a:r>
+            <a:r>
+              <a:rPr lang="es-AR" sz="3600" dirty="0" err="1"/>
+              <a:t>if</a:t>
+            </a:r>
+            <a:r>
+              <a:rPr lang="es-AR" sz="3600" dirty="0"/>
+              <a:t> (</a:t>
+            </a:r>
+            <a:r>
+              <a:rPr lang="es-AR" sz="3600" dirty="0" err="1"/>
+              <a:t>tempArray</a:t>
+            </a:r>
+            <a:r>
+              <a:rPr lang="es-AR" sz="3600" dirty="0"/>
+              <a:t>[</a:t>
+            </a:r>
+            <a:r>
+              <a:rPr lang="es-AR" sz="3600" dirty="0" err="1"/>
+              <a:t>key</a:t>
+            </a:r>
+            <a:r>
+              <a:rPr lang="es-AR" sz="3600" dirty="0"/>
+              <a:t>] &gt; </a:t>
+            </a:r>
+            <a:r>
+              <a:rPr lang="es-AR" sz="3600" dirty="0" err="1"/>
+              <a:t>tempArray</a:t>
+            </a:r>
+            <a:r>
+              <a:rPr lang="es-AR" sz="3600" dirty="0"/>
+              <a:t>[</a:t>
+            </a:r>
+            <a:r>
+              <a:rPr lang="es-AR" sz="3600" dirty="0" err="1"/>
+              <a:t>key</a:t>
+            </a:r>
+            <a:r>
+              <a:rPr lang="es-AR" sz="3600" dirty="0"/>
+              <a:t> + 1] &amp;&amp; </a:t>
+            </a:r>
+            <a:r>
+              <a:rPr lang="es-AR" sz="3600" dirty="0" err="1"/>
+              <a:t>tempArray.length</a:t>
+            </a:r>
+            <a:r>
+              <a:rPr lang="es-AR" sz="3600" dirty="0"/>
+              <a:t> - 1 != </a:t>
+            </a:r>
+            <a:r>
+              <a:rPr lang="es-AR" sz="3600" dirty="0" err="1"/>
+              <a:t>key</a:t>
+            </a:r>
+            <a:r>
+              <a:rPr lang="es-AR" sz="3600" dirty="0"/>
+              <a:t>) {</a:t>
+            </a:r>
+          </a:p>
+          <a:p>
+            <a:r>
+              <a:rPr lang="es-AR" sz="3600" dirty="0"/>
+              <a:t>            </a:t>
+            </a:r>
+            <a:r>
+              <a:rPr lang="es-AR" sz="3600" dirty="0" err="1"/>
+              <a:t>const</a:t>
+            </a:r>
+            <a:r>
+              <a:rPr lang="es-AR" sz="3600" dirty="0"/>
+              <a:t> </a:t>
+            </a:r>
+            <a:r>
+              <a:rPr lang="es-AR" sz="3600" dirty="0" err="1"/>
+              <a:t>primerNum</a:t>
+            </a:r>
+            <a:r>
+              <a:rPr lang="es-AR" sz="3600" dirty="0"/>
+              <a:t>: </a:t>
+            </a:r>
+            <a:r>
+              <a:rPr lang="es-AR" sz="3600" dirty="0" err="1"/>
+              <a:t>number</a:t>
+            </a:r>
+            <a:r>
+              <a:rPr lang="es-AR" sz="3600" dirty="0"/>
+              <a:t> = </a:t>
+            </a:r>
+            <a:r>
+              <a:rPr lang="es-AR" sz="3600" dirty="0" err="1"/>
+              <a:t>tempArray</a:t>
+            </a:r>
+            <a:r>
+              <a:rPr lang="es-AR" sz="3600" dirty="0"/>
+              <a:t>[</a:t>
+            </a:r>
+            <a:r>
+              <a:rPr lang="es-AR" sz="3600" dirty="0" err="1"/>
+              <a:t>key</a:t>
+            </a:r>
+            <a:r>
+              <a:rPr lang="es-AR" sz="3600" dirty="0"/>
+              <a:t>]</a:t>
+            </a:r>
+          </a:p>
+          <a:p>
+            <a:r>
+              <a:rPr lang="es-AR" sz="3600" dirty="0"/>
+              <a:t>            </a:t>
+            </a:r>
+            <a:r>
+              <a:rPr lang="es-AR" sz="3600" dirty="0" err="1"/>
+              <a:t>const</a:t>
+            </a:r>
+            <a:r>
+              <a:rPr lang="es-AR" sz="3600" dirty="0"/>
+              <a:t> </a:t>
+            </a:r>
+            <a:r>
+              <a:rPr lang="es-AR" sz="3600" dirty="0" err="1"/>
+              <a:t>segundoNum</a:t>
+            </a:r>
+            <a:r>
+              <a:rPr lang="es-AR" sz="3600" dirty="0"/>
+              <a:t>: </a:t>
+            </a:r>
+            <a:r>
+              <a:rPr lang="es-AR" sz="3600" dirty="0" err="1"/>
+              <a:t>number</a:t>
+            </a:r>
+            <a:r>
+              <a:rPr lang="es-AR" sz="3600" dirty="0"/>
+              <a:t> = </a:t>
+            </a:r>
+            <a:r>
+              <a:rPr lang="es-AR" sz="3600" dirty="0" err="1"/>
+              <a:t>tempArray</a:t>
+            </a:r>
+            <a:r>
+              <a:rPr lang="es-AR" sz="3600" dirty="0"/>
+              <a:t>[</a:t>
+            </a:r>
+            <a:r>
+              <a:rPr lang="es-AR" sz="3600" dirty="0" err="1"/>
+              <a:t>key</a:t>
+            </a:r>
+            <a:r>
+              <a:rPr lang="es-AR" sz="3600" dirty="0"/>
+              <a:t> + 1]</a:t>
+            </a:r>
+          </a:p>
+          <a:p>
+            <a:r>
+              <a:rPr lang="es-AR" sz="3600" dirty="0"/>
+              <a:t>            </a:t>
+            </a:r>
+            <a:r>
+              <a:rPr lang="es-AR" sz="3600" dirty="0" err="1"/>
+              <a:t>tempArray</a:t>
+            </a:r>
+            <a:r>
+              <a:rPr lang="es-AR" sz="3600" dirty="0"/>
+              <a:t>[</a:t>
+            </a:r>
+            <a:r>
+              <a:rPr lang="es-AR" sz="3600" dirty="0" err="1"/>
+              <a:t>key</a:t>
+            </a:r>
+            <a:r>
+              <a:rPr lang="es-AR" sz="3600" dirty="0"/>
+              <a:t>] = </a:t>
+            </a:r>
+            <a:r>
+              <a:rPr lang="es-AR" sz="3600" dirty="0" err="1"/>
+              <a:t>segundoNum</a:t>
+            </a:r>
+            <a:endParaRPr lang="es-AR" sz="3600" dirty="0"/>
+          </a:p>
+          <a:p>
+            <a:r>
+              <a:rPr lang="es-AR" sz="3600" dirty="0"/>
+              <a:t>            </a:t>
+            </a:r>
+            <a:r>
+              <a:rPr lang="es-AR" sz="3600" dirty="0" err="1"/>
+              <a:t>tempArray</a:t>
+            </a:r>
+            <a:r>
+              <a:rPr lang="es-AR" sz="3600" dirty="0"/>
+              <a:t>[</a:t>
+            </a:r>
+            <a:r>
+              <a:rPr lang="es-AR" sz="3600" dirty="0" err="1"/>
+              <a:t>key</a:t>
+            </a:r>
+            <a:r>
+              <a:rPr lang="es-AR" sz="3600" dirty="0"/>
+              <a:t> + 1] = </a:t>
+            </a:r>
+            <a:r>
+              <a:rPr lang="es-AR" sz="3600" dirty="0" err="1"/>
+              <a:t>primerNum</a:t>
+            </a:r>
+            <a:endParaRPr lang="es-AR" sz="3600" dirty="0"/>
+          </a:p>
+          <a:p>
+            <a:r>
+              <a:rPr lang="es-AR" sz="3600" dirty="0"/>
+              <a:t>            </a:t>
+            </a:r>
+            <a:r>
+              <a:rPr lang="es-AR" sz="3600" dirty="0" err="1"/>
+              <a:t>volverAOrdenar</a:t>
+            </a:r>
+            <a:r>
+              <a:rPr lang="es-AR" sz="3600" dirty="0"/>
+              <a:t> = true</a:t>
+            </a:r>
+          </a:p>
+          <a:p>
+            <a:r>
+              <a:rPr lang="es-AR" sz="3600" dirty="0"/>
+              <a:t>        }</a:t>
+            </a:r>
+          </a:p>
+          <a:p>
+            <a:r>
+              <a:rPr lang="es-AR" sz="3600" dirty="0"/>
+              <a:t>    })</a:t>
+            </a:r>
+          </a:p>
+          <a:p>
+            <a:r>
+              <a:rPr lang="es-AR" sz="3600" dirty="0"/>
+              <a:t>    </a:t>
+            </a:r>
+            <a:r>
+              <a:rPr lang="es-AR" sz="3600" dirty="0" err="1"/>
+              <a:t>if</a:t>
+            </a:r>
+            <a:r>
+              <a:rPr lang="es-AR" sz="3600" dirty="0"/>
+              <a:t> (</a:t>
+            </a:r>
+            <a:r>
+              <a:rPr lang="es-AR" sz="3600" dirty="0" err="1"/>
+              <a:t>volverAOrdenar</a:t>
+            </a:r>
+            <a:r>
+              <a:rPr lang="es-AR" sz="3600" dirty="0"/>
+              <a:t>) {</a:t>
+            </a:r>
+          </a:p>
+          <a:p>
+            <a:r>
+              <a:rPr lang="es-AR" sz="3600" dirty="0"/>
+              <a:t>        </a:t>
+            </a:r>
+            <a:r>
+              <a:rPr lang="es-AR" sz="3600" dirty="0" err="1"/>
+              <a:t>ordenarPorBurbuja</a:t>
+            </a:r>
+            <a:r>
+              <a:rPr lang="es-AR" sz="3600" dirty="0"/>
+              <a:t>(</a:t>
+            </a:r>
+            <a:r>
+              <a:rPr lang="es-AR" sz="3600" dirty="0" err="1"/>
+              <a:t>tempArray</a:t>
+            </a:r>
+            <a:r>
+              <a:rPr lang="es-AR" sz="3600" dirty="0"/>
+              <a:t>)</a:t>
+            </a:r>
+          </a:p>
+          <a:p>
+            <a:r>
+              <a:rPr lang="es-AR" sz="3600" dirty="0"/>
+              <a:t>    }</a:t>
+            </a:r>
+          </a:p>
+          <a:p>
+            <a:r>
+              <a:rPr lang="es-AR" sz="3600" dirty="0"/>
+              <a:t>    </a:t>
+            </a:r>
+            <a:r>
+              <a:rPr lang="es-AR" sz="3600" dirty="0" err="1"/>
+              <a:t>return</a:t>
+            </a:r>
+            <a:r>
+              <a:rPr lang="es-AR" sz="3600" dirty="0"/>
+              <a:t> </a:t>
+            </a:r>
+            <a:r>
+              <a:rPr lang="es-AR" sz="3600" dirty="0" err="1"/>
+              <a:t>tempArray</a:t>
+            </a:r>
+            <a:endParaRPr lang="es-AR" sz="3600" dirty="0"/>
+          </a:p>
+          <a:p>
+            <a:r>
+              <a:rPr lang="es-AR" sz="3600" dirty="0"/>
+              <a:t>}</a:t>
+            </a:r>
+          </a:p>
+          <a:p>
+            <a:r>
+              <a:rPr lang="es-AR" sz="3600" dirty="0"/>
+              <a:t/>
+            </a:r>
+            <a:br>
+              <a:rPr lang="es-AR" sz="3600" dirty="0"/>
+            </a:br>
+            <a:r>
+              <a:rPr lang="es-AR" sz="3600" dirty="0" err="1"/>
+              <a:t>const</a:t>
+            </a:r>
+            <a:r>
+              <a:rPr lang="es-AR" sz="3600" dirty="0"/>
+              <a:t> </a:t>
+            </a:r>
+            <a:r>
+              <a:rPr lang="es-AR" sz="3600" dirty="0" err="1"/>
+              <a:t>numbers</a:t>
+            </a:r>
+            <a:r>
+              <a:rPr lang="es-AR" sz="3600" dirty="0"/>
+              <a:t>: </a:t>
+            </a:r>
+            <a:r>
+              <a:rPr lang="es-AR" sz="3600" dirty="0" err="1"/>
+              <a:t>number</a:t>
+            </a:r>
+            <a:r>
+              <a:rPr lang="es-AR" sz="3600" dirty="0"/>
+              <a:t>[] = [11,5,7,6,15];</a:t>
+            </a:r>
+          </a:p>
+          <a:p>
+            <a:r>
+              <a:rPr lang="es-AR" sz="3600" dirty="0" err="1"/>
+              <a:t>const</a:t>
+            </a:r>
+            <a:r>
+              <a:rPr lang="es-AR" sz="3600" dirty="0"/>
+              <a:t> </a:t>
+            </a:r>
+            <a:r>
+              <a:rPr lang="es-AR" sz="3600" dirty="0" err="1"/>
+              <a:t>start</a:t>
+            </a:r>
+            <a:r>
+              <a:rPr lang="es-AR" sz="3600" dirty="0"/>
+              <a:t> = </a:t>
+            </a:r>
+            <a:r>
+              <a:rPr lang="es-AR" sz="3600" dirty="0" err="1"/>
+              <a:t>Date.now</a:t>
+            </a:r>
+            <a:r>
+              <a:rPr lang="es-AR" sz="3600" dirty="0"/>
+              <a:t>();</a:t>
+            </a:r>
+          </a:p>
+          <a:p>
+            <a:r>
+              <a:rPr lang="es-AR" sz="3600" dirty="0"/>
+              <a:t/>
+            </a:r>
+            <a:br>
+              <a:rPr lang="es-AR" sz="3600" dirty="0"/>
+            </a:br>
+            <a:r>
+              <a:rPr lang="es-AR" sz="3600" dirty="0" err="1"/>
+              <a:t>const</a:t>
+            </a:r>
+            <a:r>
+              <a:rPr lang="es-AR" sz="3600" dirty="0"/>
+              <a:t> </a:t>
+            </a:r>
+            <a:r>
+              <a:rPr lang="es-AR" sz="3600" dirty="0" err="1"/>
+              <a:t>sortedNumbers</a:t>
+            </a:r>
+            <a:r>
+              <a:rPr lang="es-AR" sz="3600" dirty="0"/>
+              <a:t>: </a:t>
+            </a:r>
+            <a:r>
+              <a:rPr lang="es-AR" sz="3600" dirty="0" err="1"/>
+              <a:t>number</a:t>
+            </a:r>
+            <a:r>
+              <a:rPr lang="es-AR" sz="3600" dirty="0"/>
+              <a:t>[] = </a:t>
+            </a:r>
+            <a:r>
+              <a:rPr lang="es-AR" sz="3600" dirty="0" err="1"/>
+              <a:t>ordenarPorBurbuja</a:t>
+            </a:r>
+            <a:r>
+              <a:rPr lang="es-AR" sz="3600" dirty="0"/>
+              <a:t>(</a:t>
+            </a:r>
+            <a:r>
+              <a:rPr lang="es-AR" sz="3600" dirty="0" err="1"/>
+              <a:t>numbers</a:t>
+            </a:r>
+            <a:r>
+              <a:rPr lang="es-AR" sz="3600" dirty="0"/>
+              <a:t>);</a:t>
+            </a:r>
+          </a:p>
+          <a:p>
+            <a:r>
+              <a:rPr lang="es-AR" sz="3600" dirty="0"/>
+              <a:t>console.log(</a:t>
+            </a:r>
+            <a:r>
+              <a:rPr lang="es-AR" sz="3600" dirty="0" err="1"/>
+              <a:t>sortedNumbers</a:t>
+            </a:r>
+            <a:r>
+              <a:rPr lang="es-AR" sz="3600" dirty="0"/>
+              <a:t>);</a:t>
+            </a:r>
+          </a:p>
+          <a:p>
+            <a:r>
+              <a:rPr lang="es-AR" sz="3600" dirty="0"/>
+              <a:t/>
+            </a:r>
+            <a:br>
+              <a:rPr lang="es-AR" sz="3600" dirty="0"/>
+            </a:br>
+            <a:r>
+              <a:rPr lang="es-AR" sz="3600" dirty="0" err="1"/>
+              <a:t>const</a:t>
+            </a:r>
+            <a:r>
+              <a:rPr lang="es-AR" sz="3600" dirty="0"/>
+              <a:t> </a:t>
+            </a:r>
+            <a:r>
+              <a:rPr lang="es-AR" sz="3600" dirty="0" err="1"/>
+              <a:t>end</a:t>
+            </a:r>
+            <a:r>
+              <a:rPr lang="es-AR" sz="3600" dirty="0"/>
+              <a:t> = </a:t>
+            </a:r>
+            <a:r>
+              <a:rPr lang="es-AR" sz="3600" dirty="0" err="1"/>
+              <a:t>Date.now</a:t>
+            </a:r>
+            <a:r>
+              <a:rPr lang="es-AR" sz="3600" dirty="0"/>
+              <a:t>();</a:t>
+            </a:r>
+          </a:p>
+          <a:p>
+            <a:r>
+              <a:rPr lang="es-AR" sz="3600" dirty="0"/>
+              <a:t>console.log(`</a:t>
+            </a:r>
+            <a:r>
+              <a:rPr lang="es-AR" sz="3600" dirty="0" err="1"/>
+              <a:t>Execution</a:t>
+            </a:r>
+            <a:r>
+              <a:rPr lang="es-AR" sz="3600" dirty="0"/>
+              <a:t> time: ${(</a:t>
+            </a:r>
+            <a:r>
+              <a:rPr lang="es-AR" sz="3600" dirty="0" err="1"/>
+              <a:t>end</a:t>
+            </a:r>
+            <a:r>
+              <a:rPr lang="es-AR" sz="3600" dirty="0"/>
+              <a:t> - </a:t>
+            </a:r>
+            <a:r>
+              <a:rPr lang="es-AR" sz="3600" dirty="0" err="1"/>
+              <a:t>start</a:t>
+            </a:r>
+            <a:r>
+              <a:rPr lang="es-AR" sz="3600" dirty="0"/>
+              <a:t>)/1000} s`);</a:t>
+            </a:r>
+          </a:p>
+          <a:p>
+            <a:r>
+              <a:rPr lang="es-AR" dirty="0"/>
+              <a:t/>
+            </a:r>
+            <a:br>
+              <a:rPr lang="es-AR" dirty="0"/>
+            </a:br>
+            <a:endParaRPr lang="es-AR" dirty="0"/>
+          </a:p>
+        </p:txBody>
+      </p:sp>
+    </p:spTree>
+    <p:extLst>
+      <p:ext uri="{BB962C8B-B14F-4D97-AF65-F5344CB8AC3E}">
+        <p14:creationId xmlns:p14="http://schemas.microsoft.com/office/powerpoint/2010/main" val="1563534042"/>
+      </p:ext>
+    </p:extLst>
+  </p:cSld>
+  <p:clrMapOvr>
+    <a:masterClrMapping/>
+  </p:clrMapOvr>
+</p:sld>
+</file>
+
+<file path=ppt/slides/slide6.xml><?xml version="1.0" encoding="utf-8"?>
+<p:sld xmlns:a="http://schemas.openxmlformats.org/drawingml/2006/main" xmlns:r="http://schemas.openxmlformats.org/officeDocument/2006/relationships" xmlns:p="http://schemas.openxmlformats.org/presentationml/2006/main">
+  <p:cSld>
+    <p:spTree>
+      <p:nvGrpSpPr>
+        <p:cNvPr id="1" name=""/>
+        <p:cNvGrpSpPr/>
+        <p:nvPr/>
+      </p:nvGrpSpPr>
+      <p:grpSpPr>
+        <a:xfrm>
+          <a:off x="0" y="0"/>
+          <a:ext cx="0" cy="0"/>
+          <a:chOff x="0" y="0"/>
+          <a:chExt cx="0" cy="0"/>
+        </a:xfrm>
+      </p:grpSpPr>
+      <p:sp>
+        <p:nvSpPr>
+          <p:cNvPr id="2" name="Título 1"/>
+          <p:cNvSpPr>
+            <a:spLocks noGrp="1"/>
+          </p:cNvSpPr>
+          <p:nvPr>
+            <p:ph type="title"/>
+          </p:nvPr>
+        </p:nvSpPr>
+        <p:spPr>
+          <a:xfrm>
+            <a:off x="838200" y="-25460"/>
+            <a:ext cx="10515600" cy="1325563"/>
+          </a:xfrm>
+        </p:spPr>
+        <p:txBody>
+          <a:bodyPr/>
+          <a:lstStyle/>
+          <a:p>
+            <a:r>
+              <a:rPr lang="es-ES" dirty="0" smtClean="0"/>
+              <a:t>Comparativa de rendimiento </a:t>
+            </a:r>
+            <a:endParaRPr lang="es-AR" dirty="0"/>
+          </a:p>
+        </p:txBody>
+      </p:sp>
+      <p:sp>
+        <p:nvSpPr>
+          <p:cNvPr id="6" name="Rectángulo 5"/>
+          <p:cNvSpPr/>
+          <p:nvPr/>
+        </p:nvSpPr>
+        <p:spPr>
+          <a:xfrm>
+            <a:off x="5522766" y="3244334"/>
+            <a:ext cx="1146468" cy="369332"/>
+          </a:xfrm>
+          <a:prstGeom prst="rect">
+            <a:avLst/>
+          </a:prstGeom>
+        </p:spPr>
+        <p:txBody>
+          <a:bodyPr wrap="none">
+            <a:spAutoFit/>
+          </a:bodyPr>
+          <a:lstStyle/>
+          <a:p>
+            <a:r>
+              <a:rPr lang="es-AR" altLang="es-AR" dirty="0">
+                <a:latin typeface="Arial Unicode MS"/>
+              </a:rPr>
+              <a:t>0.000014</a:t>
+            </a:r>
+            <a:endParaRPr lang="es-AR" dirty="0"/>
+          </a:p>
+        </p:txBody>
+      </p:sp>
+      <p:pic>
+        <p:nvPicPr>
+          <p:cNvPr id="7" name="Imagen 6"/>
+          <p:cNvPicPr>
+            <a:picLocks noChangeAspect="1"/>
+          </p:cNvPicPr>
+          <p:nvPr/>
+        </p:nvPicPr>
+        <p:blipFill>
+          <a:blip r:embed="rId2"/>
+          <a:stretch>
+            <a:fillRect/>
+          </a:stretch>
+        </p:blipFill>
+        <p:spPr>
+          <a:xfrm>
+            <a:off x="654830" y="917649"/>
+            <a:ext cx="10698970" cy="2709140"/>
+          </a:xfrm>
+          <a:prstGeom prst="rect">
+            <a:avLst/>
+          </a:prstGeom>
+        </p:spPr>
+      </p:pic>
+      <p:pic>
+        <p:nvPicPr>
+          <p:cNvPr id="9" name="Imagen 8"/>
+          <p:cNvPicPr>
+            <a:picLocks noChangeAspect="1"/>
+          </p:cNvPicPr>
+          <p:nvPr/>
+        </p:nvPicPr>
+        <p:blipFill>
+          <a:blip r:embed="rId3"/>
+          <a:stretch>
+            <a:fillRect/>
+          </a:stretch>
+        </p:blipFill>
+        <p:spPr>
+          <a:xfrm>
+            <a:off x="403720" y="3802281"/>
+            <a:ext cx="11018595" cy="2737066"/>
+          </a:xfrm>
+          <a:prstGeom prst="rect">
+            <a:avLst/>
+          </a:prstGeom>
+        </p:spPr>
+      </p:pic>
+    </p:spTree>
+    <p:extLst>
+      <p:ext uri="{BB962C8B-B14F-4D97-AF65-F5344CB8AC3E}">
+        <p14:creationId xmlns:p14="http://schemas.microsoft.com/office/powerpoint/2010/main" val="2281708113"/>
+      </p:ext>
+    </p:extLst>
+  </p:cSld>
+  <p:clrMapOvr>
+    <a:masterClrMapping/>
+  </p:clrMapOvr>
+</p:sld>
+</file>
+
+<file path=ppt/slides/slide7.xml><?xml version="1.0" encoding="utf-8"?>
+<p:sld xmlns:a="http://schemas.openxmlformats.org/drawingml/2006/main" xmlns:r="http://schemas.openxmlformats.org/officeDocument/2006/relationships" xmlns:p="http://schemas.openxmlformats.org/presentationml/2006/main">
+  <p:cSld>
+    <p:bg>
+      <p:bgPr>
+        <a:solidFill>
+          <a:schemeClr val="bg1"/>
+        </a:solidFill>
+        <a:effectLst/>
+      </p:bgPr>
+    </p:bg>
+    <p:spTree>
+      <p:nvGrpSpPr>
+        <p:cNvPr id="1" name=""/>
+        <p:cNvGrpSpPr/>
+        <p:nvPr/>
+      </p:nvGrpSpPr>
+      <p:grpSpPr>
+        <a:xfrm>
+          <a:off x="0" y="0"/>
+          <a:ext cx="0" cy="0"/>
+          <a:chOff x="0" y="0"/>
+          <a:chExt cx="0" cy="0"/>
+        </a:xfrm>
+      </p:grpSpPr>
+      <p:sp>
+        <p:nvSpPr>
+          <p:cNvPr id="9" name="Rectangle 8">
+            <a:extLst>
+              <a:ext uri="{FF2B5EF4-FFF2-40B4-BE49-F238E27FC236}">
+                <a16:creationId xmlns:a16="http://schemas.microsoft.com/office/drawing/2014/main" id="{4C608BEB-860E-4094-8511-78603564A75E}"/>
+              </a:ext>
+              <a:ext uri="{C183D7F6-B498-43B3-948B-1728B52AA6E4}">
+                <adec:decorative xmlns:adec="http://schemas.microsoft.com/office/drawing/2017/decorative" xmlns="" val="1"/>
+              </a:ext>
+            </a:extLst>
+          </p:cNvPr>
+          <p:cNvSpPr>
+            <a:spLocks noGrp="1" noRot="1" noChangeAspect="1" noMove="1" noResize="1" noEditPoints="1" noAdjustHandles="1" noChangeArrowheads="1" noChangeShapeType="1" noTextEdit="1"/>
+          </p:cNvSpPr>
+          <p:nvPr>
+            <p:extLst>
+              <p:ext uri="{386F3935-93C4-4BCD-93E2-E3B085C9AB24}">
+                <p16:designElem xmlns:p16="http://schemas.microsoft.com/office/powerpoint/2015/main" val="1"/>
+              </p:ext>
+            </p:extLst>
+          </p:nvPr>
+        </p:nvSpPr>
+        <p:spPr>
+          <a:xfrm>
+            <a:off x="0" y="0"/>
+            <a:ext cx="4059050" cy="6858000"/>
+          </a:xfrm>
+          <a:prstGeom prst="rect">
+            <a:avLst/>
+          </a:prstGeom>
+          <a:solidFill>
+            <a:srgbClr val="404040"/>
+          </a:solidFill>
+          <a:ln>
+            <a:noFill/>
+          </a:ln>
+        </p:spPr>
+        <p:style>
+          <a:lnRef idx="2">
+            <a:schemeClr val="accent1">
+              <a:shade val="50000"/>
+            </a:schemeClr>
+          </a:lnRef>
+          <a:fillRef idx="1">
+            <a:schemeClr val="accent1"/>
+          </a:fillRef>
+          <a:effectRef idx="0">
+            <a:schemeClr val="accent1"/>
+          </a:effectRef>
+          <a:fontRef idx="minor">
+            <a:schemeClr val="lt1"/>
+          </a:fontRef>
+        </p:style>
+        <p:txBody>
+          <a:bodyPr rtlCol="0" anchor="ctr"/>
+          <a:lstStyle/>
+          <a:p>
+            <a:pPr marL="0" marR="0" lvl="0" indent="0" algn="ctr" defTabSz="914400" rtl="0" eaLnBrk="1" fontAlgn="auto" latinLnBrk="0" hangingPunct="1">
+              <a:lnSpc>
+                <a:spcPct val="100000"/>
+              </a:lnSpc>
+              <a:spcBef>
+                <a:spcPts val="0"/>
+              </a:spcBef>
+              <a:spcAft>
+                <a:spcPts val="0"/>
+              </a:spcAft>
+              <a:buClrTx/>
+              <a:buSzTx/>
+              <a:buFontTx/>
+              <a:buNone/>
+              <a:tabLst/>
+              <a:defRPr/>
+            </a:pPr>
+            <a:endParaRPr kumimoji="0" lang="en-US" sz="1800" b="0" i="0" u="none" strike="noStrike" kern="1200" cap="none" spc="0" normalizeH="0" baseline="0" noProof="0">
+              <a:ln>
+                <a:noFill/>
+              </a:ln>
+              <a:solidFill>
+                <a:prstClr val="white"/>
+              </a:solidFill>
+              <a:effectLst/>
+              <a:uLnTx/>
+              <a:uFillTx/>
+              <a:latin typeface="Calibri" panose="020F0502020204030204"/>
+              <a:ea typeface="+mn-ea"/>
+              <a:cs typeface="+mn-cs"/>
+            </a:endParaRPr>
+          </a:p>
+        </p:txBody>
+      </p:sp>
+      <p:sp>
+        <p:nvSpPr>
+          <p:cNvPr id="2" name="Título 1">
+            <a:extLst>
+              <a:ext uri="{FF2B5EF4-FFF2-40B4-BE49-F238E27FC236}">
+                <a16:creationId xmlns:a16="http://schemas.microsoft.com/office/drawing/2014/main" id="{E4409CF0-DEB5-15F6-30C1-AEF8478F4A5F}"/>
+              </a:ext>
+            </a:extLst>
+          </p:cNvPr>
+          <p:cNvSpPr>
+            <a:spLocks noGrp="1"/>
+          </p:cNvSpPr>
+          <p:nvPr>
+            <p:ph type="title"/>
+          </p:nvPr>
+        </p:nvSpPr>
+        <p:spPr>
+          <a:xfrm>
+            <a:off x="838200" y="1412488"/>
+            <a:ext cx="2899189" cy="4363844"/>
+          </a:xfrm>
+        </p:spPr>
+        <p:txBody>
+          <a:bodyPr anchor="t">
+            <a:normAutofit/>
+          </a:bodyPr>
+          <a:lstStyle/>
+          <a:p>
+            <a:r>
+              <a:rPr lang="es-ES" sz="4000" dirty="0" smtClean="0">
+                <a:solidFill>
+                  <a:srgbClr val="FFFFFF"/>
+                </a:solidFill>
+              </a:rPr>
+              <a:t>Búsqueda binaria</a:t>
+            </a:r>
+            <a:r>
+              <a:rPr lang="es-ES" sz="4000" dirty="0" smtClean="0">
+                <a:solidFill>
+                  <a:srgbClr val="FFFFFF"/>
+                </a:solidFill>
+              </a:rPr>
+              <a:t>:</a:t>
+            </a:r>
+            <a:endParaRPr lang="es-AR" sz="4000" dirty="0">
+              <a:solidFill>
+                <a:srgbClr val="FFFFFF"/>
+              </a:solidFill>
+            </a:endParaRPr>
+          </a:p>
+        </p:txBody>
+      </p:sp>
+      <p:sp>
+        <p:nvSpPr>
+          <p:cNvPr id="3" name="Marcador de contenido 2">
+            <a:extLst>
+              <a:ext uri="{FF2B5EF4-FFF2-40B4-BE49-F238E27FC236}">
+                <a16:creationId xmlns:a16="http://schemas.microsoft.com/office/drawing/2014/main" id="{53098B7B-E65E-B6E9-9DBD-1DDC14B15EDC}"/>
+              </a:ext>
+            </a:extLst>
+          </p:cNvPr>
+          <p:cNvSpPr>
+            <a:spLocks noGrp="1"/>
+          </p:cNvSpPr>
+          <p:nvPr>
+            <p:ph sz="half" idx="1"/>
+          </p:nvPr>
+        </p:nvSpPr>
+        <p:spPr>
+          <a:xfrm>
+            <a:off x="4059050" y="294888"/>
+            <a:ext cx="3524004" cy="4923656"/>
+          </a:xfrm>
+        </p:spPr>
+        <p:txBody>
+          <a:bodyPr>
+            <a:normAutofit fontScale="25000" lnSpcReduction="20000"/>
+          </a:bodyPr>
+          <a:lstStyle/>
+          <a:p>
+            <a:r>
+              <a:rPr lang="es-ES" sz="7200" dirty="0" smtClean="0"/>
+              <a:t>Ruby</a:t>
+            </a:r>
+            <a:endParaRPr lang="es-AR" dirty="0" smtClean="0"/>
+          </a:p>
+          <a:p>
+            <a:r>
+              <a:rPr lang="es-AR" sz="4000" dirty="0" err="1"/>
+              <a:t>require</a:t>
+            </a:r>
+            <a:r>
+              <a:rPr lang="es-AR" sz="4000" dirty="0"/>
+              <a:t> '</a:t>
+            </a:r>
+            <a:r>
+              <a:rPr lang="es-AR" sz="4000" dirty="0" err="1"/>
+              <a:t>benchmark</a:t>
+            </a:r>
+            <a:r>
+              <a:rPr lang="es-AR" sz="4000" dirty="0"/>
+              <a:t>'</a:t>
+            </a:r>
+          </a:p>
+          <a:p>
+            <a:r>
+              <a:rPr lang="es-AR" sz="4000" dirty="0" err="1"/>
+              <a:t>include</a:t>
+            </a:r>
+            <a:r>
+              <a:rPr lang="es-AR" sz="4000" dirty="0"/>
+              <a:t> </a:t>
+            </a:r>
+            <a:r>
+              <a:rPr lang="es-AR" sz="4000" dirty="0" err="1"/>
+              <a:t>Benchmark</a:t>
+            </a:r>
+            <a:endParaRPr lang="es-AR" sz="4000" dirty="0"/>
+          </a:p>
+          <a:p>
+            <a:r>
+              <a:rPr lang="es-AR" sz="4000" dirty="0"/>
+              <a:t/>
+            </a:r>
+            <a:br>
+              <a:rPr lang="es-AR" sz="4000" dirty="0"/>
+            </a:br>
+            <a:r>
+              <a:rPr lang="es-AR" sz="4000" dirty="0" err="1"/>
+              <a:t>def</a:t>
+            </a:r>
+            <a:r>
+              <a:rPr lang="es-AR" sz="4000" dirty="0"/>
+              <a:t> </a:t>
+            </a:r>
+            <a:r>
+              <a:rPr lang="es-AR" sz="4000" dirty="0" err="1"/>
+              <a:t>busqueda_binaria</a:t>
+            </a:r>
+            <a:r>
+              <a:rPr lang="es-AR" sz="4000" dirty="0"/>
+              <a:t>(n, </a:t>
+            </a:r>
+            <a:r>
+              <a:rPr lang="es-AR" sz="4000" dirty="0" err="1"/>
+              <a:t>arr</a:t>
+            </a:r>
+            <a:r>
+              <a:rPr lang="es-AR" sz="4000" dirty="0"/>
+              <a:t>)</a:t>
+            </a:r>
+          </a:p>
+          <a:p>
+            <a:r>
+              <a:rPr lang="es-AR" sz="4000" dirty="0"/>
+              <a:t>  </a:t>
+            </a:r>
+            <a:r>
+              <a:rPr lang="es-AR" sz="4000" dirty="0" err="1"/>
+              <a:t>middle</a:t>
+            </a:r>
+            <a:r>
+              <a:rPr lang="es-AR" sz="4000" dirty="0"/>
+              <a:t> = </a:t>
+            </a:r>
+            <a:r>
+              <a:rPr lang="es-AR" sz="4000" dirty="0" err="1"/>
+              <a:t>arr.length.div</a:t>
+            </a:r>
+            <a:r>
+              <a:rPr lang="es-AR" sz="4000" dirty="0"/>
+              <a:t>(2)</a:t>
+            </a:r>
+          </a:p>
+          <a:p>
+            <a:r>
+              <a:rPr lang="es-AR" sz="4000" dirty="0"/>
+              <a:t>  i = 0</a:t>
+            </a:r>
+          </a:p>
+          <a:p>
+            <a:r>
+              <a:rPr lang="es-AR" sz="4000" dirty="0"/>
+              <a:t>  j = </a:t>
+            </a:r>
+            <a:r>
+              <a:rPr lang="es-AR" sz="4000" dirty="0" err="1"/>
+              <a:t>arr.length</a:t>
+            </a:r>
+            <a:r>
+              <a:rPr lang="es-AR" sz="4000" dirty="0"/>
+              <a:t> - 1</a:t>
+            </a:r>
+          </a:p>
+          <a:p>
+            <a:r>
+              <a:rPr lang="es-AR" sz="4000" dirty="0"/>
+              <a:t/>
+            </a:r>
+            <a:br>
+              <a:rPr lang="es-AR" sz="4000" dirty="0"/>
+            </a:br>
+            <a:r>
+              <a:rPr lang="es-AR" sz="4000" dirty="0"/>
+              <a:t>  </a:t>
+            </a:r>
+            <a:r>
+              <a:rPr lang="es-AR" sz="4000" dirty="0" err="1"/>
+              <a:t>while</a:t>
+            </a:r>
+            <a:r>
+              <a:rPr lang="es-AR" sz="4000" dirty="0"/>
+              <a:t> i &lt;= j</a:t>
+            </a:r>
+          </a:p>
+          <a:p>
+            <a:r>
+              <a:rPr lang="es-AR" sz="4000" dirty="0"/>
+              <a:t>    </a:t>
+            </a:r>
+            <a:r>
+              <a:rPr lang="es-AR" sz="4000" dirty="0" err="1"/>
+              <a:t>middle</a:t>
+            </a:r>
+            <a:r>
+              <a:rPr lang="es-AR" sz="4000" dirty="0"/>
+              <a:t> = (i + j).div(2)</a:t>
+            </a:r>
+          </a:p>
+          <a:p>
+            <a:r>
+              <a:rPr lang="es-AR" sz="4000" dirty="0"/>
+              <a:t>    </a:t>
+            </a:r>
+            <a:r>
+              <a:rPr lang="es-AR" sz="4000" dirty="0" err="1"/>
+              <a:t>if</a:t>
+            </a:r>
+            <a:r>
+              <a:rPr lang="es-AR" sz="4000" dirty="0"/>
+              <a:t> </a:t>
+            </a:r>
+            <a:r>
+              <a:rPr lang="es-AR" sz="4000" dirty="0" err="1"/>
+              <a:t>arr</a:t>
+            </a:r>
+            <a:r>
+              <a:rPr lang="es-AR" sz="4000" dirty="0"/>
+              <a:t>[</a:t>
+            </a:r>
+            <a:r>
+              <a:rPr lang="es-AR" sz="4000" dirty="0" err="1"/>
+              <a:t>middle</a:t>
+            </a:r>
+            <a:r>
+              <a:rPr lang="es-AR" sz="4000" dirty="0"/>
+              <a:t>] == n</a:t>
+            </a:r>
+          </a:p>
+          <a:p>
+            <a:r>
+              <a:rPr lang="es-AR" sz="4000" dirty="0"/>
+              <a:t>      </a:t>
+            </a:r>
+            <a:r>
+              <a:rPr lang="es-AR" sz="4000" dirty="0" err="1"/>
+              <a:t>return</a:t>
+            </a:r>
+            <a:r>
+              <a:rPr lang="es-AR" sz="4000" dirty="0"/>
+              <a:t> </a:t>
+            </a:r>
+            <a:r>
+              <a:rPr lang="es-AR" sz="4000" dirty="0" err="1"/>
+              <a:t>middle</a:t>
+            </a:r>
+            <a:endParaRPr lang="es-AR" sz="4000" dirty="0"/>
+          </a:p>
+          <a:p>
+            <a:r>
+              <a:rPr lang="es-AR" sz="4000" dirty="0"/>
+              <a:t>    </a:t>
+            </a:r>
+            <a:r>
+              <a:rPr lang="es-AR" sz="4000" dirty="0" err="1"/>
+              <a:t>elsif</a:t>
+            </a:r>
+            <a:r>
+              <a:rPr lang="es-AR" sz="4000" dirty="0"/>
+              <a:t> </a:t>
+            </a:r>
+            <a:r>
+              <a:rPr lang="es-AR" sz="4000" dirty="0" err="1"/>
+              <a:t>arr</a:t>
+            </a:r>
+            <a:r>
+              <a:rPr lang="es-AR" sz="4000" dirty="0"/>
+              <a:t>[</a:t>
+            </a:r>
+            <a:r>
+              <a:rPr lang="es-AR" sz="4000" dirty="0" err="1"/>
+              <a:t>middle</a:t>
+            </a:r>
+            <a:r>
+              <a:rPr lang="es-AR" sz="4000" dirty="0"/>
+              <a:t>] &gt; n</a:t>
+            </a:r>
+          </a:p>
+          <a:p>
+            <a:r>
+              <a:rPr lang="es-AR" sz="4000" dirty="0"/>
+              <a:t>      j = </a:t>
+            </a:r>
+            <a:r>
+              <a:rPr lang="es-AR" sz="4000" dirty="0" err="1"/>
+              <a:t>middle</a:t>
+            </a:r>
+            <a:r>
+              <a:rPr lang="es-AR" sz="4000" dirty="0"/>
+              <a:t> - 1</a:t>
+            </a:r>
+          </a:p>
+          <a:p>
+            <a:r>
+              <a:rPr lang="es-AR" sz="4000" dirty="0"/>
+              <a:t>    </a:t>
+            </a:r>
+            <a:r>
+              <a:rPr lang="es-AR" sz="4000" dirty="0" err="1"/>
+              <a:t>else</a:t>
+            </a:r>
+            <a:endParaRPr lang="es-AR" sz="4000" dirty="0"/>
+          </a:p>
+          <a:p>
+            <a:r>
+              <a:rPr lang="es-AR" sz="4000" dirty="0"/>
+              <a:t>      i = </a:t>
+            </a:r>
+            <a:r>
+              <a:rPr lang="es-AR" sz="4000" dirty="0" err="1"/>
+              <a:t>middle</a:t>
+            </a:r>
+            <a:r>
+              <a:rPr lang="es-AR" sz="4000" dirty="0"/>
+              <a:t> + 1</a:t>
+            </a:r>
+          </a:p>
+          <a:p>
+            <a:r>
+              <a:rPr lang="es-AR" sz="4000" dirty="0"/>
+              <a:t>      </a:t>
+            </a:r>
+            <a:r>
+              <a:rPr lang="es-AR" sz="4000" dirty="0" err="1"/>
+              <a:t>middle</a:t>
+            </a:r>
+            <a:r>
+              <a:rPr lang="es-AR" sz="4000" dirty="0"/>
+              <a:t> = i + j / 2</a:t>
+            </a:r>
+          </a:p>
+          <a:p>
+            <a:r>
+              <a:rPr lang="es-AR" sz="4000" dirty="0"/>
+              <a:t>    </a:t>
+            </a:r>
+            <a:r>
+              <a:rPr lang="es-AR" sz="4000" dirty="0" err="1"/>
+              <a:t>end</a:t>
+            </a:r>
+            <a:endParaRPr lang="es-AR" sz="4000" dirty="0"/>
+          </a:p>
+          <a:p>
+            <a:r>
+              <a:rPr lang="es-AR" sz="4000" dirty="0"/>
+              <a:t>  </a:t>
+            </a:r>
+            <a:r>
+              <a:rPr lang="es-AR" sz="4000" dirty="0" err="1"/>
+              <a:t>end</a:t>
+            </a:r>
+            <a:endParaRPr lang="es-AR" sz="4000" dirty="0"/>
+          </a:p>
+          <a:p>
+            <a:r>
+              <a:rPr lang="es-AR" sz="4000" dirty="0"/>
+              <a:t>  false</a:t>
+            </a:r>
+          </a:p>
+          <a:p>
+            <a:r>
+              <a:rPr lang="es-AR" sz="4000" dirty="0" err="1"/>
+              <a:t>end</a:t>
+            </a:r>
+            <a:r>
+              <a:rPr lang="es-AR" sz="4000" dirty="0"/>
+              <a:t> </a:t>
+            </a:r>
+          </a:p>
+          <a:p>
+            <a:r>
+              <a:rPr lang="es-AR" sz="4000" dirty="0"/>
+              <a:t/>
+            </a:r>
+            <a:br>
+              <a:rPr lang="es-AR" sz="4000" dirty="0"/>
+            </a:br>
+            <a:r>
+              <a:rPr lang="es-AR" sz="4000" dirty="0" err="1"/>
+              <a:t>array</a:t>
+            </a:r>
+            <a:r>
+              <a:rPr lang="es-AR" sz="4000" dirty="0"/>
+              <a:t> = [1,2,3,4,5,6,7,8,9,10,15,17,20,21,22,23,27,25,26,27,28,29,30,31,32,33,34,35,36]</a:t>
+            </a:r>
+          </a:p>
+          <a:p>
+            <a:r>
+              <a:rPr lang="es-AR" sz="4000" dirty="0"/>
+              <a:t/>
+            </a:r>
+            <a:br>
+              <a:rPr lang="es-AR" sz="4000" dirty="0"/>
+            </a:br>
+            <a:r>
+              <a:rPr lang="es-AR" sz="4000" dirty="0" err="1"/>
+              <a:t>Benchmark.benchmark</a:t>
+            </a:r>
+            <a:r>
+              <a:rPr lang="es-AR" sz="4000" dirty="0"/>
+              <a:t>(CAPTION, 7, FORMAT, "&gt;total:", "&gt;</a:t>
+            </a:r>
+            <a:r>
+              <a:rPr lang="es-AR" sz="4000" dirty="0" err="1"/>
+              <a:t>avg</a:t>
+            </a:r>
+            <a:r>
+              <a:rPr lang="es-AR" sz="4000" dirty="0"/>
+              <a:t>:") do |x|  </a:t>
+            </a:r>
+          </a:p>
+          <a:p>
+            <a:r>
+              <a:rPr lang="es-AR" sz="4000" dirty="0"/>
+              <a:t>  </a:t>
+            </a:r>
+            <a:r>
+              <a:rPr lang="es-AR" sz="4000" dirty="0" err="1"/>
+              <a:t>x.report</a:t>
+            </a:r>
+            <a:r>
+              <a:rPr lang="es-AR" sz="4000" dirty="0"/>
+              <a:t>("times:") { </a:t>
+            </a:r>
+            <a:r>
+              <a:rPr lang="es-AR" sz="4000" dirty="0" err="1"/>
+              <a:t>busqueda_binaria</a:t>
+            </a:r>
+            <a:r>
+              <a:rPr lang="es-AR" sz="4000" dirty="0"/>
+              <a:t>(1,array) }</a:t>
+            </a:r>
+          </a:p>
+          <a:p>
+            <a:r>
+              <a:rPr lang="es-AR" sz="4000" dirty="0" err="1"/>
+              <a:t>end</a:t>
+            </a:r>
+            <a:endParaRPr lang="es-AR" sz="4000" dirty="0"/>
+          </a:p>
+        </p:txBody>
+      </p:sp>
+      <p:cxnSp>
+        <p:nvCxnSpPr>
+          <p:cNvPr id="11" name="Straight Connector 10">
+            <a:extLst>
+              <a:ext uri="{FF2B5EF4-FFF2-40B4-BE49-F238E27FC236}">
+                <a16:creationId xmlns:a16="http://schemas.microsoft.com/office/drawing/2014/main" id="{1F16A8D4-FE87-4604-88B2-394B5D1EB437}"/>
+              </a:ext>
+              <a:ext uri="{C183D7F6-B498-43B3-948B-1728B52AA6E4}">
+                <adec:decorative xmlns:adec="http://schemas.microsoft.com/office/drawing/2017/decorative" xmlns="" val="1"/>
+              </a:ext>
+            </a:extLst>
+          </p:cNvPr>
+          <p:cNvCxnSpPr>
+            <a:cxnSpLocks noGrp="1" noRot="1" noChangeAspect="1" noMove="1" noResize="1" noEditPoints="1" noAdjustHandles="1" noChangeArrowheads="1" noChangeShapeType="1"/>
+          </p:cNvCxnSpPr>
+          <p:nvPr>
+            <p:extLst>
+              <p:ext uri="{386F3935-93C4-4BCD-93E2-E3B085C9AB24}">
+                <p16:designElem xmlns:p16="http://schemas.microsoft.com/office/powerpoint/2015/main" val="1"/>
+              </p:ext>
+            </p:extLst>
+          </p:nvPr>
+        </p:nvCxnSpPr>
+        <p:spPr>
+          <a:xfrm>
+            <a:off x="8129871" y="1412488"/>
+            <a:ext cx="0" cy="3657600"/>
+          </a:xfrm>
+          <a:prstGeom prst="line">
+            <a:avLst/>
+          </a:prstGeom>
+          <a:ln w="12700">
+            <a:solidFill>
+              <a:schemeClr val="tx1">
+                <a:lumMod val="50000"/>
+                <a:lumOff val="50000"/>
+              </a:schemeClr>
+            </a:solidFill>
+          </a:ln>
+        </p:spPr>
+        <p:style>
+          <a:lnRef idx="1">
+            <a:schemeClr val="accent1"/>
+          </a:lnRef>
+          <a:fillRef idx="0">
+            <a:schemeClr val="accent1"/>
+          </a:fillRef>
+          <a:effectRef idx="0">
+            <a:schemeClr val="accent1"/>
+          </a:effectRef>
+          <a:fontRef idx="minor">
+            <a:schemeClr val="tx1"/>
+          </a:fontRef>
+        </p:style>
+      </p:cxnSp>
+      <p:sp>
+        <p:nvSpPr>
+          <p:cNvPr id="4" name="Marcador de contenido 3">
+            <a:extLst>
+              <a:ext uri="{FF2B5EF4-FFF2-40B4-BE49-F238E27FC236}">
+                <a16:creationId xmlns:a16="http://schemas.microsoft.com/office/drawing/2014/main" id="{E41F77F4-7948-F2FE-C7B5-B0F53BB0A136}"/>
+              </a:ext>
+            </a:extLst>
+          </p:cNvPr>
+          <p:cNvSpPr>
+            <a:spLocks noGrp="1"/>
+          </p:cNvSpPr>
+          <p:nvPr>
+            <p:ph sz="half" idx="2"/>
+          </p:nvPr>
+        </p:nvSpPr>
+        <p:spPr>
+          <a:xfrm>
+            <a:off x="8129871" y="284977"/>
+            <a:ext cx="3678324" cy="4785111"/>
+          </a:xfrm>
+        </p:spPr>
+        <p:txBody>
+          <a:bodyPr>
+            <a:normAutofit fontScale="25000" lnSpcReduction="20000"/>
+          </a:bodyPr>
+          <a:lstStyle/>
+          <a:p>
+            <a:r>
+              <a:rPr lang="es-ES" sz="7200" dirty="0" err="1" smtClean="0"/>
+              <a:t>Typescript</a:t>
+            </a:r>
+            <a:endParaRPr lang="es-AR" sz="7200" dirty="0" smtClean="0"/>
+          </a:p>
+          <a:p>
+            <a:r>
+              <a:rPr lang="es-AR" sz="4000" dirty="0" err="1"/>
+              <a:t>function</a:t>
+            </a:r>
+            <a:r>
+              <a:rPr lang="es-AR" sz="4000" dirty="0"/>
+              <a:t> </a:t>
+            </a:r>
+            <a:r>
+              <a:rPr lang="es-AR" sz="4000" dirty="0" err="1"/>
+              <a:t>busqueda_binaria</a:t>
+            </a:r>
+            <a:r>
+              <a:rPr lang="es-AR" sz="4000" dirty="0"/>
+              <a:t>(</a:t>
+            </a:r>
+            <a:r>
+              <a:rPr lang="es-AR" sz="4000" dirty="0" err="1"/>
+              <a:t>nums</a:t>
+            </a:r>
+            <a:r>
+              <a:rPr lang="es-AR" sz="4000" dirty="0"/>
+              <a:t>: </a:t>
+            </a:r>
+            <a:r>
+              <a:rPr lang="es-AR" sz="4000" dirty="0" err="1"/>
+              <a:t>number</a:t>
+            </a:r>
+            <a:r>
+              <a:rPr lang="es-AR" sz="4000" dirty="0"/>
+              <a:t>[], target: </a:t>
+            </a:r>
+            <a:r>
+              <a:rPr lang="es-AR" sz="4000" dirty="0" err="1"/>
+              <a:t>number</a:t>
+            </a:r>
+            <a:r>
+              <a:rPr lang="es-AR" sz="4000" dirty="0"/>
+              <a:t>): </a:t>
+            </a:r>
+            <a:r>
+              <a:rPr lang="es-AR" sz="4000" dirty="0" err="1"/>
+              <a:t>number</a:t>
+            </a:r>
+            <a:r>
+              <a:rPr lang="es-AR" sz="4000" dirty="0"/>
+              <a:t> {</a:t>
+            </a:r>
+          </a:p>
+          <a:p>
+            <a:r>
+              <a:rPr lang="es-AR" sz="4000" dirty="0"/>
+              <a:t>    </a:t>
+            </a:r>
+            <a:r>
+              <a:rPr lang="es-AR" sz="4000" dirty="0" err="1"/>
+              <a:t>let</a:t>
+            </a:r>
+            <a:r>
+              <a:rPr lang="es-AR" sz="4000" dirty="0"/>
+              <a:t> </a:t>
+            </a:r>
+            <a:r>
+              <a:rPr lang="es-AR" sz="4000" dirty="0" err="1"/>
+              <a:t>left</a:t>
+            </a:r>
+            <a:r>
+              <a:rPr lang="es-AR" sz="4000" dirty="0"/>
+              <a:t>: </a:t>
+            </a:r>
+            <a:r>
+              <a:rPr lang="es-AR" sz="4000" dirty="0" err="1"/>
+              <a:t>number</a:t>
+            </a:r>
+            <a:r>
+              <a:rPr lang="es-AR" sz="4000" dirty="0"/>
+              <a:t> = 0;</a:t>
+            </a:r>
+          </a:p>
+          <a:p>
+            <a:r>
+              <a:rPr lang="es-AR" sz="4000" dirty="0"/>
+              <a:t>    </a:t>
+            </a:r>
+            <a:r>
+              <a:rPr lang="es-AR" sz="4000" dirty="0" err="1"/>
+              <a:t>let</a:t>
+            </a:r>
+            <a:r>
+              <a:rPr lang="es-AR" sz="4000" dirty="0"/>
+              <a:t> </a:t>
+            </a:r>
+            <a:r>
+              <a:rPr lang="es-AR" sz="4000" dirty="0" err="1"/>
+              <a:t>right</a:t>
+            </a:r>
+            <a:r>
+              <a:rPr lang="es-AR" sz="4000" dirty="0"/>
+              <a:t>: </a:t>
+            </a:r>
+            <a:r>
+              <a:rPr lang="es-AR" sz="4000" dirty="0" err="1"/>
+              <a:t>number</a:t>
+            </a:r>
+            <a:r>
+              <a:rPr lang="es-AR" sz="4000" dirty="0"/>
+              <a:t> = </a:t>
+            </a:r>
+            <a:r>
+              <a:rPr lang="es-AR" sz="4000" dirty="0" err="1"/>
+              <a:t>nums.length</a:t>
+            </a:r>
+            <a:r>
+              <a:rPr lang="es-AR" sz="4000" dirty="0"/>
+              <a:t> - 1;</a:t>
+            </a:r>
+          </a:p>
+          <a:p>
+            <a:r>
+              <a:rPr lang="es-AR" sz="4000" dirty="0"/>
+              <a:t>  </a:t>
+            </a:r>
+          </a:p>
+          <a:p>
+            <a:r>
+              <a:rPr lang="es-AR" sz="4000" dirty="0"/>
+              <a:t>    </a:t>
+            </a:r>
+            <a:r>
+              <a:rPr lang="es-AR" sz="4000" dirty="0" err="1"/>
+              <a:t>while</a:t>
+            </a:r>
+            <a:r>
+              <a:rPr lang="es-AR" sz="4000" dirty="0"/>
+              <a:t> (</a:t>
+            </a:r>
+            <a:r>
+              <a:rPr lang="es-AR" sz="4000" dirty="0" err="1"/>
+              <a:t>left</a:t>
+            </a:r>
+            <a:r>
+              <a:rPr lang="es-AR" sz="4000" dirty="0"/>
+              <a:t> &lt;= </a:t>
+            </a:r>
+            <a:r>
+              <a:rPr lang="es-AR" sz="4000" dirty="0" err="1"/>
+              <a:t>right</a:t>
+            </a:r>
+            <a:r>
+              <a:rPr lang="es-AR" sz="4000" dirty="0"/>
+              <a:t>) {</a:t>
+            </a:r>
+          </a:p>
+          <a:p>
+            <a:r>
+              <a:rPr lang="es-AR" sz="4000" dirty="0"/>
+              <a:t>      </a:t>
+            </a:r>
+            <a:r>
+              <a:rPr lang="es-AR" sz="4000" dirty="0" err="1"/>
+              <a:t>const</a:t>
+            </a:r>
+            <a:r>
+              <a:rPr lang="es-AR" sz="4000" dirty="0"/>
+              <a:t> mid: </a:t>
+            </a:r>
+            <a:r>
+              <a:rPr lang="es-AR" sz="4000" dirty="0" err="1"/>
+              <a:t>number</a:t>
+            </a:r>
+            <a:r>
+              <a:rPr lang="es-AR" sz="4000" dirty="0"/>
+              <a:t> = </a:t>
+            </a:r>
+            <a:r>
+              <a:rPr lang="es-AR" sz="4000" dirty="0" err="1"/>
+              <a:t>Math.floor</a:t>
+            </a:r>
+            <a:r>
+              <a:rPr lang="es-AR" sz="4000" dirty="0"/>
+              <a:t>((</a:t>
+            </a:r>
+            <a:r>
+              <a:rPr lang="es-AR" sz="4000" dirty="0" err="1"/>
+              <a:t>left</a:t>
+            </a:r>
+            <a:r>
+              <a:rPr lang="es-AR" sz="4000" dirty="0"/>
+              <a:t> + </a:t>
+            </a:r>
+            <a:r>
+              <a:rPr lang="es-AR" sz="4000" dirty="0" err="1"/>
+              <a:t>right</a:t>
+            </a:r>
+            <a:r>
+              <a:rPr lang="es-AR" sz="4000" dirty="0"/>
+              <a:t>) / 2);</a:t>
+            </a:r>
+          </a:p>
+          <a:p>
+            <a:r>
+              <a:rPr lang="es-AR" sz="4000" dirty="0"/>
+              <a:t>  </a:t>
+            </a:r>
+          </a:p>
+          <a:p>
+            <a:r>
+              <a:rPr lang="es-AR" sz="4000" dirty="0"/>
+              <a:t>      </a:t>
+            </a:r>
+            <a:r>
+              <a:rPr lang="es-AR" sz="4000" dirty="0" err="1"/>
+              <a:t>if</a:t>
+            </a:r>
+            <a:r>
+              <a:rPr lang="es-AR" sz="4000" dirty="0"/>
+              <a:t> (</a:t>
+            </a:r>
+            <a:r>
+              <a:rPr lang="es-AR" sz="4000" dirty="0" err="1"/>
+              <a:t>nums</a:t>
+            </a:r>
+            <a:r>
+              <a:rPr lang="es-AR" sz="4000" dirty="0"/>
+              <a:t>[</a:t>
+            </a:r>
+            <a:r>
+              <a:rPr lang="es-AR" sz="4000" dirty="0" err="1"/>
+              <a:t>mid</a:t>
+            </a:r>
+            <a:r>
+              <a:rPr lang="es-AR" sz="4000" dirty="0"/>
+              <a:t>] === target) </a:t>
+            </a:r>
+            <a:r>
+              <a:rPr lang="es-AR" sz="4000" dirty="0" err="1"/>
+              <a:t>return</a:t>
+            </a:r>
+            <a:r>
+              <a:rPr lang="es-AR" sz="4000" dirty="0"/>
+              <a:t> </a:t>
+            </a:r>
+            <a:r>
+              <a:rPr lang="es-AR" sz="4000" dirty="0" err="1"/>
+              <a:t>mid</a:t>
+            </a:r>
+            <a:r>
+              <a:rPr lang="es-AR" sz="4000" dirty="0"/>
+              <a:t>;</a:t>
+            </a:r>
+          </a:p>
+          <a:p>
+            <a:r>
+              <a:rPr lang="es-AR" sz="4000" dirty="0"/>
+              <a:t>      </a:t>
+            </a:r>
+            <a:r>
+              <a:rPr lang="es-AR" sz="4000" dirty="0" err="1"/>
+              <a:t>if</a:t>
+            </a:r>
+            <a:r>
+              <a:rPr lang="es-AR" sz="4000" dirty="0"/>
+              <a:t> (target &lt; </a:t>
+            </a:r>
+            <a:r>
+              <a:rPr lang="es-AR" sz="4000" dirty="0" err="1"/>
+              <a:t>nums</a:t>
+            </a:r>
+            <a:r>
+              <a:rPr lang="es-AR" sz="4000" dirty="0"/>
+              <a:t>[</a:t>
+            </a:r>
+            <a:r>
+              <a:rPr lang="es-AR" sz="4000" dirty="0" err="1"/>
+              <a:t>mid</a:t>
+            </a:r>
+            <a:r>
+              <a:rPr lang="es-AR" sz="4000" dirty="0"/>
+              <a:t>]) </a:t>
+            </a:r>
+            <a:r>
+              <a:rPr lang="es-AR" sz="4000" dirty="0" err="1"/>
+              <a:t>right</a:t>
+            </a:r>
+            <a:r>
+              <a:rPr lang="es-AR" sz="4000" dirty="0"/>
+              <a:t> = </a:t>
+            </a:r>
+            <a:r>
+              <a:rPr lang="es-AR" sz="4000" dirty="0" err="1"/>
+              <a:t>mid</a:t>
+            </a:r>
+            <a:r>
+              <a:rPr lang="es-AR" sz="4000" dirty="0"/>
+              <a:t> - 1;</a:t>
+            </a:r>
+          </a:p>
+          <a:p>
+            <a:r>
+              <a:rPr lang="es-AR" sz="4000" dirty="0"/>
+              <a:t>      </a:t>
+            </a:r>
+            <a:r>
+              <a:rPr lang="es-AR" sz="4000" dirty="0" err="1"/>
+              <a:t>else</a:t>
+            </a:r>
+            <a:r>
+              <a:rPr lang="es-AR" sz="4000" dirty="0"/>
+              <a:t> </a:t>
+            </a:r>
+            <a:r>
+              <a:rPr lang="es-AR" sz="4000" dirty="0" err="1"/>
+              <a:t>left</a:t>
+            </a:r>
+            <a:r>
+              <a:rPr lang="es-AR" sz="4000" dirty="0"/>
+              <a:t> = </a:t>
+            </a:r>
+            <a:r>
+              <a:rPr lang="es-AR" sz="4000" dirty="0" err="1"/>
+              <a:t>mid</a:t>
+            </a:r>
+            <a:r>
+              <a:rPr lang="es-AR" sz="4000" dirty="0"/>
+              <a:t> + 1;</a:t>
+            </a:r>
+          </a:p>
+          <a:p>
+            <a:r>
+              <a:rPr lang="es-AR" sz="4000" dirty="0"/>
+              <a:t>    }</a:t>
+            </a:r>
+          </a:p>
+          <a:p>
+            <a:r>
+              <a:rPr lang="es-AR" sz="4000" dirty="0"/>
+              <a:t>  </a:t>
+            </a:r>
+          </a:p>
+          <a:p>
+            <a:r>
+              <a:rPr lang="es-AR" sz="4000" dirty="0"/>
+              <a:t>    </a:t>
+            </a:r>
+            <a:r>
+              <a:rPr lang="es-AR" sz="4000" dirty="0" err="1"/>
+              <a:t>return</a:t>
+            </a:r>
+            <a:r>
+              <a:rPr lang="es-AR" sz="4000" dirty="0"/>
+              <a:t> -1;</a:t>
+            </a:r>
+          </a:p>
+          <a:p>
+            <a:r>
+              <a:rPr lang="es-AR" sz="4000" dirty="0"/>
+              <a:t>  }</a:t>
+            </a:r>
+          </a:p>
+          <a:p>
+            <a:r>
+              <a:rPr lang="es-AR" sz="4000" dirty="0"/>
+              <a:t>  </a:t>
+            </a:r>
+          </a:p>
+          <a:p>
+            <a:r>
+              <a:rPr lang="es-AR" sz="4000" dirty="0"/>
+              <a:t>  </a:t>
+            </a:r>
+            <a:r>
+              <a:rPr lang="es-AR" sz="4000" dirty="0" err="1"/>
+              <a:t>const</a:t>
+            </a:r>
+            <a:r>
+              <a:rPr lang="es-AR" sz="4000" dirty="0"/>
+              <a:t> </a:t>
+            </a:r>
+            <a:r>
+              <a:rPr lang="es-AR" sz="4000" dirty="0" err="1"/>
+              <a:t>numbers</a:t>
+            </a:r>
+            <a:r>
+              <a:rPr lang="es-AR" sz="4000" dirty="0"/>
+              <a:t>: </a:t>
+            </a:r>
+            <a:r>
+              <a:rPr lang="es-AR" sz="4000" dirty="0" err="1"/>
+              <a:t>number</a:t>
+            </a:r>
+            <a:r>
+              <a:rPr lang="es-AR" sz="4000" dirty="0"/>
+              <a:t>[] = [1,2,3,4,5,6,7,8,9,10,15,17];</a:t>
+            </a:r>
+          </a:p>
+          <a:p>
+            <a:r>
+              <a:rPr lang="es-AR" sz="4000" dirty="0"/>
+              <a:t>  </a:t>
+            </a:r>
+            <a:r>
+              <a:rPr lang="es-AR" sz="4000" dirty="0" err="1"/>
+              <a:t>const</a:t>
+            </a:r>
+            <a:r>
+              <a:rPr lang="es-AR" sz="4000" dirty="0"/>
+              <a:t> </a:t>
+            </a:r>
+            <a:r>
+              <a:rPr lang="es-AR" sz="4000" dirty="0" err="1"/>
+              <a:t>start</a:t>
+            </a:r>
+            <a:r>
+              <a:rPr lang="es-AR" sz="4000" dirty="0"/>
+              <a:t> = </a:t>
+            </a:r>
+            <a:r>
+              <a:rPr lang="es-AR" sz="4000" dirty="0" err="1"/>
+              <a:t>Date.now</a:t>
+            </a:r>
+            <a:r>
+              <a:rPr lang="es-AR" sz="4000" dirty="0"/>
+              <a:t>();</a:t>
+            </a:r>
+          </a:p>
+          <a:p>
+            <a:r>
+              <a:rPr lang="es-AR" sz="4000" dirty="0"/>
+              <a:t>  </a:t>
+            </a:r>
+          </a:p>
+          <a:p>
+            <a:r>
+              <a:rPr lang="es-AR" sz="4000" dirty="0"/>
+              <a:t>  </a:t>
+            </a:r>
+            <a:r>
+              <a:rPr lang="es-AR" sz="4000" dirty="0" err="1"/>
+              <a:t>const</a:t>
+            </a:r>
+            <a:r>
+              <a:rPr lang="es-AR" sz="4000" dirty="0"/>
+              <a:t> </a:t>
+            </a:r>
+            <a:r>
+              <a:rPr lang="es-AR" sz="4000" dirty="0" err="1"/>
+              <a:t>posicion</a:t>
+            </a:r>
+            <a:r>
+              <a:rPr lang="es-AR" sz="4000" dirty="0"/>
+              <a:t>: </a:t>
+            </a:r>
+            <a:r>
+              <a:rPr lang="es-AR" sz="4000" dirty="0" err="1"/>
+              <a:t>number</a:t>
+            </a:r>
+            <a:r>
+              <a:rPr lang="es-AR" sz="4000" dirty="0"/>
+              <a:t> = </a:t>
+            </a:r>
+            <a:r>
+              <a:rPr lang="es-AR" sz="4000" dirty="0" err="1"/>
+              <a:t>busqueda_binaria</a:t>
+            </a:r>
+            <a:r>
+              <a:rPr lang="es-AR" sz="4000" dirty="0"/>
+              <a:t>(numbers,10);</a:t>
+            </a:r>
+          </a:p>
+          <a:p>
+            <a:r>
+              <a:rPr lang="es-AR" sz="4000" dirty="0"/>
+              <a:t>  console.log(</a:t>
+            </a:r>
+            <a:r>
+              <a:rPr lang="es-AR" sz="4000" dirty="0" err="1"/>
+              <a:t>posicion</a:t>
+            </a:r>
+            <a:r>
+              <a:rPr lang="es-AR" sz="4000" dirty="0"/>
+              <a:t>);</a:t>
+            </a:r>
+          </a:p>
+          <a:p>
+            <a:r>
+              <a:rPr lang="es-AR" sz="4000" dirty="0"/>
+              <a:t>  </a:t>
+            </a:r>
+          </a:p>
+          <a:p>
+            <a:r>
+              <a:rPr lang="es-AR" sz="4000" dirty="0"/>
+              <a:t>  </a:t>
+            </a:r>
+            <a:r>
+              <a:rPr lang="es-AR" sz="4000" dirty="0" err="1"/>
+              <a:t>const</a:t>
+            </a:r>
+            <a:r>
+              <a:rPr lang="es-AR" sz="4000" dirty="0"/>
+              <a:t> </a:t>
+            </a:r>
+            <a:r>
+              <a:rPr lang="es-AR" sz="4000" dirty="0" err="1"/>
+              <a:t>end</a:t>
+            </a:r>
+            <a:r>
+              <a:rPr lang="es-AR" sz="4000" dirty="0"/>
+              <a:t> = </a:t>
+            </a:r>
+            <a:r>
+              <a:rPr lang="es-AR" sz="4000" dirty="0" err="1"/>
+              <a:t>Date.now</a:t>
+            </a:r>
+            <a:r>
+              <a:rPr lang="es-AR" sz="4000" dirty="0"/>
+              <a:t>();</a:t>
+            </a:r>
+          </a:p>
+          <a:p>
+            <a:r>
+              <a:rPr lang="es-AR" sz="4000" dirty="0"/>
+              <a:t>  console.log(`</a:t>
+            </a:r>
+            <a:r>
+              <a:rPr lang="es-AR" sz="4000" dirty="0" err="1"/>
+              <a:t>Execution</a:t>
+            </a:r>
+            <a:r>
+              <a:rPr lang="es-AR" sz="4000" dirty="0"/>
+              <a:t> time: ${(</a:t>
+            </a:r>
+            <a:r>
+              <a:rPr lang="es-AR" sz="4000" dirty="0" err="1"/>
+              <a:t>end</a:t>
+            </a:r>
+            <a:r>
+              <a:rPr lang="es-AR" sz="4000" dirty="0"/>
+              <a:t> - </a:t>
+            </a:r>
+            <a:r>
+              <a:rPr lang="es-AR" sz="4000" dirty="0" err="1"/>
+              <a:t>start</a:t>
+            </a:r>
+            <a:r>
+              <a:rPr lang="es-AR" sz="4000" dirty="0"/>
+              <a:t>)/1000} s`);</a:t>
+            </a:r>
+          </a:p>
+          <a:p>
+            <a:r>
+              <a:rPr lang="es-AR" dirty="0"/>
+              <a:t/>
+            </a:r>
+            <a:br>
+              <a:rPr lang="es-AR" dirty="0"/>
+            </a:br>
+            <a:endParaRPr lang="es-AR" dirty="0"/>
+          </a:p>
+        </p:txBody>
+      </p:sp>
+    </p:spTree>
+    <p:extLst>
+      <p:ext uri="{BB962C8B-B14F-4D97-AF65-F5344CB8AC3E}">
+        <p14:creationId xmlns:p14="http://schemas.microsoft.com/office/powerpoint/2010/main" val="548421890"/>
+      </p:ext>
+    </p:extLst>
+  </p:cSld>
+  <p:clrMapOvr>
+    <a:masterClrMapping/>
+  </p:clrMapOvr>
+</p:sld>
+</file>
+
+<file path=ppt/slides/slide8.xml><?xml version="1.0" encoding="utf-8"?>
+<p:sld xmlns:a="http://schemas.openxmlformats.org/drawingml/2006/main" xmlns:r="http://schemas.openxmlformats.org/officeDocument/2006/relationships" xmlns:p="http://schemas.openxmlformats.org/presentationml/2006/main">
+  <p:cSld>
+    <p:spTree>
+      <p:nvGrpSpPr>
+        <p:cNvPr id="1" name=""/>
+        <p:cNvGrpSpPr/>
+        <p:nvPr/>
+      </p:nvGrpSpPr>
+      <p:grpSpPr>
+        <a:xfrm>
+          <a:off x="0" y="0"/>
+          <a:ext cx="0" cy="0"/>
+          <a:chOff x="0" y="0"/>
+          <a:chExt cx="0" cy="0"/>
+        </a:xfrm>
+      </p:grpSpPr>
+      <p:sp>
+        <p:nvSpPr>
+          <p:cNvPr id="2" name="Título 1"/>
+          <p:cNvSpPr>
+            <a:spLocks noGrp="1"/>
+          </p:cNvSpPr>
+          <p:nvPr>
+            <p:ph type="title"/>
+          </p:nvPr>
+        </p:nvSpPr>
+        <p:spPr>
+          <a:xfrm>
+            <a:off x="838200" y="-25460"/>
+            <a:ext cx="10515600" cy="1325563"/>
+          </a:xfrm>
+        </p:spPr>
+        <p:txBody>
+          <a:bodyPr/>
+          <a:lstStyle/>
+          <a:p>
+            <a:r>
+              <a:rPr lang="es-ES" dirty="0" smtClean="0"/>
+              <a:t>Comparativa de rendimiento </a:t>
+            </a:r>
+            <a:endParaRPr lang="es-AR" dirty="0"/>
+          </a:p>
+        </p:txBody>
+      </p:sp>
+      <p:sp>
+        <p:nvSpPr>
+          <p:cNvPr id="6" name="Rectángulo 5"/>
+          <p:cNvSpPr/>
+          <p:nvPr/>
+        </p:nvSpPr>
+        <p:spPr>
+          <a:xfrm>
+            <a:off x="5522766" y="3244334"/>
+            <a:ext cx="1146468" cy="369332"/>
+          </a:xfrm>
+          <a:prstGeom prst="rect">
+            <a:avLst/>
+          </a:prstGeom>
+        </p:spPr>
+        <p:txBody>
+          <a:bodyPr wrap="none">
+            <a:spAutoFit/>
+          </a:bodyPr>
+          <a:lstStyle/>
+          <a:p>
+            <a:r>
+              <a:rPr lang="es-AR" altLang="es-AR" dirty="0">
+                <a:latin typeface="Arial Unicode MS"/>
+              </a:rPr>
+              <a:t>0.000014</a:t>
+            </a:r>
+            <a:endParaRPr lang="es-AR" dirty="0"/>
+          </a:p>
+        </p:txBody>
+      </p:sp>
+      <p:pic>
+        <p:nvPicPr>
+          <p:cNvPr id="3" name="Imagen 2"/>
+          <p:cNvPicPr>
+            <a:picLocks noChangeAspect="1"/>
+          </p:cNvPicPr>
+          <p:nvPr/>
+        </p:nvPicPr>
+        <p:blipFill>
+          <a:blip r:embed="rId2"/>
+          <a:stretch>
+            <a:fillRect/>
+          </a:stretch>
+        </p:blipFill>
+        <p:spPr>
+          <a:xfrm>
+            <a:off x="304800" y="1042988"/>
+            <a:ext cx="10898910" cy="2759293"/>
+          </a:xfrm>
+          <a:prstGeom prst="rect">
+            <a:avLst/>
+          </a:prstGeom>
+        </p:spPr>
+      </p:pic>
+      <p:pic>
+        <p:nvPicPr>
+          <p:cNvPr id="5" name="Imagen 4"/>
+          <p:cNvPicPr>
+            <a:picLocks noChangeAspect="1"/>
+          </p:cNvPicPr>
+          <p:nvPr/>
+        </p:nvPicPr>
+        <p:blipFill>
+          <a:blip r:embed="rId3"/>
+          <a:stretch>
+            <a:fillRect/>
+          </a:stretch>
+        </p:blipFill>
+        <p:spPr>
+          <a:xfrm>
+            <a:off x="597473" y="3802280"/>
+            <a:ext cx="10606237" cy="2589283"/>
+          </a:xfrm>
+          <a:prstGeom prst="rect">
+            <a:avLst/>
+          </a:prstGeom>
+        </p:spPr>
+      </p:pic>
+    </p:spTree>
+    <p:extLst>
+      <p:ext uri="{BB962C8B-B14F-4D97-AF65-F5344CB8AC3E}">
+        <p14:creationId xmlns:p14="http://schemas.microsoft.com/office/powerpoint/2010/main" val="179422432"/>
+      </p:ext>
+    </p:extLst>
+  </p:cSld>
+  <p:clrMapOvr>
+    <a:masterClrMapping/>
+  </p:clrMapOvr>
+</p:sld>
+</file>
+
+<file path=ppt/slides/slide9.xml><?xml version="1.0" encoding="utf-8"?>
+<p:sld xmlns:a="http://schemas.openxmlformats.org/drawingml/2006/main" xmlns:r="http://schemas.openxmlformats.org/officeDocument/2006/relationships" xmlns:p="http://schemas.openxmlformats.org/presentationml/2006/main">
+  <p:cSld>
+    <p:bg>
+      <p:bgPr>
+        <a:solidFill>
+          <a:schemeClr val="bg1"/>
+        </a:solidFill>
+        <a:effectLst/>
+      </p:bgPr>
+    </p:bg>
+    <p:spTree>
+      <p:nvGrpSpPr>
+        <p:cNvPr id="1" name=""/>
+        <p:cNvGrpSpPr/>
+        <p:nvPr/>
+      </p:nvGrpSpPr>
+      <p:grpSpPr>
+        <a:xfrm>
+          <a:off x="0" y="0"/>
+          <a:ext cx="0" cy="0"/>
+          <a:chOff x="0" y="0"/>
+          <a:chExt cx="0" cy="0"/>
+        </a:xfrm>
+      </p:grpSpPr>
+      <p:sp useBgFill="1">
+        <p:nvSpPr>
+          <p:cNvPr id="8" name="Rectangle 7">
+            <a:extLst>
+              <a:ext uri="{FF2B5EF4-FFF2-40B4-BE49-F238E27FC236}">
+                <a16:creationId xmlns:a16="http://schemas.microsoft.com/office/drawing/2014/main" id="{907EF6B7-1338-4443-8C46-6A318D952DFD}"/>
+              </a:ext>
+              <a:ext uri="{C183D7F6-B498-43B3-948B-1728B52AA6E4}">
+                <adec:decorative xmlns:adec="http://schemas.microsoft.com/office/drawing/2017/decorative" xmlns="" val="1"/>
+              </a:ext>
+            </a:extLst>
+          </p:cNvPr>
+          <p:cNvSpPr>
+            <a:spLocks noGrp="1" noRot="1" noChangeAspect="1" noMove="1" noResize="1" noEditPoints="1" noAdjustHandles="1" noChangeArrowheads="1" noChangeShapeType="1" noTextEdit="1"/>
+          </p:cNvSpPr>
+          <p:nvPr>
+            <p:extLst>
+              <p:ext uri="{386F3935-93C4-4BCD-93E2-E3B085C9AB24}">
+                <p16:designElem xmlns:p16="http://schemas.microsoft.com/office/powerpoint/2015/main" val="1"/>
+              </p:ext>
+            </p:extLst>
+          </p:nvPr>
+        </p:nvSpPr>
+        <p:spPr>
+          <a:xfrm>
+            <a:off x="3048" y="0"/>
+            <a:ext cx="12188952" cy="6858000"/>
+          </a:xfrm>
+          <a:prstGeom prst="rect">
+            <a:avLst/>
+          </a:prstGeom>
+          <a:ln>
+            <a:noFill/>
+          </a:ln>
+        </p:spPr>
+        <p:style>
+          <a:lnRef idx="2">
+            <a:schemeClr val="accent1">
+              <a:shade val="50000"/>
+            </a:schemeClr>
+          </a:lnRef>
+          <a:fillRef idx="1">
+            <a:schemeClr val="accent1"/>
+          </a:fillRef>
+          <a:effectRef idx="0">
+            <a:schemeClr val="accent1"/>
+          </a:effectRef>
+          <a:fontRef idx="minor">
+            <a:schemeClr val="lt1"/>
+          </a:fontRef>
+        </p:style>
+        <p:txBody>
+          <a:bodyPr rtlCol="0" anchor="ctr"/>
+          <a:lstStyle/>
+          <a:p>
+            <a:pPr algn="ctr"/>
+            <a:endParaRPr lang="en-US"/>
+          </a:p>
+        </p:txBody>
+      </p:sp>
+      <p:sp>
+        <p:nvSpPr>
+          <p:cNvPr id="10" name="Freeform: Shape 9">
+            <a:extLst>
+              <a:ext uri="{FF2B5EF4-FFF2-40B4-BE49-F238E27FC236}">
+                <a16:creationId xmlns:a16="http://schemas.microsoft.com/office/drawing/2014/main" id="{DAAE4CDD-124C-4DCF-9584-B6033B545DD5}"/>
+              </a:ext>
+              <a:ext uri="{C183D7F6-B498-43B3-948B-1728B52AA6E4}">
+                <adec:decorative xmlns:adec="http://schemas.microsoft.com/office/drawing/2017/decorative" xmlns="" val="1"/>
+              </a:ext>
+            </a:extLst>
+          </p:cNvPr>
+          <p:cNvSpPr>
+            <a:spLocks noGrp="1" noRot="1" noChangeAspect="1" noMove="1" noResize="1" noEditPoints="1" noAdjustHandles="1" noChangeArrowheads="1" noChangeShapeType="1" noTextEdit="1"/>
+          </p:cNvSpPr>
+          <p:nvPr>
+            <p:extLst>
+              <p:ext uri="{386F3935-93C4-4BCD-93E2-E3B085C9AB24}">
+                <p16:designElem xmlns:p16="http://schemas.microsoft.com/office/powerpoint/2015/main" val="1"/>
+              </p:ext>
+            </p:extLst>
+          </p:nvPr>
+        </p:nvSpPr>
+        <p:spPr>
+          <a:xfrm>
+            <a:off x="1" y="0"/>
+            <a:ext cx="4167271" cy="6858000"/>
+          </a:xfrm>
+          <a:custGeom>
+            <a:avLst/>
+            <a:gdLst>
+              <a:gd name="connsiteX0" fmla="*/ 0 w 4167271"/>
+              <a:gd name="connsiteY0" fmla="*/ 0 h 6858000"/>
+              <a:gd name="connsiteX1" fmla="*/ 2259550 w 4167271"/>
+              <a:gd name="connsiteY1" fmla="*/ 0 h 6858000"/>
+              <a:gd name="connsiteX2" fmla="*/ 2387803 w 4167271"/>
+              <a:gd name="connsiteY2" fmla="*/ 82222 h 6858000"/>
+              <a:gd name="connsiteX3" fmla="*/ 4167271 w 4167271"/>
+              <a:gd name="connsiteY3" fmla="*/ 3429000 h 6858000"/>
+              <a:gd name="connsiteX4" fmla="*/ 2387803 w 4167271"/>
+              <a:gd name="connsiteY4" fmla="*/ 6775779 h 6858000"/>
+              <a:gd name="connsiteX5" fmla="*/ 2259550 w 4167271"/>
+              <a:gd name="connsiteY5" fmla="*/ 6858000 h 6858000"/>
+              <a:gd name="connsiteX6" fmla="*/ 0 w 4167271"/>
+              <a:gd name="connsiteY6" fmla="*/ 6858000 h 6858000"/>
+            </a:gdLst>
+            <a:ahLst/>
+            <a:cxnLst>
+              <a:cxn ang="0">
+                <a:pos x="connsiteX0" y="connsiteY0"/>
+              </a:cxn>
+              <a:cxn ang="0">
+                <a:pos x="connsiteX1" y="connsiteY1"/>
+              </a:cxn>
+              <a:cxn ang="0">
+                <a:pos x="connsiteX2" y="connsiteY2"/>
+              </a:cxn>
+              <a:cxn ang="0">
+                <a:pos x="connsiteX3" y="connsiteY3"/>
+              </a:cxn>
+              <a:cxn ang="0">
+                <a:pos x="connsiteX4" y="connsiteY4"/>
+              </a:cxn>
+              <a:cxn ang="0">
+                <a:pos x="connsiteX5" y="connsiteY5"/>
+              </a:cxn>
+              <a:cxn ang="0">
+                <a:pos x="connsiteX6" y="connsiteY6"/>
+              </a:cxn>
+            </a:cxnLst>
+            <a:rect l="l" t="t" r="r" b="b"/>
+            <a:pathLst>
+              <a:path w="4167271" h="6858000">
+                <a:moveTo>
+                  <a:pt x="0" y="0"/>
+                </a:moveTo>
+                <a:lnTo>
+                  <a:pt x="2259550" y="0"/>
+                </a:lnTo>
+                <a:lnTo>
+                  <a:pt x="2387803" y="82222"/>
+                </a:lnTo>
+                <a:cubicBezTo>
+                  <a:pt x="3461407" y="807534"/>
+                  <a:pt x="4167271" y="2035835"/>
+                  <a:pt x="4167271" y="3429000"/>
+                </a:cubicBezTo>
+                <a:cubicBezTo>
+                  <a:pt x="4167271" y="4822165"/>
+                  <a:pt x="3461407" y="6050467"/>
+                  <a:pt x="2387803" y="6775779"/>
+                </a:cubicBezTo>
+                <a:lnTo>
+                  <a:pt x="2259550" y="6858000"/>
+                </a:lnTo>
+                <a:lnTo>
+                  <a:pt x="0" y="6858000"/>
+                </a:lnTo>
+                <a:close/>
+              </a:path>
+            </a:pathLst>
+          </a:custGeom>
+          <a:solidFill>
+            <a:schemeClr val="accent2"/>
+          </a:solidFill>
+          <a:ln>
+            <a:noFill/>
+          </a:ln>
+        </p:spPr>
+        <p:style>
+          <a:lnRef idx="2">
+            <a:schemeClr val="accent1">
+              <a:shade val="50000"/>
+            </a:schemeClr>
+          </a:lnRef>
+          <a:fillRef idx="1">
+            <a:schemeClr val="accent1"/>
+          </a:fillRef>
+          <a:effectRef idx="0">
+            <a:schemeClr val="accent1"/>
+          </a:effectRef>
+          <a:fontRef idx="minor">
+            <a:schemeClr val="lt1"/>
+          </a:fontRef>
+        </p:style>
+        <p:txBody>
+          <a:bodyPr rtlCol="0" anchor="ctr"/>
+          <a:lstStyle/>
+          <a:p>
+            <a:pPr algn="ctr"/>
+            <a:endParaRPr lang="en-US"/>
+          </a:p>
+        </p:txBody>
+      </p:sp>
+      <p:sp>
+        <p:nvSpPr>
+          <p:cNvPr id="2" name="Título 1">
+            <a:extLst>
+              <a:ext uri="{FF2B5EF4-FFF2-40B4-BE49-F238E27FC236}">
+                <a16:creationId xmlns:a16="http://schemas.microsoft.com/office/drawing/2014/main" id="{4C13B192-EB51-1AEB-262D-C2572CA7F8D4}"/>
+              </a:ext>
+            </a:extLst>
+          </p:cNvPr>
+          <p:cNvSpPr>
+            <a:spLocks noGrp="1"/>
+          </p:cNvSpPr>
+          <p:nvPr>
+            <p:ph type="title"/>
+          </p:nvPr>
+        </p:nvSpPr>
+        <p:spPr>
+          <a:xfrm>
+            <a:off x="686834" y="1153572"/>
+            <a:ext cx="3200400" cy="4461163"/>
+          </a:xfrm>
+        </p:spPr>
+        <p:txBody>
+          <a:bodyPr>
+            <a:normAutofit/>
+          </a:bodyPr>
+          <a:lstStyle/>
+          <a:p>
+            <a:r>
+              <a:rPr lang="es-ES">
+                <a:solidFill>
+                  <a:srgbClr val="FFFFFF"/>
+                </a:solidFill>
+              </a:rPr>
+              <a:t>Conclusiones</a:t>
+            </a:r>
+            <a:endParaRPr lang="es-AR">
+              <a:solidFill>
+                <a:srgbClr val="FFFFFF"/>
+              </a:solidFill>
+            </a:endParaRPr>
+          </a:p>
+        </p:txBody>
+      </p:sp>
+      <p:sp>
+        <p:nvSpPr>
+          <p:cNvPr id="12" name="Arc 11">
+            <a:extLst>
+              <a:ext uri="{FF2B5EF4-FFF2-40B4-BE49-F238E27FC236}">
+                <a16:creationId xmlns:a16="http://schemas.microsoft.com/office/drawing/2014/main" id="{081E4A58-353D-44AE-B2FC-2A74E2E400F7}"/>
+              </a:ext>
+              <a:ext uri="{C183D7F6-B498-43B3-948B-1728B52AA6E4}">
+                <adec:decorative xmlns:adec="http://schemas.microsoft.com/office/drawing/2017/decorative" xmlns="" val="1"/>
+              </a:ext>
+            </a:extLst>
+          </p:cNvPr>
+          <p:cNvSpPr>
+            <a:spLocks noGrp="1" noRot="1" noChangeAspect="1" noMove="1" noResize="1" noEditPoints="1" noAdjustHandles="1" noChangeArrowheads="1" noChangeShapeType="1" noTextEdit="1"/>
+          </p:cNvSpPr>
+          <p:nvPr>
+            <p:extLst>
+              <p:ext uri="{386F3935-93C4-4BCD-93E2-E3B085C9AB24}">
+                <p16:designElem xmlns:p16="http://schemas.microsoft.com/office/powerpoint/2015/main" val="1"/>
+              </p:ext>
+            </p:extLst>
+          </p:nvPr>
+        </p:nvSpPr>
+        <p:spPr>
+          <a:xfrm flipV="1">
+            <a:off x="7550402" y="2455479"/>
+            <a:ext cx="4083433" cy="4083433"/>
+          </a:xfrm>
+          <a:prstGeom prst="arc">
+            <a:avLst/>
+          </a:prstGeom>
+          <a:ln w="127000" cap="rnd">
+            <a:solidFill>
+              <a:schemeClr val="accent4"/>
+            </a:solidFill>
+            <a:prstDash val="dash"/>
+          </a:ln>
+        </p:spPr>
+        <p:style>
+          <a:lnRef idx="1">
+            <a:schemeClr val="accent1"/>
+          </a:lnRef>
+          <a:fillRef idx="0">
+            <a:schemeClr val="accent1"/>
+          </a:fillRef>
+          <a:effectRef idx="0">
+            <a:schemeClr val="accent1"/>
+          </a:effectRef>
+          <a:fontRef idx="minor">
+            <a:schemeClr val="tx1"/>
+          </a:fontRef>
+        </p:style>
+        <p:txBody>
+          <a:bodyPr rtlCol="0" anchor="ctr"/>
+          <a:lstStyle/>
+          <a:p>
+            <a:pPr algn="ctr"/>
+            <a:endParaRPr lang="en-US" dirty="0"/>
+          </a:p>
+        </p:txBody>
+      </p:sp>
+      <p:sp>
+        <p:nvSpPr>
+          <p:cNvPr id="3" name="Marcador de contenido 2">
+            <a:extLst>
+              <a:ext uri="{FF2B5EF4-FFF2-40B4-BE49-F238E27FC236}">
+                <a16:creationId xmlns:a16="http://schemas.microsoft.com/office/drawing/2014/main" id="{D9402AE8-109C-B0DC-6A19-1D48EA363F35}"/>
+              </a:ext>
+            </a:extLst>
+          </p:cNvPr>
+          <p:cNvSpPr>
+            <a:spLocks noGrp="1"/>
+          </p:cNvSpPr>
+          <p:nvPr>
+            <p:ph idx="1"/>
+          </p:nvPr>
+        </p:nvSpPr>
+        <p:spPr>
+          <a:xfrm>
+            <a:off x="4447308" y="591344"/>
+            <a:ext cx="6906491" cy="5585619"/>
+          </a:xfrm>
+        </p:spPr>
+        <p:txBody>
+          <a:bodyPr anchor="ctr">
+            <a:normAutofit/>
+          </a:bodyPr>
+          <a:lstStyle/>
+          <a:p>
+            <a:r>
+              <a:rPr lang="es-ES" dirty="0" smtClean="0">
+                <a:latin typeface="Arial" panose="020B0604020202020204" pitchFamily="34" charset="0"/>
+                <a:ea typeface="Calibri" panose="020F0502020204030204" pitchFamily="34" charset="0"/>
+                <a:cs typeface="Times New Roman" panose="02020603050405020304" pitchFamily="18" charset="0"/>
+              </a:rPr>
+              <a:t>Por lo que observamos</a:t>
+            </a:r>
+            <a:r>
+              <a:rPr lang="es-ES" dirty="0" smtClean="0">
+                <a:latin typeface="Arial" panose="020B0604020202020204" pitchFamily="34" charset="0"/>
+                <a:ea typeface="Calibri" panose="020F0502020204030204" pitchFamily="34" charset="0"/>
+                <a:cs typeface="Times New Roman" panose="02020603050405020304" pitchFamily="18" charset="0"/>
+              </a:rPr>
+              <a:t>, Ruby es </a:t>
+            </a:r>
+            <a:r>
+              <a:rPr lang="es-ES" dirty="0">
+                <a:latin typeface="Arial" panose="020B0604020202020204" pitchFamily="34" charset="0"/>
+                <a:ea typeface="Calibri" panose="020F0502020204030204" pitchFamily="34" charset="0"/>
+                <a:cs typeface="Times New Roman" panose="02020603050405020304" pitchFamily="18" charset="0"/>
+              </a:rPr>
+              <a:t>más potente </a:t>
+            </a:r>
+            <a:r>
+              <a:rPr lang="es-ES" dirty="0" smtClean="0">
+                <a:latin typeface="Arial" panose="020B0604020202020204" pitchFamily="34" charset="0"/>
+                <a:ea typeface="Calibri" panose="020F0502020204030204" pitchFamily="34" charset="0"/>
+                <a:cs typeface="Times New Roman" panose="02020603050405020304" pitchFamily="18" charset="0"/>
+              </a:rPr>
+              <a:t>a nivel rendimiento que </a:t>
+            </a:r>
+            <a:r>
+              <a:rPr lang="es-ES" dirty="0" err="1" smtClean="0">
+                <a:latin typeface="Arial" panose="020B0604020202020204" pitchFamily="34" charset="0"/>
+                <a:ea typeface="Calibri" panose="020F0502020204030204" pitchFamily="34" charset="0"/>
+                <a:cs typeface="Times New Roman" panose="02020603050405020304" pitchFamily="18" charset="0"/>
+              </a:rPr>
+              <a:t>Typescript</a:t>
+            </a:r>
+            <a:r>
+              <a:rPr lang="es-ES" dirty="0" smtClean="0">
+                <a:latin typeface="Arial" panose="020B0604020202020204" pitchFamily="34" charset="0"/>
+                <a:ea typeface="Calibri" panose="020F0502020204030204" pitchFamily="34" charset="0"/>
+                <a:cs typeface="Times New Roman" panose="02020603050405020304" pitchFamily="18" charset="0"/>
+              </a:rPr>
+              <a:t>.</a:t>
+            </a:r>
+            <a:endParaRPr lang="es-AR" dirty="0"/>
+          </a:p>
+        </p:txBody>
+      </p:sp>
+    </p:spTree>
+    <p:extLst>
+      <p:ext uri="{BB962C8B-B14F-4D97-AF65-F5344CB8AC3E}">
+        <p14:creationId xmlns:p14="http://schemas.microsoft.com/office/powerpoint/2010/main" val="1220940919"/>
       </p:ext>
     </p:extLst>
   </p:cSld>
